--- a/slides/Xamarin.pptx
+++ b/slides/Xamarin.pptx
@@ -13,15 +13,18 @@
     <p:sldId id="270" r:id="rId7"/>
     <p:sldId id="269" r:id="rId8"/>
     <p:sldId id="259" r:id="rId9"/>
-    <p:sldId id="275" r:id="rId10"/>
-    <p:sldId id="271" r:id="rId11"/>
-    <p:sldId id="272" r:id="rId12"/>
-    <p:sldId id="273" r:id="rId13"/>
-    <p:sldId id="274" r:id="rId14"/>
-    <p:sldId id="262" r:id="rId15"/>
-    <p:sldId id="263" r:id="rId16"/>
-    <p:sldId id="264" r:id="rId17"/>
-    <p:sldId id="265" r:id="rId18"/>
+    <p:sldId id="276" r:id="rId10"/>
+    <p:sldId id="277" r:id="rId11"/>
+    <p:sldId id="275" r:id="rId12"/>
+    <p:sldId id="271" r:id="rId13"/>
+    <p:sldId id="272" r:id="rId14"/>
+    <p:sldId id="273" r:id="rId15"/>
+    <p:sldId id="274" r:id="rId16"/>
+    <p:sldId id="278" r:id="rId17"/>
+    <p:sldId id="262" r:id="rId18"/>
+    <p:sldId id="263" r:id="rId19"/>
+    <p:sldId id="264" r:id="rId20"/>
+    <p:sldId id="265" r:id="rId21"/>
   </p:sldIdLst>
   <p:sldSz cx="12192000" cy="6858000"/>
   <p:notesSz cx="6858000" cy="9144000"/>
@@ -172,7 +175,7 @@
           </a:lstStyle>
           <a:p>
             <a:r>
-              <a:rPr lang="de-DE" smtClean="0"/>
+              <a:rPr lang="de-DE"/>
               <a:t>Titelmasterformat durch Klicken bearbeiten</a:t>
             </a:r>
             <a:endParaRPr lang="en-US" dirty="0"/>
@@ -237,7 +240,7 @@
           </a:lstStyle>
           <a:p>
             <a:r>
-              <a:rPr lang="de-DE" smtClean="0"/>
+              <a:rPr lang="de-DE"/>
               <a:t>Formatvorlage des Untertitelmasters durch Klicken bearbeiten</a:t>
             </a:r>
             <a:endParaRPr lang="en-US" dirty="0"/>
@@ -261,7 +264,7 @@
           <a:p>
             <a:fld id="{D1518E1E-6210-4337-81B1-36E4540DFF33}" type="datetimeFigureOut">
               <a:rPr lang="de-DE" smtClean="0"/>
-              <a:t>27.04.2016</a:t>
+              <a:t>01.09.2016</a:t>
             </a:fld>
             <a:endParaRPr lang="de-DE"/>
           </a:p>
@@ -303,7 +306,7 @@
           <a:p>
             <a:fld id="{3FDF559A-6270-46E7-B1DD-F88789681E6F}" type="slidenum">
               <a:rPr lang="de-DE" smtClean="0"/>
-              <a:t>‹#›</a:t>
+              <a:t>‹Nr.›</a:t>
             </a:fld>
             <a:endParaRPr lang="de-DE"/>
           </a:p>
@@ -366,7 +369,7 @@
           </a:lstStyle>
           <a:p>
             <a:r>
-              <a:rPr lang="de-DE" smtClean="0"/>
+              <a:rPr lang="de-DE"/>
               <a:t>Titelmasterformat durch Klicken bearbeiten</a:t>
             </a:r>
             <a:endParaRPr lang="en-US" dirty="0"/>
@@ -457,7 +460,7 @@
           </a:lstStyle>
           <a:p>
             <a:r>
-              <a:rPr lang="de-DE" smtClean="0"/>
+              <a:rPr lang="de-DE"/>
               <a:t>Bild durch Klicken auf Symbol hinzufügen</a:t>
             </a:r>
             <a:endParaRPr lang="en-US" dirty="0"/>
@@ -525,7 +528,7 @@
           <a:p>
             <a:pPr lvl="0"/>
             <a:r>
-              <a:rPr lang="de-DE" smtClean="0"/>
+              <a:rPr lang="de-DE"/>
               <a:t>Textmasterformat bearbeiten</a:t>
             </a:r>
           </a:p>
@@ -548,7 +551,7 @@
           <a:p>
             <a:fld id="{D1518E1E-6210-4337-81B1-36E4540DFF33}" type="datetimeFigureOut">
               <a:rPr lang="de-DE" smtClean="0"/>
-              <a:t>27.04.2016</a:t>
+              <a:t>01.09.2016</a:t>
             </a:fld>
             <a:endParaRPr lang="de-DE"/>
           </a:p>
@@ -590,7 +593,7 @@
           <a:p>
             <a:fld id="{3FDF559A-6270-46E7-B1DD-F88789681E6F}" type="slidenum">
               <a:rPr lang="de-DE" smtClean="0"/>
-              <a:t>‹#›</a:t>
+              <a:t>‹Nr.›</a:t>
             </a:fld>
             <a:endParaRPr lang="de-DE"/>
           </a:p>
@@ -651,7 +654,7 @@
           </a:lstStyle>
           <a:p>
             <a:r>
-              <a:rPr lang="de-DE" smtClean="0"/>
+              <a:rPr lang="de-DE"/>
               <a:t>Titelmasterformat durch Klicken bearbeiten</a:t>
             </a:r>
             <a:endParaRPr lang="en-US" dirty="0"/>
@@ -717,7 +720,7 @@
           <a:p>
             <a:pPr lvl="0"/>
             <a:r>
-              <a:rPr lang="de-DE" smtClean="0"/>
+              <a:rPr lang="de-DE"/>
               <a:t>Textmasterformat bearbeiten</a:t>
             </a:r>
           </a:p>
@@ -740,7 +743,7 @@
           <a:p>
             <a:fld id="{D1518E1E-6210-4337-81B1-36E4540DFF33}" type="datetimeFigureOut">
               <a:rPr lang="de-DE" smtClean="0"/>
-              <a:t>27.04.2016</a:t>
+              <a:t>01.09.2016</a:t>
             </a:fld>
             <a:endParaRPr lang="de-DE"/>
           </a:p>
@@ -782,7 +785,7 @@
           <a:p>
             <a:fld id="{3FDF559A-6270-46E7-B1DD-F88789681E6F}" type="slidenum">
               <a:rPr lang="de-DE" smtClean="0"/>
-              <a:t>‹#›</a:t>
+              <a:t>‹Nr.›</a:t>
             </a:fld>
             <a:endParaRPr lang="de-DE"/>
           </a:p>
@@ -843,7 +846,7 @@
           </a:lstStyle>
           <a:p>
             <a:r>
-              <a:rPr lang="de-DE" smtClean="0"/>
+              <a:rPr lang="de-DE"/>
               <a:t>Titelmasterformat durch Klicken bearbeiten</a:t>
             </a:r>
             <a:endParaRPr lang="en-US" dirty="0"/>
@@ -911,7 +914,7 @@
           <a:p>
             <a:pPr lvl="0"/>
             <a:r>
-              <a:rPr lang="de-DE" smtClean="0"/>
+              <a:rPr lang="de-DE"/>
               <a:t>Textmasterformat bearbeiten</a:t>
             </a:r>
           </a:p>
@@ -978,7 +981,7 @@
           <a:p>
             <a:pPr lvl="0"/>
             <a:r>
-              <a:rPr lang="de-DE" smtClean="0"/>
+              <a:rPr lang="de-DE"/>
               <a:t>Textmasterformat bearbeiten</a:t>
             </a:r>
           </a:p>
@@ -1001,7 +1004,7 @@
           <a:p>
             <a:fld id="{D1518E1E-6210-4337-81B1-36E4540DFF33}" type="datetimeFigureOut">
               <a:rPr lang="de-DE" smtClean="0"/>
-              <a:t>27.04.2016</a:t>
+              <a:t>01.09.2016</a:t>
             </a:fld>
             <a:endParaRPr lang="de-DE"/>
           </a:p>
@@ -1043,7 +1046,7 @@
           <a:p>
             <a:fld id="{3FDF559A-6270-46E7-B1DD-F88789681E6F}" type="slidenum">
               <a:rPr lang="de-DE" smtClean="0"/>
-              <a:t>‹#›</a:t>
+              <a:t>‹Nr.›</a:t>
             </a:fld>
             <a:endParaRPr lang="de-DE"/>
           </a:p>
@@ -1336,7 +1339,7 @@
           </a:lstStyle>
           <a:p>
             <a:r>
-              <a:rPr lang="de-DE" smtClean="0"/>
+              <a:rPr lang="de-DE"/>
               <a:t>Titelmasterformat durch Klicken bearbeiten</a:t>
             </a:r>
             <a:endParaRPr lang="en-US" dirty="0"/>
@@ -1402,7 +1405,7 @@
           <a:p>
             <a:pPr lvl="0"/>
             <a:r>
-              <a:rPr lang="de-DE" smtClean="0"/>
+              <a:rPr lang="de-DE"/>
               <a:t>Textmasterformat bearbeiten</a:t>
             </a:r>
           </a:p>
@@ -1425,7 +1428,7 @@
           <a:p>
             <a:fld id="{D1518E1E-6210-4337-81B1-36E4540DFF33}" type="datetimeFigureOut">
               <a:rPr lang="de-DE" smtClean="0"/>
-              <a:t>27.04.2016</a:t>
+              <a:t>01.09.2016</a:t>
             </a:fld>
             <a:endParaRPr lang="de-DE"/>
           </a:p>
@@ -1467,7 +1470,7 @@
           <a:p>
             <a:fld id="{3FDF559A-6270-46E7-B1DD-F88789681E6F}" type="slidenum">
               <a:rPr lang="de-DE" smtClean="0"/>
-              <a:t>‹#›</a:t>
+              <a:t>‹Nr.›</a:t>
             </a:fld>
             <a:endParaRPr lang="de-DE"/>
           </a:p>
@@ -1524,7 +1527,7 @@
           <a:lstStyle/>
           <a:p>
             <a:r>
-              <a:rPr lang="de-DE" smtClean="0"/>
+              <a:rPr lang="de-DE"/>
               <a:t>Titelmasterformat durch Klicken bearbeiten</a:t>
             </a:r>
             <a:endParaRPr lang="en-US" dirty="0"/>
@@ -1599,7 +1602,7 @@
           <a:p>
             <a:pPr lvl="0"/>
             <a:r>
-              <a:rPr lang="de-DE" smtClean="0"/>
+              <a:rPr lang="de-DE"/>
               <a:t>Textmasterformat bearbeiten</a:t>
             </a:r>
           </a:p>
@@ -1666,7 +1669,7 @@
           <a:p>
             <a:pPr lvl="0"/>
             <a:r>
-              <a:rPr lang="de-DE" smtClean="0"/>
+              <a:rPr lang="de-DE"/>
               <a:t>Textmasterformat bearbeiten</a:t>
             </a:r>
           </a:p>
@@ -1740,7 +1743,7 @@
           <a:p>
             <a:pPr lvl="0"/>
             <a:r>
-              <a:rPr lang="de-DE" smtClean="0"/>
+              <a:rPr lang="de-DE"/>
               <a:t>Textmasterformat bearbeiten</a:t>
             </a:r>
           </a:p>
@@ -1807,7 +1810,7 @@
           <a:p>
             <a:pPr lvl="0"/>
             <a:r>
-              <a:rPr lang="de-DE" smtClean="0"/>
+              <a:rPr lang="de-DE"/>
               <a:t>Textmasterformat bearbeiten</a:t>
             </a:r>
           </a:p>
@@ -1881,7 +1884,7 @@
           <a:p>
             <a:pPr lvl="0"/>
             <a:r>
-              <a:rPr lang="de-DE" smtClean="0"/>
+              <a:rPr lang="de-DE"/>
               <a:t>Textmasterformat bearbeiten</a:t>
             </a:r>
           </a:p>
@@ -1948,7 +1951,7 @@
           <a:p>
             <a:pPr lvl="0"/>
             <a:r>
-              <a:rPr lang="de-DE" smtClean="0"/>
+              <a:rPr lang="de-DE"/>
               <a:t>Textmasterformat bearbeiten</a:t>
             </a:r>
           </a:p>
@@ -1971,7 +1974,7 @@
           <a:p>
             <a:fld id="{D1518E1E-6210-4337-81B1-36E4540DFF33}" type="datetimeFigureOut">
               <a:rPr lang="de-DE" smtClean="0"/>
-              <a:t>27.04.2016</a:t>
+              <a:t>01.09.2016</a:t>
             </a:fld>
             <a:endParaRPr lang="de-DE"/>
           </a:p>
@@ -2013,7 +2016,7 @@
           <a:p>
             <a:fld id="{3FDF559A-6270-46E7-B1DD-F88789681E6F}" type="slidenum">
               <a:rPr lang="de-DE" smtClean="0"/>
-              <a:t>‹#›</a:t>
+              <a:t>‹Nr.›</a:t>
             </a:fld>
             <a:endParaRPr lang="de-DE"/>
           </a:p>
@@ -2070,7 +2073,7 @@
           <a:lstStyle/>
           <a:p>
             <a:r>
-              <a:rPr lang="de-DE" smtClean="0"/>
+              <a:rPr lang="de-DE"/>
               <a:t>Titelmasterformat durch Klicken bearbeiten</a:t>
             </a:r>
             <a:endParaRPr lang="en-US" dirty="0"/>
@@ -2145,7 +2148,7 @@
           <a:p>
             <a:pPr lvl="0"/>
             <a:r>
-              <a:rPr lang="de-DE" smtClean="0"/>
+              <a:rPr lang="de-DE"/>
               <a:t>Textmasterformat bearbeiten</a:t>
             </a:r>
           </a:p>
@@ -2242,7 +2245,7 @@
           </a:lstStyle>
           <a:p>
             <a:r>
-              <a:rPr lang="de-DE" smtClean="0"/>
+              <a:rPr lang="de-DE"/>
               <a:t>Bild durch Klicken auf Symbol hinzufügen</a:t>
             </a:r>
             <a:endParaRPr lang="en-US" dirty="0"/>
@@ -2310,7 +2313,7 @@
           <a:p>
             <a:pPr lvl="0"/>
             <a:r>
-              <a:rPr lang="de-DE" smtClean="0"/>
+              <a:rPr lang="de-DE"/>
               <a:t>Textmasterformat bearbeiten</a:t>
             </a:r>
           </a:p>
@@ -2384,7 +2387,7 @@
           <a:p>
             <a:pPr lvl="0"/>
             <a:r>
-              <a:rPr lang="de-DE" smtClean="0"/>
+              <a:rPr lang="de-DE"/>
               <a:t>Textmasterformat bearbeiten</a:t>
             </a:r>
           </a:p>
@@ -2481,7 +2484,7 @@
           </a:lstStyle>
           <a:p>
             <a:r>
-              <a:rPr lang="de-DE" smtClean="0"/>
+              <a:rPr lang="de-DE"/>
               <a:t>Bild durch Klicken auf Symbol hinzufügen</a:t>
             </a:r>
             <a:endParaRPr lang="en-US" dirty="0"/>
@@ -2549,7 +2552,7 @@
           <a:p>
             <a:pPr lvl="0"/>
             <a:r>
-              <a:rPr lang="de-DE" smtClean="0"/>
+              <a:rPr lang="de-DE"/>
               <a:t>Textmasterformat bearbeiten</a:t>
             </a:r>
           </a:p>
@@ -2623,7 +2626,7 @@
           <a:p>
             <a:pPr lvl="0"/>
             <a:r>
-              <a:rPr lang="de-DE" smtClean="0"/>
+              <a:rPr lang="de-DE"/>
               <a:t>Textmasterformat bearbeiten</a:t>
             </a:r>
           </a:p>
@@ -2720,7 +2723,7 @@
           </a:lstStyle>
           <a:p>
             <a:r>
-              <a:rPr lang="de-DE" smtClean="0"/>
+              <a:rPr lang="de-DE"/>
               <a:t>Bild durch Klicken auf Symbol hinzufügen</a:t>
             </a:r>
             <a:endParaRPr lang="en-US" dirty="0"/>
@@ -2788,7 +2791,7 @@
           <a:p>
             <a:pPr lvl="0"/>
             <a:r>
-              <a:rPr lang="de-DE" smtClean="0"/>
+              <a:rPr lang="de-DE"/>
               <a:t>Textmasterformat bearbeiten</a:t>
             </a:r>
           </a:p>
@@ -2811,7 +2814,7 @@
           <a:p>
             <a:fld id="{D1518E1E-6210-4337-81B1-36E4540DFF33}" type="datetimeFigureOut">
               <a:rPr lang="de-DE" smtClean="0"/>
-              <a:t>27.04.2016</a:t>
+              <a:t>01.09.2016</a:t>
             </a:fld>
             <a:endParaRPr lang="de-DE"/>
           </a:p>
@@ -2853,7 +2856,7 @@
           <a:p>
             <a:fld id="{3FDF559A-6270-46E7-B1DD-F88789681E6F}" type="slidenum">
               <a:rPr lang="de-DE" smtClean="0"/>
-              <a:t>‹#›</a:t>
+              <a:t>‹Nr.›</a:t>
             </a:fld>
             <a:endParaRPr lang="de-DE"/>
           </a:p>
@@ -2905,7 +2908,7 @@
           <a:lstStyle/>
           <a:p>
             <a:r>
-              <a:rPr lang="de-DE" smtClean="0"/>
+              <a:rPr lang="de-DE"/>
               <a:t>Titelmasterformat durch Klicken bearbeiten</a:t>
             </a:r>
             <a:endParaRPr lang="en-US" dirty="0"/>
@@ -2929,35 +2932,35 @@
           <a:p>
             <a:pPr lvl="0"/>
             <a:r>
-              <a:rPr lang="de-DE" smtClean="0"/>
+              <a:rPr lang="de-DE"/>
               <a:t>Textmasterformat bearbeiten</a:t>
             </a:r>
           </a:p>
           <a:p>
             <a:pPr lvl="1"/>
             <a:r>
-              <a:rPr lang="de-DE" smtClean="0"/>
+              <a:rPr lang="de-DE"/>
               <a:t>Zweite Ebene</a:t>
             </a:r>
           </a:p>
           <a:p>
             <a:pPr lvl="2"/>
             <a:r>
-              <a:rPr lang="de-DE" smtClean="0"/>
+              <a:rPr lang="de-DE"/>
               <a:t>Dritte Ebene</a:t>
             </a:r>
           </a:p>
           <a:p>
             <a:pPr lvl="3"/>
             <a:r>
-              <a:rPr lang="de-DE" smtClean="0"/>
+              <a:rPr lang="de-DE"/>
               <a:t>Vierte Ebene</a:t>
             </a:r>
           </a:p>
           <a:p>
             <a:pPr lvl="4"/>
             <a:r>
-              <a:rPr lang="de-DE" smtClean="0"/>
+              <a:rPr lang="de-DE"/>
               <a:t>Fünfte Ebene</a:t>
             </a:r>
             <a:endParaRPr lang="en-US" dirty="0"/>
@@ -2981,7 +2984,7 @@
           <a:p>
             <a:fld id="{D1518E1E-6210-4337-81B1-36E4540DFF33}" type="datetimeFigureOut">
               <a:rPr lang="de-DE" smtClean="0"/>
-              <a:t>27.04.2016</a:t>
+              <a:t>01.09.2016</a:t>
             </a:fld>
             <a:endParaRPr lang="de-DE"/>
           </a:p>
@@ -3023,7 +3026,7 @@
           <a:p>
             <a:fld id="{3FDF559A-6270-46E7-B1DD-F88789681E6F}" type="slidenum">
               <a:rPr lang="de-DE" smtClean="0"/>
-              <a:t>‹#›</a:t>
+              <a:t>‹Nr.›</a:t>
             </a:fld>
             <a:endParaRPr lang="de-DE"/>
           </a:p>
@@ -3084,7 +3087,7 @@
           </a:lstStyle>
           <a:p>
             <a:r>
-              <a:rPr lang="de-DE" smtClean="0"/>
+              <a:rPr lang="de-DE"/>
               <a:t>Titelmasterformat durch Klicken bearbeiten</a:t>
             </a:r>
             <a:endParaRPr lang="en-US" dirty="0"/>
@@ -3113,35 +3116,35 @@
           <a:p>
             <a:pPr lvl="0"/>
             <a:r>
-              <a:rPr lang="de-DE" smtClean="0"/>
+              <a:rPr lang="de-DE"/>
               <a:t>Textmasterformat bearbeiten</a:t>
             </a:r>
           </a:p>
           <a:p>
             <a:pPr lvl="1"/>
             <a:r>
-              <a:rPr lang="de-DE" smtClean="0"/>
+              <a:rPr lang="de-DE"/>
               <a:t>Zweite Ebene</a:t>
             </a:r>
           </a:p>
           <a:p>
             <a:pPr lvl="2"/>
             <a:r>
-              <a:rPr lang="de-DE" smtClean="0"/>
+              <a:rPr lang="de-DE"/>
               <a:t>Dritte Ebene</a:t>
             </a:r>
           </a:p>
           <a:p>
             <a:pPr lvl="3"/>
             <a:r>
-              <a:rPr lang="de-DE" smtClean="0"/>
+              <a:rPr lang="de-DE"/>
               <a:t>Vierte Ebene</a:t>
             </a:r>
           </a:p>
           <a:p>
             <a:pPr lvl="4"/>
             <a:r>
-              <a:rPr lang="de-DE" smtClean="0"/>
+              <a:rPr lang="de-DE"/>
               <a:t>Fünfte Ebene</a:t>
             </a:r>
             <a:endParaRPr lang="en-US" dirty="0"/>
@@ -3165,7 +3168,7 @@
           <a:p>
             <a:fld id="{D1518E1E-6210-4337-81B1-36E4540DFF33}" type="datetimeFigureOut">
               <a:rPr lang="de-DE" smtClean="0"/>
-              <a:t>27.04.2016</a:t>
+              <a:t>01.09.2016</a:t>
             </a:fld>
             <a:endParaRPr lang="de-DE"/>
           </a:p>
@@ -3207,7 +3210,7 @@
           <a:p>
             <a:fld id="{3FDF559A-6270-46E7-B1DD-F88789681E6F}" type="slidenum">
               <a:rPr lang="de-DE" smtClean="0"/>
-              <a:t>‹#›</a:t>
+              <a:t>‹Nr.›</a:t>
             </a:fld>
             <a:endParaRPr lang="de-DE"/>
           </a:p>
@@ -3259,7 +3262,7 @@
           <a:lstStyle/>
           <a:p>
             <a:r>
-              <a:rPr lang="de-DE" smtClean="0"/>
+              <a:rPr lang="de-DE"/>
               <a:t>Titelmasterformat durch Klicken bearbeiten</a:t>
             </a:r>
             <a:endParaRPr lang="en-US" dirty="0"/>
@@ -3283,35 +3286,35 @@
           <a:p>
             <a:pPr lvl="0"/>
             <a:r>
-              <a:rPr lang="de-DE" smtClean="0"/>
+              <a:rPr lang="de-DE"/>
               <a:t>Textmasterformat bearbeiten</a:t>
             </a:r>
           </a:p>
           <a:p>
             <a:pPr lvl="1"/>
             <a:r>
-              <a:rPr lang="de-DE" smtClean="0"/>
+              <a:rPr lang="de-DE"/>
               <a:t>Zweite Ebene</a:t>
             </a:r>
           </a:p>
           <a:p>
             <a:pPr lvl="2"/>
             <a:r>
-              <a:rPr lang="de-DE" smtClean="0"/>
+              <a:rPr lang="de-DE"/>
               <a:t>Dritte Ebene</a:t>
             </a:r>
           </a:p>
           <a:p>
             <a:pPr lvl="3"/>
             <a:r>
-              <a:rPr lang="de-DE" smtClean="0"/>
+              <a:rPr lang="de-DE"/>
               <a:t>Vierte Ebene</a:t>
             </a:r>
           </a:p>
           <a:p>
             <a:pPr lvl="4"/>
             <a:r>
-              <a:rPr lang="de-DE" smtClean="0"/>
+              <a:rPr lang="de-DE"/>
               <a:t>Fünfte Ebene</a:t>
             </a:r>
             <a:endParaRPr lang="en-US" dirty="0"/>
@@ -3335,7 +3338,7 @@
           <a:p>
             <a:fld id="{D1518E1E-6210-4337-81B1-36E4540DFF33}" type="datetimeFigureOut">
               <a:rPr lang="de-DE" smtClean="0"/>
-              <a:t>27.04.2016</a:t>
+              <a:t>01.09.2016</a:t>
             </a:fld>
             <a:endParaRPr lang="de-DE"/>
           </a:p>
@@ -3377,7 +3380,7 @@
           <a:p>
             <a:fld id="{3FDF559A-6270-46E7-B1DD-F88789681E6F}" type="slidenum">
               <a:rPr lang="de-DE" smtClean="0"/>
-              <a:t>‹#›</a:t>
+              <a:t>‹Nr.›</a:t>
             </a:fld>
             <a:endParaRPr lang="de-DE"/>
           </a:p>
@@ -3440,7 +3443,7 @@
           </a:lstStyle>
           <a:p>
             <a:r>
-              <a:rPr lang="de-DE" smtClean="0"/>
+              <a:rPr lang="de-DE"/>
               <a:t>Titelmasterformat durch Klicken bearbeiten</a:t>
             </a:r>
             <a:endParaRPr lang="en-US" dirty="0"/>
@@ -3560,7 +3563,7 @@
           <a:p>
             <a:pPr lvl="0"/>
             <a:r>
-              <a:rPr lang="de-DE" smtClean="0"/>
+              <a:rPr lang="de-DE"/>
               <a:t>Textmasterformat bearbeiten</a:t>
             </a:r>
           </a:p>
@@ -3583,7 +3586,7 @@
           <a:p>
             <a:fld id="{D1518E1E-6210-4337-81B1-36E4540DFF33}" type="datetimeFigureOut">
               <a:rPr lang="de-DE" smtClean="0"/>
-              <a:t>27.04.2016</a:t>
+              <a:t>01.09.2016</a:t>
             </a:fld>
             <a:endParaRPr lang="de-DE"/>
           </a:p>
@@ -3625,7 +3628,7 @@
           <a:p>
             <a:fld id="{3FDF559A-6270-46E7-B1DD-F88789681E6F}" type="slidenum">
               <a:rPr lang="de-DE" smtClean="0"/>
-              <a:t>‹#›</a:t>
+              <a:t>‹Nr.›</a:t>
             </a:fld>
             <a:endParaRPr lang="de-DE"/>
           </a:p>
@@ -3682,7 +3685,7 @@
           <a:lstStyle/>
           <a:p>
             <a:r>
-              <a:rPr lang="de-DE" smtClean="0"/>
+              <a:rPr lang="de-DE"/>
               <a:t>Titelmasterformat durch Klicken bearbeiten</a:t>
             </a:r>
             <a:endParaRPr lang="en-US" dirty="0"/>
@@ -3711,35 +3714,35 @@
           <a:p>
             <a:pPr lvl="0"/>
             <a:r>
-              <a:rPr lang="de-DE" smtClean="0"/>
+              <a:rPr lang="de-DE"/>
               <a:t>Textmasterformat bearbeiten</a:t>
             </a:r>
           </a:p>
           <a:p>
             <a:pPr lvl="1"/>
             <a:r>
-              <a:rPr lang="de-DE" smtClean="0"/>
+              <a:rPr lang="de-DE"/>
               <a:t>Zweite Ebene</a:t>
             </a:r>
           </a:p>
           <a:p>
             <a:pPr lvl="2"/>
             <a:r>
-              <a:rPr lang="de-DE" smtClean="0"/>
+              <a:rPr lang="de-DE"/>
               <a:t>Dritte Ebene</a:t>
             </a:r>
           </a:p>
           <a:p>
             <a:pPr lvl="3"/>
             <a:r>
-              <a:rPr lang="de-DE" smtClean="0"/>
+              <a:rPr lang="de-DE"/>
               <a:t>Vierte Ebene</a:t>
             </a:r>
           </a:p>
           <a:p>
             <a:pPr lvl="4"/>
             <a:r>
-              <a:rPr lang="de-DE" smtClean="0"/>
+              <a:rPr lang="de-DE"/>
               <a:t>Fünfte Ebene</a:t>
             </a:r>
             <a:endParaRPr lang="en-US" dirty="0"/>
@@ -3768,35 +3771,35 @@
           <a:p>
             <a:pPr lvl="0"/>
             <a:r>
-              <a:rPr lang="de-DE" smtClean="0"/>
+              <a:rPr lang="de-DE"/>
               <a:t>Textmasterformat bearbeiten</a:t>
             </a:r>
           </a:p>
           <a:p>
             <a:pPr lvl="1"/>
             <a:r>
-              <a:rPr lang="de-DE" smtClean="0"/>
+              <a:rPr lang="de-DE"/>
               <a:t>Zweite Ebene</a:t>
             </a:r>
           </a:p>
           <a:p>
             <a:pPr lvl="2"/>
             <a:r>
-              <a:rPr lang="de-DE" smtClean="0"/>
+              <a:rPr lang="de-DE"/>
               <a:t>Dritte Ebene</a:t>
             </a:r>
           </a:p>
           <a:p>
             <a:pPr lvl="3"/>
             <a:r>
-              <a:rPr lang="de-DE" smtClean="0"/>
+              <a:rPr lang="de-DE"/>
               <a:t>Vierte Ebene</a:t>
             </a:r>
           </a:p>
           <a:p>
             <a:pPr lvl="4"/>
             <a:r>
-              <a:rPr lang="de-DE" smtClean="0"/>
+              <a:rPr lang="de-DE"/>
               <a:t>Fünfte Ebene</a:t>
             </a:r>
             <a:endParaRPr lang="en-US" dirty="0"/>
@@ -3820,7 +3823,7 @@
           <a:p>
             <a:fld id="{D1518E1E-6210-4337-81B1-36E4540DFF33}" type="datetimeFigureOut">
               <a:rPr lang="de-DE" smtClean="0"/>
-              <a:t>27.04.2016</a:t>
+              <a:t>01.09.2016</a:t>
             </a:fld>
             <a:endParaRPr lang="de-DE"/>
           </a:p>
@@ -3862,7 +3865,7 @@
           <a:p>
             <a:fld id="{3FDF559A-6270-46E7-B1DD-F88789681E6F}" type="slidenum">
               <a:rPr lang="de-DE" smtClean="0"/>
-              <a:t>‹#›</a:t>
+              <a:t>‹Nr.›</a:t>
             </a:fld>
             <a:endParaRPr lang="de-DE"/>
           </a:p>
@@ -3919,7 +3922,7 @@
           <a:lstStyle/>
           <a:p>
             <a:r>
-              <a:rPr lang="de-DE" smtClean="0"/>
+              <a:rPr lang="de-DE"/>
               <a:t>Titelmasterformat durch Klicken bearbeiten</a:t>
             </a:r>
             <a:endParaRPr lang="en-US" dirty="0"/>
@@ -3988,7 +3991,7 @@
           <a:p>
             <a:pPr lvl="0"/>
             <a:r>
-              <a:rPr lang="de-DE" smtClean="0"/>
+              <a:rPr lang="de-DE"/>
               <a:t>Textmasterformat bearbeiten</a:t>
             </a:r>
           </a:p>
@@ -4016,35 +4019,35 @@
           <a:p>
             <a:pPr lvl="0"/>
             <a:r>
-              <a:rPr lang="de-DE" smtClean="0"/>
+              <a:rPr lang="de-DE"/>
               <a:t>Textmasterformat bearbeiten</a:t>
             </a:r>
           </a:p>
           <a:p>
             <a:pPr lvl="1"/>
             <a:r>
-              <a:rPr lang="de-DE" smtClean="0"/>
+              <a:rPr lang="de-DE"/>
               <a:t>Zweite Ebene</a:t>
             </a:r>
           </a:p>
           <a:p>
             <a:pPr lvl="2"/>
             <a:r>
-              <a:rPr lang="de-DE" smtClean="0"/>
+              <a:rPr lang="de-DE"/>
               <a:t>Dritte Ebene</a:t>
             </a:r>
           </a:p>
           <a:p>
             <a:pPr lvl="3"/>
             <a:r>
-              <a:rPr lang="de-DE" smtClean="0"/>
+              <a:rPr lang="de-DE"/>
               <a:t>Vierte Ebene</a:t>
             </a:r>
           </a:p>
           <a:p>
             <a:pPr lvl="4"/>
             <a:r>
-              <a:rPr lang="de-DE" smtClean="0"/>
+              <a:rPr lang="de-DE"/>
               <a:t>Fünfte Ebene</a:t>
             </a:r>
             <a:endParaRPr lang="en-US" dirty="0"/>
@@ -4113,7 +4116,7 @@
           <a:p>
             <a:pPr lvl="0"/>
             <a:r>
-              <a:rPr lang="de-DE" smtClean="0"/>
+              <a:rPr lang="de-DE"/>
               <a:t>Textmasterformat bearbeiten</a:t>
             </a:r>
           </a:p>
@@ -4141,35 +4144,35 @@
           <a:p>
             <a:pPr lvl="0"/>
             <a:r>
-              <a:rPr lang="de-DE" smtClean="0"/>
+              <a:rPr lang="de-DE"/>
               <a:t>Textmasterformat bearbeiten</a:t>
             </a:r>
           </a:p>
           <a:p>
             <a:pPr lvl="1"/>
             <a:r>
-              <a:rPr lang="de-DE" smtClean="0"/>
+              <a:rPr lang="de-DE"/>
               <a:t>Zweite Ebene</a:t>
             </a:r>
           </a:p>
           <a:p>
             <a:pPr lvl="2"/>
             <a:r>
-              <a:rPr lang="de-DE" smtClean="0"/>
+              <a:rPr lang="de-DE"/>
               <a:t>Dritte Ebene</a:t>
             </a:r>
           </a:p>
           <a:p>
             <a:pPr lvl="3"/>
             <a:r>
-              <a:rPr lang="de-DE" smtClean="0"/>
+              <a:rPr lang="de-DE"/>
               <a:t>Vierte Ebene</a:t>
             </a:r>
           </a:p>
           <a:p>
             <a:pPr lvl="4"/>
             <a:r>
-              <a:rPr lang="de-DE" smtClean="0"/>
+              <a:rPr lang="de-DE"/>
               <a:t>Fünfte Ebene</a:t>
             </a:r>
             <a:endParaRPr lang="en-US" dirty="0"/>
@@ -4193,7 +4196,7 @@
           <a:p>
             <a:fld id="{D1518E1E-6210-4337-81B1-36E4540DFF33}" type="datetimeFigureOut">
               <a:rPr lang="de-DE" smtClean="0"/>
-              <a:t>27.04.2016</a:t>
+              <a:t>01.09.2016</a:t>
             </a:fld>
             <a:endParaRPr lang="de-DE"/>
           </a:p>
@@ -4235,7 +4238,7 @@
           <a:p>
             <a:fld id="{3FDF559A-6270-46E7-B1DD-F88789681E6F}" type="slidenum">
               <a:rPr lang="de-DE" smtClean="0"/>
-              <a:t>‹#›</a:t>
+              <a:t>‹Nr.›</a:t>
             </a:fld>
             <a:endParaRPr lang="de-DE"/>
           </a:p>
@@ -4287,7 +4290,7 @@
           <a:lstStyle/>
           <a:p>
             <a:r>
-              <a:rPr lang="de-DE" smtClean="0"/>
+              <a:rPr lang="de-DE"/>
               <a:t>Titelmasterformat durch Klicken bearbeiten</a:t>
             </a:r>
             <a:endParaRPr lang="en-US" dirty="0"/>
@@ -4311,7 +4314,7 @@
           <a:p>
             <a:fld id="{D1518E1E-6210-4337-81B1-36E4540DFF33}" type="datetimeFigureOut">
               <a:rPr lang="de-DE" smtClean="0"/>
-              <a:t>27.04.2016</a:t>
+              <a:t>01.09.2016</a:t>
             </a:fld>
             <a:endParaRPr lang="de-DE"/>
           </a:p>
@@ -4353,7 +4356,7 @@
           <a:p>
             <a:fld id="{3FDF559A-6270-46E7-B1DD-F88789681E6F}" type="slidenum">
               <a:rPr lang="de-DE" smtClean="0"/>
-              <a:t>‹#›</a:t>
+              <a:t>‹Nr.›</a:t>
             </a:fld>
             <a:endParaRPr lang="de-DE"/>
           </a:p>
@@ -4406,7 +4409,7 @@
           <a:p>
             <a:fld id="{D1518E1E-6210-4337-81B1-36E4540DFF33}" type="datetimeFigureOut">
               <a:rPr lang="de-DE" smtClean="0"/>
-              <a:t>27.04.2016</a:t>
+              <a:t>01.09.2016</a:t>
             </a:fld>
             <a:endParaRPr lang="de-DE"/>
           </a:p>
@@ -4448,7 +4451,7 @@
           <a:p>
             <a:fld id="{3FDF559A-6270-46E7-B1DD-F88789681E6F}" type="slidenum">
               <a:rPr lang="de-DE" smtClean="0"/>
-              <a:t>‹#›</a:t>
+              <a:t>‹Nr.›</a:t>
             </a:fld>
             <a:endParaRPr lang="de-DE"/>
           </a:p>
@@ -4511,7 +4514,7 @@
           </a:lstStyle>
           <a:p>
             <a:r>
-              <a:rPr lang="de-DE" smtClean="0"/>
+              <a:rPr lang="de-DE"/>
               <a:t>Titelmasterformat durch Klicken bearbeiten</a:t>
             </a:r>
             <a:endParaRPr lang="en-US" dirty="0"/>
@@ -4540,35 +4543,35 @@
           <a:p>
             <a:pPr lvl="0"/>
             <a:r>
-              <a:rPr lang="de-DE" smtClean="0"/>
+              <a:rPr lang="de-DE"/>
               <a:t>Textmasterformat bearbeiten</a:t>
             </a:r>
           </a:p>
           <a:p>
             <a:pPr lvl="1"/>
             <a:r>
-              <a:rPr lang="de-DE" smtClean="0"/>
+              <a:rPr lang="de-DE"/>
               <a:t>Zweite Ebene</a:t>
             </a:r>
           </a:p>
           <a:p>
             <a:pPr lvl="2"/>
             <a:r>
-              <a:rPr lang="de-DE" smtClean="0"/>
+              <a:rPr lang="de-DE"/>
               <a:t>Dritte Ebene</a:t>
             </a:r>
           </a:p>
           <a:p>
             <a:pPr lvl="3"/>
             <a:r>
-              <a:rPr lang="de-DE" smtClean="0"/>
+              <a:rPr lang="de-DE"/>
               <a:t>Vierte Ebene</a:t>
             </a:r>
           </a:p>
           <a:p>
             <a:pPr lvl="4"/>
             <a:r>
-              <a:rPr lang="de-DE" smtClean="0"/>
+              <a:rPr lang="de-DE"/>
               <a:t>Fünfte Ebene</a:t>
             </a:r>
             <a:endParaRPr lang="en-US" dirty="0"/>
@@ -4634,7 +4637,7 @@
           <a:p>
             <a:pPr lvl="0"/>
             <a:r>
-              <a:rPr lang="de-DE" smtClean="0"/>
+              <a:rPr lang="de-DE"/>
               <a:t>Textmasterformat bearbeiten</a:t>
             </a:r>
           </a:p>
@@ -4657,7 +4660,7 @@
           <a:p>
             <a:fld id="{D1518E1E-6210-4337-81B1-36E4540DFF33}" type="datetimeFigureOut">
               <a:rPr lang="de-DE" smtClean="0"/>
-              <a:t>27.04.2016</a:t>
+              <a:t>01.09.2016</a:t>
             </a:fld>
             <a:endParaRPr lang="de-DE"/>
           </a:p>
@@ -4699,7 +4702,7 @@
           <a:p>
             <a:fld id="{3FDF559A-6270-46E7-B1DD-F88789681E6F}" type="slidenum">
               <a:rPr lang="de-DE" smtClean="0"/>
-              <a:t>‹#›</a:t>
+              <a:t>‹Nr.›</a:t>
             </a:fld>
             <a:endParaRPr lang="de-DE"/>
           </a:p>
@@ -4762,7 +4765,7 @@
           </a:lstStyle>
           <a:p>
             <a:r>
-              <a:rPr lang="de-DE" smtClean="0"/>
+              <a:rPr lang="de-DE"/>
               <a:t>Titelmasterformat durch Klicken bearbeiten</a:t>
             </a:r>
             <a:endParaRPr lang="en-US" dirty="0"/>
@@ -4853,7 +4856,7 @@
           </a:lstStyle>
           <a:p>
             <a:r>
-              <a:rPr lang="de-DE" smtClean="0"/>
+              <a:rPr lang="de-DE"/>
               <a:t>Bild durch Klicken auf Symbol hinzufügen</a:t>
             </a:r>
             <a:endParaRPr lang="en-US" dirty="0"/>
@@ -4921,7 +4924,7 @@
           <a:p>
             <a:pPr lvl="0"/>
             <a:r>
-              <a:rPr lang="de-DE" smtClean="0"/>
+              <a:rPr lang="de-DE"/>
               <a:t>Textmasterformat bearbeiten</a:t>
             </a:r>
           </a:p>
@@ -4944,7 +4947,7 @@
           <a:p>
             <a:fld id="{D1518E1E-6210-4337-81B1-36E4540DFF33}" type="datetimeFigureOut">
               <a:rPr lang="de-DE" smtClean="0"/>
-              <a:t>27.04.2016</a:t>
+              <a:t>01.09.2016</a:t>
             </a:fld>
             <a:endParaRPr lang="de-DE"/>
           </a:p>
@@ -4986,7 +4989,7 @@
           <a:p>
             <a:fld id="{3FDF559A-6270-46E7-B1DD-F88789681E6F}" type="slidenum">
               <a:rPr lang="de-DE" smtClean="0"/>
-              <a:t>‹#›</a:t>
+              <a:t>‹Nr.›</a:t>
             </a:fld>
             <a:endParaRPr lang="de-DE"/>
           </a:p>
@@ -5053,7 +5056,7 @@
           <a:lstStyle/>
           <a:p>
             <a:r>
-              <a:rPr lang="de-DE" smtClean="0"/>
+              <a:rPr lang="de-DE"/>
               <a:t>Titelmasterformat durch Klicken bearbeiten</a:t>
             </a:r>
             <a:endParaRPr lang="en-US" dirty="0"/>
@@ -5087,35 +5090,35 @@
           <a:p>
             <a:pPr lvl="0"/>
             <a:r>
-              <a:rPr lang="de-DE" smtClean="0"/>
+              <a:rPr lang="de-DE"/>
               <a:t>Textmasterformat bearbeiten</a:t>
             </a:r>
           </a:p>
           <a:p>
             <a:pPr lvl="1"/>
             <a:r>
-              <a:rPr lang="de-DE" smtClean="0"/>
+              <a:rPr lang="de-DE"/>
               <a:t>Zweite Ebene</a:t>
             </a:r>
           </a:p>
           <a:p>
             <a:pPr lvl="2"/>
             <a:r>
-              <a:rPr lang="de-DE" smtClean="0"/>
+              <a:rPr lang="de-DE"/>
               <a:t>Dritte Ebene</a:t>
             </a:r>
           </a:p>
           <a:p>
             <a:pPr lvl="3"/>
             <a:r>
-              <a:rPr lang="de-DE" smtClean="0"/>
+              <a:rPr lang="de-DE"/>
               <a:t>Vierte Ebene</a:t>
             </a:r>
           </a:p>
           <a:p>
             <a:pPr lvl="4"/>
             <a:r>
-              <a:rPr lang="de-DE" smtClean="0"/>
+              <a:rPr lang="de-DE"/>
               <a:t>Fünfte Ebene</a:t>
             </a:r>
             <a:endParaRPr lang="en-US" dirty="0"/>
@@ -5157,7 +5160,7 @@
           <a:p>
             <a:fld id="{D1518E1E-6210-4337-81B1-36E4540DFF33}" type="datetimeFigureOut">
               <a:rPr lang="de-DE" smtClean="0"/>
-              <a:t>27.04.2016</a:t>
+              <a:t>01.09.2016</a:t>
             </a:fld>
             <a:endParaRPr lang="de-DE"/>
           </a:p>
@@ -5235,7 +5238,7 @@
           <a:p>
             <a:fld id="{3FDF559A-6270-46E7-B1DD-F88789681E6F}" type="slidenum">
               <a:rPr lang="de-DE" smtClean="0"/>
-              <a:t>‹#›</a:t>
+              <a:t>‹Nr.›</a:t>
             </a:fld>
             <a:endParaRPr lang="de-DE"/>
           </a:p>
@@ -5654,7 +5657,7 @@
           <a:lstStyle/>
           <a:p>
             <a:r>
-              <a:rPr lang="de-DE" dirty="0" err="1" smtClean="0"/>
+              <a:rPr lang="de-DE" dirty="0" err="1"/>
               <a:t>Xamarin</a:t>
             </a:r>
             <a:endParaRPr lang="de-DE" dirty="0"/>
@@ -5677,7 +5680,7 @@
           <a:lstStyle/>
           <a:p>
             <a:r>
-              <a:rPr lang="de-DE" smtClean="0"/>
+              <a:rPr lang="de-DE"/>
               <a:t>Cross-Platform </a:t>
             </a:r>
             <a:r>
@@ -5697,13 +5700,6 @@
   <p:clrMapOvr>
     <a:masterClrMapping/>
   </p:clrMapOvr>
-  <p:timing>
-    <p:tnLst>
-      <p:par>
-        <p:cTn id="1" dur="indefinite" restart="never" nodeType="tmRoot"/>
-      </p:par>
-    </p:tnLst>
-  </p:timing>
 </p:sld>
 </file>
 
@@ -5740,18 +5736,13 @@
           <a:lstStyle/>
           <a:p>
             <a:r>
-              <a:rPr lang="de-DE" dirty="0" smtClean="0"/>
-              <a:t>Visual </a:t>
-            </a:r>
-            <a:r>
-              <a:rPr lang="de-DE" dirty="0" err="1" smtClean="0"/>
-              <a:t>studio</a:t>
-            </a:r>
-            <a:r>
-              <a:rPr lang="de-DE" dirty="0" smtClean="0"/>
-              <a:t> online</a:t>
-            </a:r>
-            <a:endParaRPr lang="de-DE" dirty="0"/>
+              <a:rPr lang="de-DE" dirty="0" err="1"/>
+              <a:t>Prism</a:t>
+            </a:r>
+            <a:r>
+              <a:rPr lang="de-DE" dirty="0"/>
+              <a:t> Library</a:t>
+            </a:r>
           </a:p>
         </p:txBody>
       </p:sp>
@@ -5771,149 +5762,148 @@
           <a:lstStyle/>
           <a:p>
             <a:r>
-              <a:rPr lang="de-DE" dirty="0" err="1" smtClean="0"/>
-              <a:t>Headless</a:t>
-            </a:r>
-            <a:r>
-              <a:rPr lang="de-DE" dirty="0" smtClean="0"/>
+              <a:rPr lang="de-DE" dirty="0" err="1"/>
+              <a:t>Originally</a:t>
+            </a:r>
+            <a:r>
+              <a:rPr lang="de-DE" dirty="0"/>
               <a:t> </a:t>
             </a:r>
             <a:r>
-              <a:rPr lang="de-DE" dirty="0" err="1" smtClean="0"/>
-              <a:t>builds</a:t>
-            </a:r>
-            <a:endParaRPr lang="de-DE" dirty="0" smtClean="0"/>
-          </a:p>
-          <a:p>
-            <a:r>
-              <a:rPr lang="de-DE" dirty="0" err="1" smtClean="0"/>
-              <a:t>Continuos</a:t>
-            </a:r>
-            <a:r>
-              <a:rPr lang="de-DE" dirty="0" smtClean="0"/>
-              <a:t> Integration/</a:t>
-            </a:r>
-            <a:r>
-              <a:rPr lang="de-DE" dirty="0" err="1" smtClean="0"/>
-              <a:t>Deployment</a:t>
-            </a:r>
-            <a:endParaRPr lang="de-DE" dirty="0" smtClean="0"/>
-          </a:p>
-          <a:p>
-            <a:r>
-              <a:rPr lang="de-DE" dirty="0" smtClean="0"/>
-              <a:t>Run </a:t>
-            </a:r>
-            <a:r>
-              <a:rPr lang="de-DE" dirty="0" err="1" smtClean="0"/>
-              <a:t>tests</a:t>
-            </a:r>
-            <a:endParaRPr lang="de-DE" dirty="0" smtClean="0"/>
-          </a:p>
-          <a:p>
-            <a:r>
-              <a:rPr lang="de-DE" dirty="0" err="1" smtClean="0"/>
-              <a:t>For</a:t>
-            </a:r>
-            <a:r>
-              <a:rPr lang="de-DE" dirty="0" smtClean="0"/>
-              <a:t> iOS </a:t>
-            </a:r>
-            <a:r>
-              <a:rPr lang="de-DE" dirty="0" err="1" smtClean="0"/>
-              <a:t>builds</a:t>
-            </a:r>
-            <a:r>
-              <a:rPr lang="de-DE" dirty="0" smtClean="0"/>
-              <a:t> Mac </a:t>
-            </a:r>
-            <a:r>
-              <a:rPr lang="de-DE" dirty="0" err="1" smtClean="0"/>
+              <a:rPr lang="de-DE" dirty="0" err="1"/>
+              <a:t>created</a:t>
+            </a:r>
+            <a:r>
+              <a:rPr lang="de-DE" dirty="0"/>
+              <a:t> in MS Enterprise </a:t>
+            </a:r>
+            <a:r>
+              <a:rPr lang="de-DE" dirty="0" err="1"/>
+              <a:t>Lib</a:t>
+            </a:r>
+            <a:r>
+              <a:rPr lang="de-DE" dirty="0"/>
+              <a:t> Blocks</a:t>
+            </a:r>
+          </a:p>
+          <a:p>
+            <a:r>
+              <a:rPr lang="de-DE" dirty="0"/>
+              <a:t>MVVM-Pattern </a:t>
+            </a:r>
+            <a:r>
+              <a:rPr lang="de-DE" dirty="0" err="1"/>
+              <a:t>for</a:t>
+            </a:r>
+            <a:r>
+              <a:rPr lang="de-DE" dirty="0"/>
+              <a:t> WPF / Silverlight / Windows 8(.1) / </a:t>
+            </a:r>
+            <a:r>
+              <a:rPr lang="de-DE" dirty="0" err="1"/>
+              <a:t>WinPhone</a:t>
+            </a:r>
+            <a:r>
+              <a:rPr lang="de-DE" dirty="0"/>
+              <a:t> / UWP / XF</a:t>
+            </a:r>
+          </a:p>
+          <a:p>
+            <a:r>
+              <a:rPr lang="de-DE" dirty="0"/>
+              <a:t>Supports different DI-Containers (</a:t>
+            </a:r>
+            <a:r>
+              <a:rPr lang="de-DE" dirty="0" err="1"/>
+              <a:t>Unity</a:t>
+            </a:r>
+            <a:r>
+              <a:rPr lang="de-DE" dirty="0"/>
+              <a:t>/</a:t>
+            </a:r>
+            <a:r>
+              <a:rPr lang="de-DE" dirty="0" err="1"/>
+              <a:t>Ninject</a:t>
+            </a:r>
+            <a:r>
+              <a:rPr lang="de-DE" dirty="0"/>
+              <a:t>/</a:t>
+            </a:r>
+            <a:r>
+              <a:rPr lang="de-DE" dirty="0" err="1"/>
+              <a:t>Autofac</a:t>
+            </a:r>
+            <a:r>
+              <a:rPr lang="de-DE" dirty="0"/>
+              <a:t>/</a:t>
+            </a:r>
+            <a:r>
+              <a:rPr lang="de-DE" dirty="0" err="1"/>
+              <a:t>etc</a:t>
+            </a:r>
+            <a:r>
+              <a:rPr lang="de-DE" dirty="0"/>
+              <a:t>)</a:t>
+            </a:r>
+          </a:p>
+          <a:p>
+            <a:r>
+              <a:rPr lang="de-DE" dirty="0" err="1"/>
+              <a:t>Commanding</a:t>
+            </a:r>
+            <a:r>
+              <a:rPr lang="de-DE" dirty="0"/>
+              <a:t> / Messaging / Navigation / </a:t>
+            </a:r>
+            <a:r>
+              <a:rPr lang="de-DE" dirty="0" err="1"/>
+              <a:t>Logging</a:t>
+            </a:r>
+            <a:r>
+              <a:rPr lang="de-DE" dirty="0"/>
+              <a:t> / Page Dialog Service</a:t>
+            </a:r>
+          </a:p>
+          <a:p>
+            <a:r>
+              <a:rPr lang="de-DE" dirty="0" err="1"/>
+              <a:t>Deep</a:t>
+            </a:r>
+            <a:r>
+              <a:rPr lang="de-DE" dirty="0"/>
+              <a:t>-Linking </a:t>
+            </a:r>
+            <a:r>
+              <a:rPr lang="de-DE" dirty="0" err="1"/>
               <a:t>with</a:t>
             </a:r>
             <a:r>
-              <a:rPr lang="de-DE" dirty="0" smtClean="0"/>
-              <a:t> </a:t>
-            </a:r>
-            <a:r>
-              <a:rPr lang="de-DE" dirty="0" err="1" smtClean="0"/>
-              <a:t>build</a:t>
-            </a:r>
-            <a:r>
-              <a:rPr lang="de-DE" dirty="0" smtClean="0"/>
-              <a:t> </a:t>
-            </a:r>
-            <a:r>
-              <a:rPr lang="de-DE" dirty="0" err="1" smtClean="0"/>
-              <a:t>agent</a:t>
-            </a:r>
-            <a:r>
-              <a:rPr lang="de-DE" dirty="0" smtClean="0"/>
-              <a:t> </a:t>
-            </a:r>
-            <a:br>
-              <a:rPr lang="de-DE" dirty="0" smtClean="0"/>
-            </a:br>
-            <a:r>
-              <a:rPr lang="de-DE" dirty="0" err="1" smtClean="0"/>
-              <a:t>needed</a:t>
-            </a:r>
-            <a:r>
-              <a:rPr lang="de-DE" dirty="0" smtClean="0"/>
-              <a:t>, </a:t>
-            </a:r>
-            <a:r>
-              <a:rPr lang="de-DE" dirty="0" err="1" smtClean="0"/>
-              <a:t>reachable</a:t>
-            </a:r>
-            <a:r>
-              <a:rPr lang="de-DE" dirty="0" smtClean="0"/>
-              <a:t> </a:t>
-            </a:r>
-            <a:r>
-              <a:rPr lang="de-DE" dirty="0" err="1" smtClean="0"/>
-              <a:t>from</a:t>
-            </a:r>
-            <a:r>
-              <a:rPr lang="de-DE" dirty="0" smtClean="0"/>
-              <a:t> </a:t>
-            </a:r>
-            <a:r>
-              <a:rPr lang="de-DE" dirty="0" err="1" smtClean="0"/>
-              <a:t>the</a:t>
-            </a:r>
-            <a:r>
-              <a:rPr lang="de-DE" dirty="0" smtClean="0"/>
-              <a:t> </a:t>
-            </a:r>
-            <a:r>
-              <a:rPr lang="de-DE" dirty="0" err="1" smtClean="0"/>
-              <a:t>internet</a:t>
-            </a:r>
-            <a:endParaRPr lang="de-DE" dirty="0" smtClean="0"/>
-          </a:p>
-          <a:p>
-            <a:endParaRPr lang="de-DE" dirty="0"/>
+              <a:rPr lang="de-DE" dirty="0"/>
+              <a:t> Parameters</a:t>
+            </a:r>
+          </a:p>
+          <a:p>
+            <a:r>
+              <a:rPr lang="de-DE" dirty="0" err="1"/>
+              <a:t>Async</a:t>
+            </a:r>
+            <a:r>
+              <a:rPr lang="de-DE" dirty="0"/>
+              <a:t> Support</a:t>
+            </a:r>
           </a:p>
         </p:txBody>
       </p:sp>
     </p:spTree>
     <p:extLst>
       <p:ext uri="{BB962C8B-B14F-4D97-AF65-F5344CB8AC3E}">
-        <p14:creationId xmlns:p14="http://schemas.microsoft.com/office/powerpoint/2010/main" val="3905455307"/>
+        <p14:creationId xmlns:p14="http://schemas.microsoft.com/office/powerpoint/2010/main" val="953129810"/>
       </p:ext>
     </p:extLst>
   </p:cSld>
   <p:clrMapOvr>
     <a:masterClrMapping/>
   </p:clrMapOvr>
-  <p:timing>
-    <p:tnLst>
-      <p:par>
-        <p:cTn id="1" dur="indefinite" restart="never" nodeType="tmRoot"/>
-      </p:par>
-    </p:tnLst>
-  </p:timing>
 </p:sld>
 </file>
 
@@ -5950,28 +5940,12 @@
           <a:lstStyle/>
           <a:p>
             <a:r>
-              <a:rPr lang="de-DE" dirty="0" err="1">
-                <a:effectLst>
-                  <a:outerShdw blurRad="38100" dist="38100" dir="2700000" algn="tl">
-                    <a:srgbClr val="000000">
-                      <a:alpha val="43137"/>
-                    </a:srgbClr>
-                  </a:outerShdw>
-                </a:effectLst>
-              </a:rPr>
+              <a:rPr lang="de-DE" dirty="0" err="1"/>
               <a:t>Xamarin</a:t>
             </a:r>
             <a:r>
-              <a:rPr lang="de-DE" dirty="0">
-                <a:effectLst>
-                  <a:outerShdw blurRad="38100" dist="38100" dir="2700000" algn="tl">
-                    <a:srgbClr val="000000">
-                      <a:alpha val="43137"/>
-                    </a:srgbClr>
-                  </a:outerShdw>
-                </a:effectLst>
-              </a:rPr>
-              <a:t> Test Cloud</a:t>
+              <a:rPr lang="de-DE" dirty="0"/>
+              <a:t> Components</a:t>
             </a:r>
           </a:p>
         </p:txBody>
@@ -5988,188 +5962,144 @@
         </p:nvSpPr>
         <p:spPr/>
         <p:txBody>
-          <a:bodyPr>
-            <a:normAutofit lnSpcReduction="10000"/>
-          </a:bodyPr>
-          <a:lstStyle/>
-          <a:p>
-            <a:r>
-              <a:rPr lang="de-DE" dirty="0" smtClean="0"/>
-              <a:t>UI Tests on </a:t>
-            </a:r>
-            <a:r>
-              <a:rPr lang="de-DE" dirty="0" err="1" smtClean="0"/>
-              <a:t>over</a:t>
-            </a:r>
-            <a:r>
-              <a:rPr lang="de-DE" dirty="0" smtClean="0"/>
-              <a:t> 2000 </a:t>
-            </a:r>
-            <a:r>
-              <a:rPr lang="de-DE" dirty="0" err="1" smtClean="0"/>
-              <a:t>devices</a:t>
-            </a:r>
-            <a:endParaRPr lang="de-DE" dirty="0" smtClean="0"/>
-          </a:p>
-          <a:p>
-            <a:r>
-              <a:rPr lang="de-DE" dirty="0" err="1" smtClean="0"/>
-              <a:t>Xamarin</a:t>
-            </a:r>
-            <a:r>
-              <a:rPr lang="de-DE" dirty="0" smtClean="0"/>
-              <a:t> Test Recorder</a:t>
-            </a:r>
-          </a:p>
-          <a:p>
-            <a:r>
-              <a:rPr lang="en-US" dirty="0">
-                <a:effectLst/>
-              </a:rPr>
-              <a:t>Write tests in C# or Ruby with </a:t>
-            </a:r>
-            <a:r>
-              <a:rPr lang="en-US" dirty="0" smtClean="0">
-                <a:effectLst/>
-              </a:rPr>
-              <a:t>Cucumber</a:t>
-            </a:r>
-            <a:endParaRPr lang="de-DE" dirty="0" smtClean="0"/>
-          </a:p>
-          <a:p>
-            <a:r>
-              <a:rPr lang="en-US" dirty="0">
-                <a:effectLst/>
-              </a:rPr>
-              <a:t>See full-frame screenshots for every step of every </a:t>
-            </a:r>
-            <a:r>
-              <a:rPr lang="en-US" dirty="0" smtClean="0">
-                <a:effectLst/>
-              </a:rPr>
-              <a:t>test</a:t>
-            </a:r>
-          </a:p>
-          <a:p>
-            <a:r>
-              <a:rPr lang="de-DE" dirty="0" err="1">
-                <a:effectLst/>
-              </a:rPr>
-              <a:t>Receive</a:t>
-            </a:r>
-            <a:r>
-              <a:rPr lang="de-DE" dirty="0">
-                <a:effectLst/>
-              </a:rPr>
+          <a:bodyPr/>
+          <a:lstStyle/>
+          <a:p>
+            <a:r>
+              <a:rPr lang="de-DE" dirty="0" err="1"/>
+              <a:t>Ready</a:t>
+            </a:r>
+            <a:r>
+              <a:rPr lang="de-DE" dirty="0"/>
               <a:t> </a:t>
             </a:r>
             <a:r>
-              <a:rPr lang="de-DE" dirty="0" err="1">
-                <a:effectLst/>
-              </a:rPr>
-              <a:t>performance</a:t>
-            </a:r>
-            <a:r>
-              <a:rPr lang="de-DE" dirty="0">
-                <a:effectLst/>
-              </a:rPr>
+              <a:rPr lang="de-DE" dirty="0" err="1"/>
+              <a:t>to</a:t>
+            </a:r>
+            <a:r>
+              <a:rPr lang="de-DE" dirty="0"/>
               <a:t> </a:t>
             </a:r>
             <a:r>
-              <a:rPr lang="de-DE" dirty="0" err="1">
-                <a:effectLst/>
-              </a:rPr>
-              <a:t>data</a:t>
-            </a:r>
-            <a:r>
-              <a:rPr lang="de-DE" dirty="0">
-                <a:effectLst/>
-              </a:rPr>
-              <a:t> (</a:t>
-            </a:r>
-            <a:r>
-              <a:rPr lang="de-DE" dirty="0" err="1">
-                <a:effectLst/>
-              </a:rPr>
-              <a:t>memory</a:t>
-            </a:r>
-            <a:r>
-              <a:rPr lang="de-DE" dirty="0">
-                <a:effectLst/>
-              </a:rPr>
-              <a:t>, CPU, </a:t>
-            </a:r>
-            <a:r>
-              <a:rPr lang="de-DE" dirty="0" err="1">
-                <a:effectLst/>
-              </a:rPr>
-              <a:t>duration</a:t>
-            </a:r>
-            <a:r>
-              <a:rPr lang="de-DE" dirty="0">
-                <a:effectLst/>
-              </a:rPr>
-              <a:t>, etc</a:t>
-            </a:r>
-            <a:r>
-              <a:rPr lang="de-DE" dirty="0" smtClean="0">
-                <a:effectLst/>
-              </a:rPr>
-              <a:t>.)</a:t>
-            </a:r>
-          </a:p>
-          <a:p>
-            <a:r>
-              <a:rPr lang="en-US" dirty="0">
-                <a:effectLst/>
-              </a:rPr>
-              <a:t>Integrates with TFS, Jenkins, TeamCity, or any CI systems with custom post-build </a:t>
-            </a:r>
-            <a:r>
-              <a:rPr lang="en-US" dirty="0" smtClean="0">
-                <a:effectLst/>
-              </a:rPr>
-              <a:t>commands</a:t>
-            </a:r>
-          </a:p>
-          <a:p>
-            <a:r>
-              <a:rPr lang="en-US" dirty="0" smtClean="0">
-                <a:effectLst/>
-              </a:rPr>
-              <a:t>Subscription starts at 99/month</a:t>
-            </a:r>
-            <a:endParaRPr lang="de-DE" dirty="0">
-              <a:effectLst/>
-            </a:endParaRPr>
-          </a:p>
-          <a:p>
-            <a:endParaRPr lang="en-US" dirty="0">
-              <a:effectLst/>
-            </a:endParaRPr>
-          </a:p>
-          <a:p>
+              <a:rPr lang="de-DE" dirty="0" err="1"/>
+              <a:t>use</a:t>
+            </a:r>
+            <a:r>
+              <a:rPr lang="de-DE" dirty="0"/>
+              <a:t> </a:t>
+            </a:r>
+            <a:r>
+              <a:rPr lang="de-DE" dirty="0" err="1"/>
+              <a:t>cross-platform-components</a:t>
+            </a:r>
             <a:endParaRPr lang="de-DE" dirty="0"/>
           </a:p>
-        </p:txBody>
-      </p:sp>
+          <a:p>
+            <a:r>
+              <a:rPr lang="de-DE" dirty="0"/>
+              <a:t>SDKs, </a:t>
+            </a:r>
+            <a:r>
+              <a:rPr lang="de-DE" dirty="0" err="1"/>
+              <a:t>Themes</a:t>
+            </a:r>
+            <a:r>
+              <a:rPr lang="de-DE" dirty="0"/>
+              <a:t>, </a:t>
+            </a:r>
+            <a:r>
+              <a:rPr lang="de-DE" dirty="0" err="1"/>
+              <a:t>Plugins</a:t>
+            </a:r>
+            <a:r>
+              <a:rPr lang="de-DE" dirty="0"/>
+              <a:t> </a:t>
+            </a:r>
+            <a:r>
+              <a:rPr lang="de-DE" dirty="0" err="1"/>
+              <a:t>and</a:t>
+            </a:r>
+            <a:r>
+              <a:rPr lang="de-DE" dirty="0"/>
+              <a:t> UI Components</a:t>
+            </a:r>
+          </a:p>
+          <a:p>
+            <a:r>
+              <a:rPr lang="de-DE" dirty="0" err="1"/>
+              <a:t>ComponentStore</a:t>
+            </a:r>
+            <a:r>
+              <a:rPr lang="de-DE" dirty="0"/>
+              <a:t>, </a:t>
+            </a:r>
+            <a:r>
+              <a:rPr lang="de-DE" dirty="0" err="1"/>
+              <a:t>submit</a:t>
+            </a:r>
+            <a:r>
+              <a:rPr lang="de-DE" dirty="0"/>
+              <a:t> </a:t>
+            </a:r>
+            <a:r>
+              <a:rPr lang="de-DE" dirty="0" err="1"/>
+              <a:t>your</a:t>
+            </a:r>
+            <a:r>
+              <a:rPr lang="de-DE" dirty="0"/>
+              <a:t> </a:t>
+            </a:r>
+            <a:r>
+              <a:rPr lang="de-DE" dirty="0" err="1"/>
+              <a:t>own</a:t>
+            </a:r>
+            <a:r>
+              <a:rPr lang="de-DE" dirty="0"/>
+              <a:t> </a:t>
+            </a:r>
+            <a:r>
+              <a:rPr lang="de-DE" dirty="0" err="1"/>
+              <a:t>Component</a:t>
+            </a:r>
+            <a:endParaRPr lang="de-DE" dirty="0"/>
+          </a:p>
+        </p:txBody>
+      </p:sp>
+      <p:pic>
+        <p:nvPicPr>
+          <p:cNvPr id="5" name="Grafik 4"/>
+          <p:cNvPicPr>
+            <a:picLocks noChangeAspect="1"/>
+          </p:cNvPicPr>
+          <p:nvPr/>
+        </p:nvPicPr>
+        <p:blipFill>
+          <a:blip r:embed="rId2"/>
+          <a:stretch>
+            <a:fillRect/>
+          </a:stretch>
+        </p:blipFill>
+        <p:spPr>
+          <a:xfrm>
+            <a:off x="6795316" y="1935921"/>
+            <a:ext cx="4787083" cy="3095866"/>
+          </a:xfrm>
+          <a:prstGeom prst="rect">
+            <a:avLst/>
+          </a:prstGeom>
+        </p:spPr>
+      </p:pic>
     </p:spTree>
     <p:extLst>
       <p:ext uri="{BB962C8B-B14F-4D97-AF65-F5344CB8AC3E}">
-        <p14:creationId xmlns:p14="http://schemas.microsoft.com/office/powerpoint/2010/main" val="202787328"/>
+        <p14:creationId xmlns:p14="http://schemas.microsoft.com/office/powerpoint/2010/main" val="470827908"/>
       </p:ext>
     </p:extLst>
   </p:cSld>
   <p:clrMapOvr>
     <a:masterClrMapping/>
   </p:clrMapOvr>
-  <p:timing>
-    <p:tnLst>
-      <p:par>
-        <p:cTn id="1" dur="indefinite" restart="never" nodeType="tmRoot"/>
-      </p:par>
-    </p:tnLst>
-  </p:timing>
 </p:sld>
 </file>
 
@@ -6206,148 +6136,156 @@
           <a:lstStyle/>
           <a:p>
             <a:r>
-              <a:rPr lang="de-DE" dirty="0" err="1">
-                <a:effectLst>
-                  <a:outerShdw blurRad="38100" dist="38100" dir="2700000" algn="tl">
-                    <a:srgbClr val="000000">
-                      <a:alpha val="43137"/>
-                    </a:srgbClr>
-                  </a:outerShdw>
-                </a:effectLst>
-              </a:rPr>
-              <a:t>Xamarin</a:t>
-            </a:r>
-            <a:r>
-              <a:rPr lang="de-DE" dirty="0">
-                <a:effectLst>
-                  <a:outerShdw blurRad="38100" dist="38100" dir="2700000" algn="tl">
-                    <a:srgbClr val="000000">
-                      <a:alpha val="43137"/>
-                    </a:srgbClr>
-                  </a:outerShdw>
-                </a:effectLst>
-              </a:rPr>
+              <a:rPr lang="de-DE" dirty="0"/>
+              <a:t>Visual </a:t>
+            </a:r>
+            <a:r>
+              <a:rPr lang="de-DE" dirty="0" err="1"/>
+              <a:t>studio</a:t>
+            </a:r>
+            <a:r>
+              <a:rPr lang="de-DE" dirty="0"/>
+              <a:t> online</a:t>
+            </a:r>
+          </a:p>
+        </p:txBody>
+      </p:sp>
+      <p:sp>
+        <p:nvSpPr>
+          <p:cNvPr id="3" name="Inhaltsplatzhalter 2"/>
+          <p:cNvSpPr>
+            <a:spLocks noGrp="1"/>
+          </p:cNvSpPr>
+          <p:nvPr>
+            <p:ph idx="1"/>
+          </p:nvPr>
+        </p:nvSpPr>
+        <p:spPr/>
+        <p:txBody>
+          <a:bodyPr/>
+          <a:lstStyle/>
+          <a:p>
+            <a:r>
+              <a:rPr lang="de-DE" dirty="0" err="1"/>
+              <a:t>Headless</a:t>
+            </a:r>
+            <a:r>
+              <a:rPr lang="de-DE" dirty="0"/>
               <a:t> </a:t>
             </a:r>
             <a:r>
-              <a:rPr lang="de-DE" dirty="0" err="1" smtClean="0">
-                <a:effectLst>
-                  <a:outerShdw blurRad="38100" dist="38100" dir="2700000" algn="tl">
-                    <a:srgbClr val="000000">
-                      <a:alpha val="43137"/>
-                    </a:srgbClr>
-                  </a:outerShdw>
-                </a:effectLst>
-              </a:rPr>
-              <a:t>insights</a:t>
-            </a:r>
-            <a:r>
-              <a:rPr lang="de-DE" dirty="0" smtClean="0">
-                <a:effectLst>
-                  <a:outerShdw blurRad="38100" dist="38100" dir="2700000" algn="tl">
-                    <a:srgbClr val="000000">
-                      <a:alpha val="43137"/>
-                    </a:srgbClr>
-                  </a:outerShdw>
-                </a:effectLst>
-              </a:rPr>
-              <a:t> / </a:t>
-            </a:r>
-            <a:r>
-              <a:rPr lang="de-DE" dirty="0" err="1" smtClean="0">
-                <a:effectLst>
-                  <a:outerShdw blurRad="38100" dist="38100" dir="2700000" algn="tl">
-                    <a:srgbClr val="000000">
-                      <a:alpha val="43137"/>
-                    </a:srgbClr>
-                  </a:outerShdw>
-                </a:effectLst>
-              </a:rPr>
-              <a:t>hockeyapp</a:t>
-            </a:r>
-            <a:endParaRPr lang="de-DE" dirty="0">
-              <a:effectLst>
-                <a:outerShdw blurRad="38100" dist="38100" dir="2700000" algn="tl">
-                  <a:srgbClr val="000000">
-                    <a:alpha val="43137"/>
-                  </a:srgbClr>
-                </a:outerShdw>
-              </a:effectLst>
-            </a:endParaRPr>
-          </a:p>
-        </p:txBody>
-      </p:sp>
-      <p:sp>
-        <p:nvSpPr>
-          <p:cNvPr id="3" name="Inhaltsplatzhalter 2"/>
-          <p:cNvSpPr>
-            <a:spLocks noGrp="1"/>
-          </p:cNvSpPr>
-          <p:nvPr>
-            <p:ph idx="1"/>
-          </p:nvPr>
-        </p:nvSpPr>
-        <p:spPr/>
-        <p:txBody>
-          <a:bodyPr>
-            <a:normAutofit/>
-          </a:bodyPr>
-          <a:lstStyle/>
-          <a:p>
-            <a:r>
-              <a:rPr lang="de-DE" dirty="0" smtClean="0"/>
-              <a:t>Distribution</a:t>
-            </a:r>
-          </a:p>
-          <a:p>
-            <a:r>
-              <a:rPr lang="de-DE" dirty="0" smtClean="0"/>
-              <a:t>Crash Reports</a:t>
-            </a:r>
-          </a:p>
-          <a:p>
-            <a:r>
-              <a:rPr lang="de-DE" dirty="0" smtClean="0">
-                <a:effectLst/>
-              </a:rPr>
-              <a:t>Test </a:t>
-            </a:r>
-            <a:r>
-              <a:rPr lang="de-DE" dirty="0" err="1" smtClean="0">
-                <a:effectLst/>
-              </a:rPr>
-              <a:t>Coverage</a:t>
-            </a:r>
-            <a:endParaRPr lang="de-DE" dirty="0" smtClean="0"/>
-          </a:p>
-          <a:p>
-            <a:r>
-              <a:rPr lang="en-US" dirty="0" smtClean="0">
-                <a:effectLst/>
-              </a:rPr>
-              <a:t>Feedback</a:t>
-            </a:r>
-          </a:p>
-          <a:p>
-            <a:r>
-              <a:rPr lang="de-DE" dirty="0" smtClean="0">
-                <a:effectLst/>
-              </a:rPr>
-              <a:t>App Management</a:t>
-            </a:r>
-          </a:p>
-          <a:p>
-            <a:r>
-              <a:rPr lang="en-US" dirty="0" smtClean="0">
-                <a:effectLst/>
-              </a:rPr>
-              <a:t>Tester Management</a:t>
-            </a:r>
-          </a:p>
-          <a:p>
-            <a:endParaRPr lang="en-US" dirty="0">
-              <a:effectLst/>
-            </a:endParaRPr>
+              <a:rPr lang="de-DE" dirty="0" err="1"/>
+              <a:t>builds</a:t>
+            </a:r>
+            <a:endParaRPr lang="de-DE" dirty="0"/>
+          </a:p>
+          <a:p>
+            <a:r>
+              <a:rPr lang="de-DE" dirty="0" err="1"/>
+              <a:t>Continuos</a:t>
+            </a:r>
+            <a:r>
+              <a:rPr lang="de-DE" dirty="0"/>
+              <a:t> Integration/</a:t>
+            </a:r>
+            <a:r>
+              <a:rPr lang="de-DE" dirty="0" err="1"/>
+              <a:t>Deployment</a:t>
+            </a:r>
+            <a:endParaRPr lang="de-DE" dirty="0"/>
+          </a:p>
+          <a:p>
+            <a:r>
+              <a:rPr lang="de-DE" dirty="0"/>
+              <a:t>Run </a:t>
+            </a:r>
+            <a:r>
+              <a:rPr lang="de-DE" dirty="0" err="1"/>
+              <a:t>tests</a:t>
+            </a:r>
+            <a:endParaRPr lang="de-DE" dirty="0"/>
+          </a:p>
+          <a:p>
+            <a:r>
+              <a:rPr lang="de-DE" dirty="0" err="1"/>
+              <a:t>For</a:t>
+            </a:r>
+            <a:r>
+              <a:rPr lang="de-DE" dirty="0"/>
+              <a:t> iOS </a:t>
+            </a:r>
+            <a:r>
+              <a:rPr lang="de-DE" dirty="0" err="1"/>
+              <a:t>builds</a:t>
+            </a:r>
+            <a:r>
+              <a:rPr lang="de-DE" dirty="0"/>
+              <a:t> Mac </a:t>
+            </a:r>
+            <a:r>
+              <a:rPr lang="de-DE" dirty="0" err="1"/>
+              <a:t>with</a:t>
+            </a:r>
+            <a:r>
+              <a:rPr lang="de-DE" dirty="0"/>
+              <a:t> </a:t>
+            </a:r>
+            <a:r>
+              <a:rPr lang="de-DE" dirty="0" err="1"/>
+              <a:t>build</a:t>
+            </a:r>
+            <a:r>
+              <a:rPr lang="de-DE" dirty="0"/>
+              <a:t> </a:t>
+            </a:r>
+            <a:r>
+              <a:rPr lang="de-DE" dirty="0" err="1"/>
+              <a:t>agent</a:t>
+            </a:r>
+            <a:r>
+              <a:rPr lang="de-DE" dirty="0"/>
+              <a:t> </a:t>
+            </a:r>
+            <a:br>
+              <a:rPr lang="de-DE" dirty="0"/>
+            </a:br>
+            <a:r>
+              <a:rPr lang="de-DE" dirty="0" err="1"/>
+              <a:t>needed</a:t>
+            </a:r>
+            <a:r>
+              <a:rPr lang="de-DE" dirty="0"/>
+              <a:t>, </a:t>
+            </a:r>
+            <a:r>
+              <a:rPr lang="de-DE" dirty="0" err="1"/>
+              <a:t>reachable</a:t>
+            </a:r>
+            <a:r>
+              <a:rPr lang="de-DE" dirty="0"/>
+              <a:t> </a:t>
+            </a:r>
+            <a:r>
+              <a:rPr lang="de-DE" dirty="0" err="1"/>
+              <a:t>from</a:t>
+            </a:r>
+            <a:r>
+              <a:rPr lang="de-DE" dirty="0"/>
+              <a:t> </a:t>
+            </a:r>
+            <a:r>
+              <a:rPr lang="de-DE" dirty="0" err="1"/>
+              <a:t>the</a:t>
+            </a:r>
+            <a:r>
+              <a:rPr lang="de-DE" dirty="0"/>
+              <a:t> </a:t>
+            </a:r>
+            <a:r>
+              <a:rPr lang="de-DE" dirty="0" err="1"/>
+              <a:t>internet</a:t>
+            </a:r>
+            <a:endParaRPr lang="de-DE" dirty="0"/>
           </a:p>
           <a:p>
             <a:endParaRPr lang="de-DE" dirty="0"/>
@@ -6357,20 +6295,13 @@
     </p:spTree>
     <p:extLst>
       <p:ext uri="{BB962C8B-B14F-4D97-AF65-F5344CB8AC3E}">
-        <p14:creationId xmlns:p14="http://schemas.microsoft.com/office/powerpoint/2010/main" val="4037731526"/>
+        <p14:creationId xmlns:p14="http://schemas.microsoft.com/office/powerpoint/2010/main" val="3905455307"/>
       </p:ext>
     </p:extLst>
   </p:cSld>
   <p:clrMapOvr>
     <a:masterClrMapping/>
   </p:clrMapOvr>
-  <p:timing>
-    <p:tnLst>
-      <p:par>
-        <p:cTn id="1" dur="indefinite" restart="never" nodeType="tmRoot"/>
-      </p:par>
-    </p:tnLst>
-  </p:timing>
 </p:sld>
 </file>
 
@@ -6428,29 +6359,8 @@
                   </a:outerShdw>
                 </a:effectLst>
               </a:rPr>
-              <a:t> </a:t>
-            </a:r>
-            <a:r>
-              <a:rPr lang="de-DE" dirty="0" smtClean="0">
-                <a:effectLst>
-                  <a:outerShdw blurRad="38100" dist="38100" dir="2700000" algn="tl">
-                    <a:srgbClr val="000000">
-                      <a:alpha val="43137"/>
-                    </a:srgbClr>
-                  </a:outerShdw>
-                </a:effectLst>
-              </a:rPr>
-              <a:t>University</a:t>
-            </a:r>
-            <a:endParaRPr lang="de-DE" dirty="0">
-              <a:effectLst>
-                <a:outerShdw blurRad="38100" dist="38100" dir="2700000" algn="tl">
-                  <a:srgbClr val="000000">
-                    <a:alpha val="43137"/>
-                  </a:srgbClr>
-                </a:outerShdw>
-              </a:effectLst>
-            </a:endParaRPr>
+              <a:t> Test Cloud</a:t>
+            </a:r>
           </a:p>
         </p:txBody>
       </p:sp>
@@ -6467,35 +6377,123 @@
         <p:spPr/>
         <p:txBody>
           <a:bodyPr>
-            <a:normAutofit/>
+            <a:normAutofit lnSpcReduction="10000"/>
           </a:bodyPr>
           <a:lstStyle/>
+          <a:p>
+            <a:r>
+              <a:rPr lang="de-DE" dirty="0"/>
+              <a:t>UI Tests on </a:t>
+            </a:r>
+            <a:r>
+              <a:rPr lang="de-DE" dirty="0" err="1"/>
+              <a:t>over</a:t>
+            </a:r>
+            <a:r>
+              <a:rPr lang="de-DE" dirty="0"/>
+              <a:t> 2000 </a:t>
+            </a:r>
+            <a:r>
+              <a:rPr lang="de-DE" dirty="0" err="1"/>
+              <a:t>devices</a:t>
+            </a:r>
+            <a:endParaRPr lang="de-DE" dirty="0"/>
+          </a:p>
+          <a:p>
+            <a:r>
+              <a:rPr lang="de-DE" dirty="0" err="1"/>
+              <a:t>Xamarin</a:t>
+            </a:r>
+            <a:r>
+              <a:rPr lang="de-DE" dirty="0"/>
+              <a:t> Test Recorder</a:t>
+            </a:r>
+          </a:p>
           <a:p>
             <a:r>
               <a:rPr lang="en-US" dirty="0">
                 <a:effectLst/>
               </a:rPr>
-              <a:t>Unlimited live, online training from mobile experts</a:t>
-            </a:r>
+              <a:t>Write tests in C# or Ruby with Cucumber</a:t>
+            </a:r>
+            <a:endParaRPr lang="de-DE" dirty="0"/>
           </a:p>
           <a:p>
             <a:r>
               <a:rPr lang="en-US" dirty="0">
                 <a:effectLst/>
               </a:rPr>
-              <a:t>1-on-1 office hours with </a:t>
-            </a:r>
-            <a:r>
-              <a:rPr lang="en-US" dirty="0" err="1">
+              <a:t>See full-frame screenshots for every step of every test</a:t>
+            </a:r>
+          </a:p>
+          <a:p>
+            <a:r>
+              <a:rPr lang="de-DE" dirty="0" err="1">
                 <a:effectLst/>
               </a:rPr>
-              <a:t>Xamarin</a:t>
-            </a:r>
+              <a:t>Receive</a:t>
+            </a:r>
+            <a:r>
+              <a:rPr lang="de-DE" dirty="0">
+                <a:effectLst/>
+              </a:rPr>
+              <a:t> </a:t>
+            </a:r>
+            <a:r>
+              <a:rPr lang="de-DE" dirty="0" err="1">
+                <a:effectLst/>
+              </a:rPr>
+              <a:t>performance</a:t>
+            </a:r>
+            <a:r>
+              <a:rPr lang="de-DE" dirty="0">
+                <a:effectLst/>
+              </a:rPr>
+              <a:t> </a:t>
+            </a:r>
+            <a:r>
+              <a:rPr lang="de-DE" dirty="0" err="1">
+                <a:effectLst/>
+              </a:rPr>
+              <a:t>data</a:t>
+            </a:r>
+            <a:r>
+              <a:rPr lang="de-DE" dirty="0">
+                <a:effectLst/>
+              </a:rPr>
+              <a:t> (</a:t>
+            </a:r>
+            <a:r>
+              <a:rPr lang="de-DE" dirty="0" err="1">
+                <a:effectLst/>
+              </a:rPr>
+              <a:t>memory</a:t>
+            </a:r>
+            <a:r>
+              <a:rPr lang="de-DE" dirty="0">
+                <a:effectLst/>
+              </a:rPr>
+              <a:t>, CPU, </a:t>
+            </a:r>
+            <a:r>
+              <a:rPr lang="de-DE" dirty="0" err="1">
+                <a:effectLst/>
+              </a:rPr>
+              <a:t>duration</a:t>
+            </a:r>
+            <a:r>
+              <a:rPr lang="de-DE" dirty="0">
+                <a:effectLst/>
+              </a:rPr>
+              <a:t>, etc.)</a:t>
+            </a:r>
+          </a:p>
+          <a:p>
             <a:r>
               <a:rPr lang="en-US" dirty="0">
                 <a:effectLst/>
               </a:rPr>
-              <a:t> experts</a:t>
+              <a:t>Integrates with TFS, Jenkins, TeamCity, or any CI systems with custom post-build commands</a:t>
             </a:r>
           </a:p>
           <a:p>
@@ -6503,87 +6501,9 @@
               <a:rPr lang="en-US" dirty="0">
                 <a:effectLst/>
               </a:rPr>
-              <a:t>Unlimited annual access to recorded class videos, class labs and materials</a:t>
-            </a:r>
-          </a:p>
-          <a:p>
-            <a:r>
-              <a:rPr lang="en-US" dirty="0">
-                <a:effectLst/>
-              </a:rPr>
-              <a:t>Dedicated community for </a:t>
-            </a:r>
-            <a:r>
-              <a:rPr lang="en-US" dirty="0" err="1">
-                <a:effectLst/>
-              </a:rPr>
-              <a:t>Xamarin</a:t>
-            </a:r>
-            <a:r>
-              <a:rPr lang="en-US" dirty="0">
-                <a:effectLst/>
-              </a:rPr>
-              <a:t> University students</a:t>
-            </a:r>
-          </a:p>
-          <a:p>
-            <a:r>
-              <a:rPr lang="en-US" dirty="0">
-                <a:effectLst/>
-              </a:rPr>
-              <a:t>Certification exam eligibility to become a </a:t>
-            </a:r>
-            <a:r>
-              <a:rPr lang="en-US" dirty="0" err="1">
-                <a:effectLst/>
-              </a:rPr>
-              <a:t>Xamarin</a:t>
-            </a:r>
-            <a:r>
-              <a:rPr lang="en-US" dirty="0">
-                <a:effectLst/>
-              </a:rPr>
-              <a:t> Certified Mobile Developer</a:t>
-            </a:r>
-          </a:p>
-          <a:p>
-            <a:r>
-              <a:rPr lang="de-DE" dirty="0" err="1">
-                <a:effectLst/>
-              </a:rPr>
-              <a:t>Xamarin</a:t>
-            </a:r>
-            <a:r>
-              <a:rPr lang="de-DE" dirty="0">
-                <a:effectLst/>
-              </a:rPr>
-              <a:t> University Annual </a:t>
-            </a:r>
-            <a:r>
-              <a:rPr lang="de-DE" dirty="0" err="1" smtClean="0">
-                <a:effectLst/>
-              </a:rPr>
-              <a:t>Subscription</a:t>
-            </a:r>
-            <a:r>
-              <a:rPr lang="de-DE" dirty="0" smtClean="0">
-                <a:effectLst/>
-              </a:rPr>
-              <a:t> </a:t>
-            </a:r>
-            <a:r>
-              <a:rPr lang="de-DE" dirty="0" err="1" smtClean="0">
-                <a:effectLst/>
-              </a:rPr>
-              <a:t>starts</a:t>
-            </a:r>
-            <a:r>
-              <a:rPr lang="de-DE" dirty="0" smtClean="0">
-                <a:effectLst/>
-              </a:rPr>
-              <a:t> at $1995.00</a:t>
-            </a:r>
-            <a:endParaRPr lang="en-US" dirty="0" smtClean="0">
+              <a:t>Subscription starts at 99/month</a:t>
+            </a:r>
+            <a:endParaRPr lang="de-DE" dirty="0">
               <a:effectLst/>
             </a:endParaRPr>
           </a:p>
@@ -6600,20 +6520,13 @@
     </p:spTree>
     <p:extLst>
       <p:ext uri="{BB962C8B-B14F-4D97-AF65-F5344CB8AC3E}">
-        <p14:creationId xmlns:p14="http://schemas.microsoft.com/office/powerpoint/2010/main" val="3666864403"/>
+        <p14:creationId xmlns:p14="http://schemas.microsoft.com/office/powerpoint/2010/main" val="202787328"/>
       </p:ext>
     </p:extLst>
   </p:cSld>
   <p:clrMapOvr>
     <a:masterClrMapping/>
   </p:clrMapOvr>
-  <p:timing>
-    <p:tnLst>
-      <p:par>
-        <p:cTn id="1" dur="indefinite" restart="never" nodeType="tmRoot"/>
-      </p:par>
-    </p:tnLst>
-  </p:timing>
 </p:sld>
 </file>
 
@@ -6650,186 +6563,162 @@
           <a:lstStyle/>
           <a:p>
             <a:r>
-              <a:rPr lang="de-DE" dirty="0" smtClean="0"/>
-              <a:t>Trade Off</a:t>
+              <a:rPr lang="de-DE" strike="sngStrike" dirty="0" err="1">
+                <a:effectLst>
+                  <a:outerShdw blurRad="38100" dist="38100" dir="2700000" algn="tl">
+                    <a:srgbClr val="000000">
+                      <a:alpha val="43137"/>
+                    </a:srgbClr>
+                  </a:outerShdw>
+                </a:effectLst>
+              </a:rPr>
+              <a:t>Xamarin</a:t>
+            </a:r>
+            <a:r>
+              <a:rPr lang="de-DE" strike="sngStrike" dirty="0">
+                <a:effectLst>
+                  <a:outerShdw blurRad="38100" dist="38100" dir="2700000" algn="tl">
+                    <a:srgbClr val="000000">
+                      <a:alpha val="43137"/>
+                    </a:srgbClr>
+                  </a:outerShdw>
+                </a:effectLst>
+              </a:rPr>
+              <a:t> </a:t>
+            </a:r>
+            <a:r>
+              <a:rPr lang="de-DE" strike="sngStrike" dirty="0" err="1">
+                <a:effectLst>
+                  <a:outerShdw blurRad="38100" dist="38100" dir="2700000" algn="tl">
+                    <a:srgbClr val="000000">
+                      <a:alpha val="43137"/>
+                    </a:srgbClr>
+                  </a:outerShdw>
+                </a:effectLst>
+              </a:rPr>
+              <a:t>insights</a:t>
+            </a:r>
+            <a:r>
+              <a:rPr lang="de-DE" strike="sngStrike" dirty="0">
+                <a:effectLst>
+                  <a:outerShdw blurRad="38100" dist="38100" dir="2700000" algn="tl">
+                    <a:srgbClr val="000000">
+                      <a:alpha val="43137"/>
+                    </a:srgbClr>
+                  </a:outerShdw>
+                </a:effectLst>
+              </a:rPr>
+              <a:t> /</a:t>
+            </a:r>
+            <a:r>
+              <a:rPr lang="de-DE" dirty="0">
+                <a:effectLst>
+                  <a:outerShdw blurRad="38100" dist="38100" dir="2700000" algn="tl">
+                    <a:srgbClr val="000000">
+                      <a:alpha val="43137"/>
+                    </a:srgbClr>
+                  </a:outerShdw>
+                </a:effectLst>
+              </a:rPr>
+              <a:t> </a:t>
+            </a:r>
+            <a:r>
+              <a:rPr lang="de-DE" dirty="0" err="1">
+                <a:effectLst>
+                  <a:outerShdw blurRad="38100" dist="38100" dir="2700000" algn="tl">
+                    <a:srgbClr val="000000">
+                      <a:alpha val="43137"/>
+                    </a:srgbClr>
+                  </a:outerShdw>
+                </a:effectLst>
+              </a:rPr>
+              <a:t>hockeyapp</a:t>
+            </a:r>
+            <a:endParaRPr lang="de-DE" dirty="0">
+              <a:effectLst>
+                <a:outerShdw blurRad="38100" dist="38100" dir="2700000" algn="tl">
+                  <a:srgbClr val="000000">
+                    <a:alpha val="43137"/>
+                  </a:srgbClr>
+                </a:outerShdw>
+              </a:effectLst>
+            </a:endParaRPr>
+          </a:p>
+        </p:txBody>
+      </p:sp>
+      <p:sp>
+        <p:nvSpPr>
+          <p:cNvPr id="3" name="Inhaltsplatzhalter 2"/>
+          <p:cNvSpPr>
+            <a:spLocks noGrp="1"/>
+          </p:cNvSpPr>
+          <p:nvPr>
+            <p:ph idx="1"/>
+          </p:nvPr>
+        </p:nvSpPr>
+        <p:spPr/>
+        <p:txBody>
+          <a:bodyPr>
+            <a:normAutofit/>
+          </a:bodyPr>
+          <a:lstStyle/>
+          <a:p>
+            <a:r>
+              <a:rPr lang="de-DE" dirty="0"/>
+              <a:t>Distribution</a:t>
+            </a:r>
+          </a:p>
+          <a:p>
+            <a:r>
+              <a:rPr lang="de-DE" dirty="0"/>
+              <a:t>Crash Reports</a:t>
+            </a:r>
+          </a:p>
+          <a:p>
+            <a:r>
+              <a:rPr lang="de-DE" dirty="0">
+                <a:effectLst/>
+              </a:rPr>
+              <a:t>Test </a:t>
+            </a:r>
+            <a:r>
+              <a:rPr lang="de-DE" dirty="0" err="1">
+                <a:effectLst/>
+              </a:rPr>
+              <a:t>Coverage</a:t>
             </a:r>
             <a:endParaRPr lang="de-DE" dirty="0"/>
           </a:p>
-        </p:txBody>
-      </p:sp>
-      <p:sp>
-        <p:nvSpPr>
-          <p:cNvPr id="3" name="Inhaltsplatzhalter 2"/>
-          <p:cNvSpPr>
-            <a:spLocks noGrp="1"/>
-          </p:cNvSpPr>
-          <p:nvPr>
-            <p:ph idx="1"/>
-          </p:nvPr>
-        </p:nvSpPr>
-        <p:spPr/>
-        <p:txBody>
-          <a:bodyPr/>
-          <a:lstStyle/>
-          <a:p>
-            <a:r>
-              <a:rPr lang="de-DE" dirty="0" err="1" smtClean="0"/>
-              <a:t>Limitations</a:t>
-            </a:r>
-            <a:r>
-              <a:rPr lang="de-DE" dirty="0" smtClean="0"/>
-              <a:t> (Mac </a:t>
-            </a:r>
-            <a:r>
-              <a:rPr lang="de-DE" dirty="0" err="1" smtClean="0"/>
-              <a:t>needed</a:t>
-            </a:r>
-            <a:r>
-              <a:rPr lang="de-DE" dirty="0" smtClean="0"/>
-              <a:t> in </a:t>
-            </a:r>
-            <a:r>
-              <a:rPr lang="de-DE" dirty="0" err="1" smtClean="0"/>
-              <a:t>network</a:t>
-            </a:r>
-            <a:r>
-              <a:rPr lang="de-DE" dirty="0" smtClean="0"/>
-              <a:t> </a:t>
-            </a:r>
-            <a:r>
-              <a:rPr lang="de-DE" dirty="0" err="1" smtClean="0"/>
-              <a:t>for</a:t>
-            </a:r>
-            <a:r>
-              <a:rPr lang="de-DE" dirty="0" smtClean="0"/>
-              <a:t> iOS </a:t>
-            </a:r>
-            <a:r>
-              <a:rPr lang="de-DE" dirty="0" err="1" smtClean="0"/>
-              <a:t>and</a:t>
-            </a:r>
-            <a:r>
-              <a:rPr lang="de-DE" dirty="0" smtClean="0"/>
-              <a:t> Mac </a:t>
-            </a:r>
-            <a:r>
-              <a:rPr lang="de-DE" dirty="0" err="1" smtClean="0"/>
-              <a:t>development</a:t>
-            </a:r>
-            <a:r>
-              <a:rPr lang="de-DE" dirty="0" smtClean="0"/>
-              <a:t>, etc.)</a:t>
-            </a:r>
-          </a:p>
-          <a:p>
-            <a:r>
-              <a:rPr lang="de-DE" dirty="0" err="1" smtClean="0"/>
-              <a:t>Lerning</a:t>
-            </a:r>
-            <a:r>
-              <a:rPr lang="de-DE" dirty="0" smtClean="0"/>
-              <a:t> </a:t>
-            </a:r>
-            <a:r>
-              <a:rPr lang="de-DE" dirty="0" err="1" smtClean="0"/>
-              <a:t>curve</a:t>
-            </a:r>
-            <a:r>
-              <a:rPr lang="de-DE" dirty="0" smtClean="0"/>
-              <a:t> </a:t>
-            </a:r>
-            <a:r>
-              <a:rPr lang="de-DE" dirty="0" err="1" smtClean="0"/>
-              <a:t>can</a:t>
-            </a:r>
-            <a:r>
-              <a:rPr lang="de-DE" dirty="0" smtClean="0"/>
-              <a:t> </a:t>
-            </a:r>
-            <a:r>
-              <a:rPr lang="de-DE" dirty="0" err="1" smtClean="0"/>
-              <a:t>be</a:t>
-            </a:r>
-            <a:r>
-              <a:rPr lang="de-DE" dirty="0" smtClean="0"/>
-              <a:t> </a:t>
-            </a:r>
-            <a:r>
-              <a:rPr lang="de-DE" dirty="0" err="1" smtClean="0"/>
-              <a:t>bigger</a:t>
-            </a:r>
-            <a:r>
-              <a:rPr lang="de-DE" dirty="0" smtClean="0"/>
-              <a:t> </a:t>
-            </a:r>
-            <a:r>
-              <a:rPr lang="de-DE" dirty="0" err="1" smtClean="0"/>
-              <a:t>than</a:t>
-            </a:r>
-            <a:r>
-              <a:rPr lang="de-DE" dirty="0" smtClean="0"/>
-              <a:t> native </a:t>
-            </a:r>
-            <a:r>
-              <a:rPr lang="de-DE" dirty="0" err="1" smtClean="0"/>
-              <a:t>development</a:t>
-            </a:r>
-            <a:endParaRPr lang="de-DE" dirty="0" smtClean="0"/>
-          </a:p>
-          <a:p>
-            <a:pPr lvl="1"/>
-            <a:r>
-              <a:rPr lang="de-DE" dirty="0" err="1" smtClean="0"/>
-              <a:t>Afterwards</a:t>
-            </a:r>
-            <a:r>
-              <a:rPr lang="de-DE" dirty="0" smtClean="0"/>
-              <a:t> </a:t>
-            </a:r>
-            <a:r>
-              <a:rPr lang="de-DE" dirty="0" err="1" smtClean="0"/>
-              <a:t>lot</a:t>
-            </a:r>
-            <a:r>
-              <a:rPr lang="de-DE" dirty="0" smtClean="0"/>
-              <a:t> </a:t>
-            </a:r>
-            <a:r>
-              <a:rPr lang="de-DE" dirty="0" err="1" smtClean="0"/>
-              <a:t>of</a:t>
-            </a:r>
-            <a:r>
-              <a:rPr lang="de-DE" dirty="0" smtClean="0"/>
-              <a:t> time </a:t>
-            </a:r>
-            <a:r>
-              <a:rPr lang="de-DE" dirty="0" err="1" smtClean="0"/>
-              <a:t>saving</a:t>
-            </a:r>
-            <a:r>
-              <a:rPr lang="de-DE" dirty="0" smtClean="0"/>
-              <a:t> due </a:t>
-            </a:r>
-            <a:r>
-              <a:rPr lang="de-DE" dirty="0" err="1" smtClean="0"/>
-              <a:t>to</a:t>
-            </a:r>
-            <a:r>
-              <a:rPr lang="de-DE" dirty="0" smtClean="0"/>
-              <a:t> </a:t>
-            </a:r>
-            <a:r>
-              <a:rPr lang="de-DE" dirty="0" err="1" smtClean="0"/>
-              <a:t>shared</a:t>
-            </a:r>
-            <a:r>
-              <a:rPr lang="de-DE" dirty="0" smtClean="0"/>
-              <a:t> </a:t>
-            </a:r>
-            <a:r>
-              <a:rPr lang="de-DE" dirty="0" err="1" smtClean="0"/>
-              <a:t>code</a:t>
-            </a:r>
+          <a:p>
+            <a:r>
+              <a:rPr lang="en-US" dirty="0">
+                <a:effectLst/>
+              </a:rPr>
+              <a:t>Feedback</a:t>
+            </a:r>
+          </a:p>
+          <a:p>
+            <a:r>
+              <a:rPr lang="de-DE" dirty="0">
+                <a:effectLst/>
+              </a:rPr>
+              <a:t>App Management</a:t>
+            </a:r>
+          </a:p>
+          <a:p>
+            <a:r>
+              <a:rPr lang="en-US" dirty="0">
+                <a:effectLst/>
+              </a:rPr>
+              <a:t>Tester Management</a:t>
+            </a:r>
+          </a:p>
+          <a:p>
+            <a:endParaRPr lang="en-US" dirty="0">
+              <a:effectLst/>
+            </a:endParaRPr>
+          </a:p>
+          <a:p>
             <a:endParaRPr lang="de-DE" dirty="0"/>
           </a:p>
         </p:txBody>
@@ -6837,20 +6726,13 @@
     </p:spTree>
     <p:extLst>
       <p:ext uri="{BB962C8B-B14F-4D97-AF65-F5344CB8AC3E}">
-        <p14:creationId xmlns:p14="http://schemas.microsoft.com/office/powerpoint/2010/main" val="4222413088"/>
+        <p14:creationId xmlns:p14="http://schemas.microsoft.com/office/powerpoint/2010/main" val="4037731526"/>
       </p:ext>
     </p:extLst>
   </p:cSld>
   <p:clrMapOvr>
     <a:masterClrMapping/>
   </p:clrMapOvr>
-  <p:timing>
-    <p:tnLst>
-      <p:par>
-        <p:cTn id="1" dur="indefinite" restart="never" nodeType="tmRoot"/>
-      </p:par>
-    </p:tnLst>
-  </p:timing>
 </p:sld>
 </file>
 
@@ -6887,10 +6769,29 @@
           <a:lstStyle/>
           <a:p>
             <a:r>
-              <a:rPr lang="de-DE" dirty="0" smtClean="0"/>
-              <a:t>Demo</a:t>
-            </a:r>
-            <a:endParaRPr lang="de-DE" dirty="0"/>
+              <a:rPr lang="de-DE" dirty="0" err="1">
+                <a:effectLst>
+                  <a:outerShdw blurRad="38100" dist="38100" dir="2700000" algn="tl">
+                    <a:srgbClr val="000000">
+                      <a:alpha val="43137"/>
+                    </a:srgbClr>
+                  </a:outerShdw>
+                </a:effectLst>
+              </a:rPr>
+              <a:t>Xamarin</a:t>
+            </a:r>
+            <a:r>
+              <a:rPr lang="de-DE" dirty="0">
+                <a:effectLst>
+                  <a:outerShdw blurRad="38100" dist="38100" dir="2700000" algn="tl">
+                    <a:srgbClr val="000000">
+                      <a:alpha val="43137"/>
+                    </a:srgbClr>
+                  </a:outerShdw>
+                </a:effectLst>
+              </a:rPr>
+              <a:t> University</a:t>
+            </a:r>
           </a:p>
         </p:txBody>
       </p:sp>
@@ -6906,37 +6807,133 @@
         </p:nvSpPr>
         <p:spPr/>
         <p:txBody>
-          <a:bodyPr/>
-          <a:lstStyle/>
-          <a:p>
-            <a:r>
-              <a:rPr lang="de-DE" dirty="0" err="1" smtClean="0"/>
-              <a:t>Let</a:t>
-            </a:r>
-            <a:r>
-              <a:rPr lang="de-DE" dirty="0" smtClean="0"/>
+          <a:bodyPr>
+            <a:normAutofit/>
+          </a:bodyPr>
+          <a:lstStyle/>
+          <a:p>
+            <a:r>
+              <a:rPr lang="en-US" dirty="0">
+                <a:effectLst/>
+              </a:rPr>
+              <a:t>Unlimited live, online training from mobile experts</a:t>
+            </a:r>
+          </a:p>
+          <a:p>
+            <a:r>
+              <a:rPr lang="en-US" dirty="0">
+                <a:effectLst/>
+              </a:rPr>
+              <a:t>1-on-1 office hours with </a:t>
+            </a:r>
+            <a:r>
+              <a:rPr lang="en-US" dirty="0" err="1">
+                <a:effectLst/>
+              </a:rPr>
+              <a:t>Xamarin</a:t>
+            </a:r>
+            <a:r>
+              <a:rPr lang="en-US" dirty="0">
+                <a:effectLst/>
+              </a:rPr>
+              <a:t> experts</a:t>
+            </a:r>
+          </a:p>
+          <a:p>
+            <a:r>
+              <a:rPr lang="en-US" dirty="0">
+                <a:effectLst/>
+              </a:rPr>
+              <a:t>Unlimited annual access to recorded class videos, class labs and materials</a:t>
+            </a:r>
+          </a:p>
+          <a:p>
+            <a:r>
+              <a:rPr lang="en-US" dirty="0">
+                <a:effectLst/>
+              </a:rPr>
+              <a:t>Dedicated community for </a:t>
+            </a:r>
+            <a:r>
+              <a:rPr lang="en-US" dirty="0" err="1">
+                <a:effectLst/>
+              </a:rPr>
+              <a:t>Xamarin</a:t>
+            </a:r>
+            <a:r>
+              <a:rPr lang="en-US" dirty="0">
+                <a:effectLst/>
+              </a:rPr>
+              <a:t> University students</a:t>
+            </a:r>
+          </a:p>
+          <a:p>
+            <a:r>
+              <a:rPr lang="en-US" dirty="0">
+                <a:effectLst/>
+              </a:rPr>
+              <a:t>Certification exam eligibility to become a </a:t>
+            </a:r>
+            <a:r>
+              <a:rPr lang="en-US" dirty="0" err="1">
+                <a:effectLst/>
+              </a:rPr>
+              <a:t>Xamarin</a:t>
+            </a:r>
+            <a:r>
+              <a:rPr lang="en-US" dirty="0">
+                <a:effectLst/>
+              </a:rPr>
+              <a:t> Certified Mobile Developer</a:t>
+            </a:r>
+          </a:p>
+          <a:p>
+            <a:r>
+              <a:rPr lang="de-DE" dirty="0" err="1">
+                <a:effectLst/>
+              </a:rPr>
+              <a:t>Xamarin</a:t>
+            </a:r>
+            <a:r>
+              <a:rPr lang="de-DE" dirty="0">
+                <a:effectLst/>
+              </a:rPr>
+              <a:t> University Annual </a:t>
+            </a:r>
+            <a:r>
+              <a:rPr lang="de-DE" dirty="0" err="1">
+                <a:effectLst/>
+              </a:rPr>
+              <a:t>Subscription</a:t>
+            </a:r>
+            <a:r>
+              <a:rPr lang="de-DE" dirty="0">
+                <a:effectLst/>
+              </a:rPr>
               <a:t> </a:t>
             </a:r>
             <a:r>
-              <a:rPr lang="de-DE" dirty="0" err="1" smtClean="0"/>
-              <a:t>see</a:t>
-            </a:r>
-            <a:r>
-              <a:rPr lang="de-DE" dirty="0" smtClean="0"/>
-              <a:t> </a:t>
-            </a:r>
-            <a:r>
-              <a:rPr lang="de-DE" dirty="0" err="1" smtClean="0"/>
-              <a:t>some</a:t>
-            </a:r>
-            <a:r>
-              <a:rPr lang="de-DE" dirty="0" smtClean="0"/>
-              <a:t> </a:t>
-            </a:r>
-            <a:r>
-              <a:rPr lang="de-DE" dirty="0" err="1" smtClean="0"/>
-              <a:t>demo</a:t>
-            </a:r>
+              <a:rPr lang="de-DE" dirty="0" err="1">
+                <a:effectLst/>
+              </a:rPr>
+              <a:t>starts</a:t>
+            </a:r>
+            <a:r>
+              <a:rPr lang="de-DE" dirty="0">
+                <a:effectLst/>
+              </a:rPr>
+              <a:t> at $1995.00</a:t>
+            </a:r>
+            <a:endParaRPr lang="en-US" dirty="0">
+              <a:effectLst/>
+            </a:endParaRPr>
+          </a:p>
+          <a:p>
+            <a:endParaRPr lang="en-US" dirty="0">
+              <a:effectLst/>
+            </a:endParaRPr>
+          </a:p>
+          <a:p>
             <a:endParaRPr lang="de-DE" dirty="0"/>
           </a:p>
         </p:txBody>
@@ -6944,20 +6941,13 @@
     </p:spTree>
     <p:extLst>
       <p:ext uri="{BB962C8B-B14F-4D97-AF65-F5344CB8AC3E}">
-        <p14:creationId xmlns:p14="http://schemas.microsoft.com/office/powerpoint/2010/main" val="3088094863"/>
+        <p14:creationId xmlns:p14="http://schemas.microsoft.com/office/powerpoint/2010/main" val="3666864403"/>
       </p:ext>
     </p:extLst>
   </p:cSld>
   <p:clrMapOvr>
     <a:masterClrMapping/>
   </p:clrMapOvr>
-  <p:timing>
-    <p:tnLst>
-      <p:par>
-        <p:cTn id="1" dur="indefinite" restart="never" nodeType="tmRoot"/>
-      </p:par>
-    </p:tnLst>
-  </p:timing>
 </p:sld>
 </file>
 
@@ -6994,7 +6984,616 @@
           <a:lstStyle/>
           <a:p>
             <a:r>
-              <a:rPr lang="de-DE" dirty="0" err="1" smtClean="0"/>
+              <a:rPr lang="de-DE" dirty="0">
+                <a:effectLst>
+                  <a:outerShdw blurRad="38100" dist="38100" dir="2700000" algn="tl">
+                    <a:srgbClr val="000000">
+                      <a:alpha val="43137"/>
+                    </a:srgbClr>
+                  </a:outerShdw>
+                </a:effectLst>
+              </a:rPr>
+              <a:t>Mac-in-</a:t>
+            </a:r>
+            <a:r>
+              <a:rPr lang="de-DE" dirty="0" err="1">
+                <a:effectLst>
+                  <a:outerShdw blurRad="38100" dist="38100" dir="2700000" algn="tl">
+                    <a:srgbClr val="000000">
+                      <a:alpha val="43137"/>
+                    </a:srgbClr>
+                  </a:outerShdw>
+                </a:effectLst>
+              </a:rPr>
+              <a:t>cloud</a:t>
+            </a:r>
+            <a:endParaRPr lang="de-DE" dirty="0">
+              <a:effectLst>
+                <a:outerShdw blurRad="38100" dist="38100" dir="2700000" algn="tl">
+                  <a:srgbClr val="000000">
+                    <a:alpha val="43137"/>
+                  </a:srgbClr>
+                </a:outerShdw>
+              </a:effectLst>
+            </a:endParaRPr>
+          </a:p>
+        </p:txBody>
+      </p:sp>
+      <p:sp>
+        <p:nvSpPr>
+          <p:cNvPr id="3" name="Inhaltsplatzhalter 2"/>
+          <p:cNvSpPr>
+            <a:spLocks noGrp="1"/>
+          </p:cNvSpPr>
+          <p:nvPr>
+            <p:ph idx="1"/>
+          </p:nvPr>
+        </p:nvSpPr>
+        <p:spPr>
+          <a:xfrm>
+            <a:off x="913795" y="2096064"/>
+            <a:ext cx="3427860" cy="4420566"/>
+          </a:xfrm>
+        </p:spPr>
+        <p:txBody>
+          <a:bodyPr>
+            <a:normAutofit/>
+          </a:bodyPr>
+          <a:lstStyle/>
+          <a:p>
+            <a:r>
+              <a:rPr lang="de-DE" dirty="0">
+                <a:effectLst/>
+              </a:rPr>
+              <a:t>Pay-</a:t>
+            </a:r>
+            <a:r>
+              <a:rPr lang="de-DE" dirty="0" err="1">
+                <a:effectLst/>
+              </a:rPr>
+              <a:t>as</a:t>
+            </a:r>
+            <a:r>
+              <a:rPr lang="de-DE" dirty="0">
+                <a:effectLst/>
+              </a:rPr>
+              <a:t>-</a:t>
+            </a:r>
+            <a:r>
+              <a:rPr lang="de-DE" dirty="0" err="1">
+                <a:effectLst/>
+              </a:rPr>
+              <a:t>you-go</a:t>
+            </a:r>
+            <a:r>
+              <a:rPr lang="de-DE" dirty="0">
+                <a:effectLst/>
+              </a:rPr>
+              <a:t> / </a:t>
+            </a:r>
+            <a:r>
+              <a:rPr lang="de-DE" dirty="0" err="1">
+                <a:effectLst/>
+              </a:rPr>
+              <a:t>Managed</a:t>
+            </a:r>
+            <a:r>
+              <a:rPr lang="de-DE" dirty="0">
+                <a:effectLst/>
+              </a:rPr>
+              <a:t> Server </a:t>
+            </a:r>
+            <a:r>
+              <a:rPr lang="de-DE" dirty="0" err="1">
+                <a:effectLst/>
+              </a:rPr>
+              <a:t>for</a:t>
+            </a:r>
+            <a:r>
+              <a:rPr lang="de-DE" dirty="0">
+                <a:effectLst/>
+              </a:rPr>
+              <a:t> </a:t>
+            </a:r>
+            <a:r>
+              <a:rPr lang="de-DE" dirty="0" err="1">
+                <a:effectLst/>
+              </a:rPr>
+              <a:t>development</a:t>
+            </a:r>
+            <a:endParaRPr lang="de-DE" dirty="0">
+              <a:effectLst/>
+            </a:endParaRPr>
+          </a:p>
+          <a:p>
+            <a:r>
+              <a:rPr lang="de-DE" dirty="0">
+                <a:effectLst/>
+              </a:rPr>
+              <a:t>CI </a:t>
+            </a:r>
+            <a:r>
+              <a:rPr lang="de-DE" dirty="0" err="1">
+                <a:effectLst/>
+              </a:rPr>
+              <a:t>Build</a:t>
+            </a:r>
+            <a:r>
+              <a:rPr lang="de-DE" dirty="0">
+                <a:effectLst/>
+              </a:rPr>
+              <a:t> Agent </a:t>
+            </a:r>
+            <a:r>
+              <a:rPr lang="de-DE" dirty="0" err="1">
+                <a:effectLst/>
+              </a:rPr>
+              <a:t>for</a:t>
+            </a:r>
+            <a:r>
+              <a:rPr lang="de-DE" dirty="0">
+                <a:effectLst/>
+              </a:rPr>
+              <a:t> VSO</a:t>
+            </a:r>
+          </a:p>
+          <a:p>
+            <a:r>
+              <a:rPr lang="en-US" dirty="0" err="1">
+                <a:effectLst/>
+              </a:rPr>
+              <a:t>Avl</a:t>
+            </a:r>
+            <a:r>
+              <a:rPr lang="en-US" dirty="0">
+                <a:effectLst/>
+              </a:rPr>
+              <a:t> in US / Asia / Europe and Australia</a:t>
+            </a:r>
+          </a:p>
+          <a:p>
+            <a:r>
+              <a:rPr lang="en-US" dirty="0">
+                <a:effectLst/>
+              </a:rPr>
+              <a:t>Pay-as-you-go is </a:t>
+            </a:r>
+            <a:r>
+              <a:rPr lang="en-US">
+                <a:effectLst/>
+              </a:rPr>
+              <a:t>prepaid ($30, $60, $90</a:t>
+            </a:r>
+            <a:r>
+              <a:rPr lang="en-US" dirty="0">
+                <a:effectLst/>
+              </a:rPr>
+              <a:t>)</a:t>
+            </a:r>
+          </a:p>
+          <a:p>
+            <a:r>
+              <a:rPr lang="en-US" dirty="0" err="1">
+                <a:effectLst/>
+              </a:rPr>
+              <a:t>Addon</a:t>
+            </a:r>
+            <a:r>
+              <a:rPr lang="en-US" dirty="0">
+                <a:effectLst/>
+              </a:rPr>
+              <a:t>: Enable Remote Build Port ($2.50 one-time)</a:t>
+            </a:r>
+          </a:p>
+          <a:p>
+            <a:endParaRPr lang="en-US" dirty="0">
+              <a:effectLst/>
+            </a:endParaRPr>
+          </a:p>
+          <a:p>
+            <a:endParaRPr lang="de-DE" dirty="0"/>
+          </a:p>
+        </p:txBody>
+      </p:sp>
+      <p:pic>
+        <p:nvPicPr>
+          <p:cNvPr id="4" name="Grafik 3"/>
+          <p:cNvPicPr>
+            <a:picLocks noChangeAspect="1"/>
+          </p:cNvPicPr>
+          <p:nvPr/>
+        </p:nvPicPr>
+        <p:blipFill>
+          <a:blip r:embed="rId2"/>
+          <a:stretch>
+            <a:fillRect/>
+          </a:stretch>
+        </p:blipFill>
+        <p:spPr>
+          <a:xfrm>
+            <a:off x="4824165" y="1935921"/>
+            <a:ext cx="6736337" cy="4580709"/>
+          </a:xfrm>
+          <a:prstGeom prst="rect">
+            <a:avLst/>
+          </a:prstGeom>
+        </p:spPr>
+      </p:pic>
+    </p:spTree>
+    <p:extLst>
+      <p:ext uri="{BB962C8B-B14F-4D97-AF65-F5344CB8AC3E}">
+        <p14:creationId xmlns:p14="http://schemas.microsoft.com/office/powerpoint/2010/main" val="3275310721"/>
+      </p:ext>
+    </p:extLst>
+  </p:cSld>
+  <p:clrMapOvr>
+    <a:masterClrMapping/>
+  </p:clrMapOvr>
+</p:sld>
+</file>
+
+<file path=ppt/slides/slide17.xml><?xml version="1.0" encoding="utf-8"?>
+<p:sld xmlns:a="http://schemas.openxmlformats.org/drawingml/2006/main" xmlns:r="http://schemas.openxmlformats.org/officeDocument/2006/relationships" xmlns:p="http://schemas.openxmlformats.org/presentationml/2006/main">
+  <p:cSld>
+    <p:spTree>
+      <p:nvGrpSpPr>
+        <p:cNvPr id="1" name=""/>
+        <p:cNvGrpSpPr/>
+        <p:nvPr/>
+      </p:nvGrpSpPr>
+      <p:grpSpPr>
+        <a:xfrm>
+          <a:off x="0" y="0"/>
+          <a:ext cx="0" cy="0"/>
+          <a:chOff x="0" y="0"/>
+          <a:chExt cx="0" cy="0"/>
+        </a:xfrm>
+      </p:grpSpPr>
+      <p:sp>
+        <p:nvSpPr>
+          <p:cNvPr id="2" name="Titel 1"/>
+          <p:cNvSpPr>
+            <a:spLocks noGrp="1"/>
+          </p:cNvSpPr>
+          <p:nvPr>
+            <p:ph type="title"/>
+          </p:nvPr>
+        </p:nvSpPr>
+        <p:spPr/>
+        <p:txBody>
+          <a:bodyPr/>
+          <a:lstStyle/>
+          <a:p>
+            <a:r>
+              <a:rPr lang="de-DE" dirty="0"/>
+              <a:t>Trade Off</a:t>
+            </a:r>
+          </a:p>
+        </p:txBody>
+      </p:sp>
+      <p:sp>
+        <p:nvSpPr>
+          <p:cNvPr id="3" name="Inhaltsplatzhalter 2"/>
+          <p:cNvSpPr>
+            <a:spLocks noGrp="1"/>
+          </p:cNvSpPr>
+          <p:nvPr>
+            <p:ph idx="1"/>
+          </p:nvPr>
+        </p:nvSpPr>
+        <p:spPr/>
+        <p:txBody>
+          <a:bodyPr/>
+          <a:lstStyle/>
+          <a:p>
+            <a:r>
+              <a:rPr lang="de-DE" dirty="0" err="1"/>
+              <a:t>Limitations</a:t>
+            </a:r>
+            <a:r>
+              <a:rPr lang="de-DE" dirty="0"/>
+              <a:t> (Mac </a:t>
+            </a:r>
+            <a:r>
+              <a:rPr lang="de-DE" dirty="0" err="1"/>
+              <a:t>needed</a:t>
+            </a:r>
+            <a:r>
+              <a:rPr lang="de-DE" dirty="0"/>
+              <a:t> in </a:t>
+            </a:r>
+            <a:r>
+              <a:rPr lang="de-DE" dirty="0" err="1"/>
+              <a:t>network</a:t>
+            </a:r>
+            <a:r>
+              <a:rPr lang="de-DE" dirty="0"/>
+              <a:t> </a:t>
+            </a:r>
+            <a:r>
+              <a:rPr lang="de-DE" dirty="0" err="1"/>
+              <a:t>for</a:t>
+            </a:r>
+            <a:r>
+              <a:rPr lang="de-DE" dirty="0"/>
+              <a:t> iOS </a:t>
+            </a:r>
+            <a:r>
+              <a:rPr lang="de-DE" dirty="0" err="1"/>
+              <a:t>and</a:t>
+            </a:r>
+            <a:r>
+              <a:rPr lang="de-DE" dirty="0"/>
+              <a:t> Mac </a:t>
+            </a:r>
+            <a:r>
+              <a:rPr lang="de-DE" dirty="0" err="1"/>
+              <a:t>development</a:t>
+            </a:r>
+            <a:r>
+              <a:rPr lang="de-DE" dirty="0"/>
+              <a:t>, etc.)</a:t>
+            </a:r>
+          </a:p>
+          <a:p>
+            <a:r>
+              <a:rPr lang="de-DE" dirty="0" err="1"/>
+              <a:t>Lerning</a:t>
+            </a:r>
+            <a:r>
+              <a:rPr lang="de-DE" dirty="0"/>
+              <a:t> </a:t>
+            </a:r>
+            <a:r>
+              <a:rPr lang="de-DE" dirty="0" err="1"/>
+              <a:t>curve</a:t>
+            </a:r>
+            <a:r>
+              <a:rPr lang="de-DE" dirty="0"/>
+              <a:t> </a:t>
+            </a:r>
+            <a:r>
+              <a:rPr lang="de-DE" dirty="0" err="1"/>
+              <a:t>can</a:t>
+            </a:r>
+            <a:r>
+              <a:rPr lang="de-DE" dirty="0"/>
+              <a:t> </a:t>
+            </a:r>
+            <a:r>
+              <a:rPr lang="de-DE" dirty="0" err="1"/>
+              <a:t>be</a:t>
+            </a:r>
+            <a:r>
+              <a:rPr lang="de-DE" dirty="0"/>
+              <a:t> </a:t>
+            </a:r>
+            <a:r>
+              <a:rPr lang="de-DE" dirty="0" err="1"/>
+              <a:t>bigger</a:t>
+            </a:r>
+            <a:r>
+              <a:rPr lang="de-DE" dirty="0"/>
+              <a:t> </a:t>
+            </a:r>
+            <a:r>
+              <a:rPr lang="de-DE" dirty="0" err="1"/>
+              <a:t>than</a:t>
+            </a:r>
+            <a:r>
+              <a:rPr lang="de-DE" dirty="0"/>
+              <a:t> native </a:t>
+            </a:r>
+            <a:r>
+              <a:rPr lang="de-DE" dirty="0" err="1"/>
+              <a:t>development</a:t>
+            </a:r>
+            <a:endParaRPr lang="de-DE" dirty="0"/>
+          </a:p>
+          <a:p>
+            <a:pPr lvl="1"/>
+            <a:r>
+              <a:rPr lang="de-DE" dirty="0" err="1"/>
+              <a:t>Afterwards</a:t>
+            </a:r>
+            <a:r>
+              <a:rPr lang="de-DE" dirty="0"/>
+              <a:t> </a:t>
+            </a:r>
+            <a:r>
+              <a:rPr lang="de-DE" dirty="0" err="1"/>
+              <a:t>lot</a:t>
+            </a:r>
+            <a:r>
+              <a:rPr lang="de-DE" dirty="0"/>
+              <a:t> </a:t>
+            </a:r>
+            <a:r>
+              <a:rPr lang="de-DE" dirty="0" err="1"/>
+              <a:t>of</a:t>
+            </a:r>
+            <a:r>
+              <a:rPr lang="de-DE" dirty="0"/>
+              <a:t> time </a:t>
+            </a:r>
+            <a:r>
+              <a:rPr lang="de-DE" dirty="0" err="1"/>
+              <a:t>saving</a:t>
+            </a:r>
+            <a:r>
+              <a:rPr lang="de-DE" dirty="0"/>
+              <a:t> due </a:t>
+            </a:r>
+            <a:r>
+              <a:rPr lang="de-DE" dirty="0" err="1"/>
+              <a:t>to</a:t>
+            </a:r>
+            <a:r>
+              <a:rPr lang="de-DE" dirty="0"/>
+              <a:t> </a:t>
+            </a:r>
+            <a:r>
+              <a:rPr lang="de-DE" dirty="0" err="1"/>
+              <a:t>shared</a:t>
+            </a:r>
+            <a:r>
+              <a:rPr lang="de-DE" dirty="0"/>
+              <a:t> </a:t>
+            </a:r>
+            <a:r>
+              <a:rPr lang="de-DE" dirty="0" err="1"/>
+              <a:t>code</a:t>
+            </a:r>
+            <a:endParaRPr lang="de-DE" dirty="0"/>
+          </a:p>
+        </p:txBody>
+      </p:sp>
+    </p:spTree>
+    <p:extLst>
+      <p:ext uri="{BB962C8B-B14F-4D97-AF65-F5344CB8AC3E}">
+        <p14:creationId xmlns:p14="http://schemas.microsoft.com/office/powerpoint/2010/main" val="4222413088"/>
+      </p:ext>
+    </p:extLst>
+  </p:cSld>
+  <p:clrMapOvr>
+    <a:masterClrMapping/>
+  </p:clrMapOvr>
+</p:sld>
+</file>
+
+<file path=ppt/slides/slide18.xml><?xml version="1.0" encoding="utf-8"?>
+<p:sld xmlns:a="http://schemas.openxmlformats.org/drawingml/2006/main" xmlns:r="http://schemas.openxmlformats.org/officeDocument/2006/relationships" xmlns:p="http://schemas.openxmlformats.org/presentationml/2006/main">
+  <p:cSld>
+    <p:spTree>
+      <p:nvGrpSpPr>
+        <p:cNvPr id="1" name=""/>
+        <p:cNvGrpSpPr/>
+        <p:nvPr/>
+      </p:nvGrpSpPr>
+      <p:grpSpPr>
+        <a:xfrm>
+          <a:off x="0" y="0"/>
+          <a:ext cx="0" cy="0"/>
+          <a:chOff x="0" y="0"/>
+          <a:chExt cx="0" cy="0"/>
+        </a:xfrm>
+      </p:grpSpPr>
+      <p:sp>
+        <p:nvSpPr>
+          <p:cNvPr id="2" name="Titel 1"/>
+          <p:cNvSpPr>
+            <a:spLocks noGrp="1"/>
+          </p:cNvSpPr>
+          <p:nvPr>
+            <p:ph type="title"/>
+          </p:nvPr>
+        </p:nvSpPr>
+        <p:spPr/>
+        <p:txBody>
+          <a:bodyPr/>
+          <a:lstStyle/>
+          <a:p>
+            <a:r>
+              <a:rPr lang="de-DE" dirty="0"/>
+              <a:t>Demo</a:t>
+            </a:r>
+          </a:p>
+        </p:txBody>
+      </p:sp>
+      <p:sp>
+        <p:nvSpPr>
+          <p:cNvPr id="3" name="Inhaltsplatzhalter 2"/>
+          <p:cNvSpPr>
+            <a:spLocks noGrp="1"/>
+          </p:cNvSpPr>
+          <p:nvPr>
+            <p:ph idx="1"/>
+          </p:nvPr>
+        </p:nvSpPr>
+        <p:spPr/>
+        <p:txBody>
+          <a:bodyPr/>
+          <a:lstStyle/>
+          <a:p>
+            <a:r>
+              <a:rPr lang="de-DE" dirty="0" err="1"/>
+              <a:t>Let</a:t>
+            </a:r>
+            <a:r>
+              <a:rPr lang="de-DE" dirty="0"/>
+              <a:t> </a:t>
+            </a:r>
+            <a:r>
+              <a:rPr lang="de-DE" dirty="0" err="1"/>
+              <a:t>see</a:t>
+            </a:r>
+            <a:r>
+              <a:rPr lang="de-DE" dirty="0"/>
+              <a:t> </a:t>
+            </a:r>
+            <a:r>
+              <a:rPr lang="de-DE" dirty="0" err="1"/>
+              <a:t>some</a:t>
+            </a:r>
+            <a:r>
+              <a:rPr lang="de-DE" dirty="0"/>
+              <a:t> </a:t>
+            </a:r>
+            <a:r>
+              <a:rPr lang="de-DE" dirty="0" err="1"/>
+              <a:t>demo</a:t>
+            </a:r>
+            <a:endParaRPr lang="de-DE" dirty="0"/>
+          </a:p>
+        </p:txBody>
+      </p:sp>
+    </p:spTree>
+    <p:extLst>
+      <p:ext uri="{BB962C8B-B14F-4D97-AF65-F5344CB8AC3E}">
+        <p14:creationId xmlns:p14="http://schemas.microsoft.com/office/powerpoint/2010/main" val="3088094863"/>
+      </p:ext>
+    </p:extLst>
+  </p:cSld>
+  <p:clrMapOvr>
+    <a:masterClrMapping/>
+  </p:clrMapOvr>
+</p:sld>
+</file>
+
+<file path=ppt/slides/slide19.xml><?xml version="1.0" encoding="utf-8"?>
+<p:sld xmlns:a="http://schemas.openxmlformats.org/drawingml/2006/main" xmlns:r="http://schemas.openxmlformats.org/officeDocument/2006/relationships" xmlns:p="http://schemas.openxmlformats.org/presentationml/2006/main">
+  <p:cSld>
+    <p:spTree>
+      <p:nvGrpSpPr>
+        <p:cNvPr id="1" name=""/>
+        <p:cNvGrpSpPr/>
+        <p:nvPr/>
+      </p:nvGrpSpPr>
+      <p:grpSpPr>
+        <a:xfrm>
+          <a:off x="0" y="0"/>
+          <a:ext cx="0" cy="0"/>
+          <a:chOff x="0" y="0"/>
+          <a:chExt cx="0" cy="0"/>
+        </a:xfrm>
+      </p:grpSpPr>
+      <p:sp>
+        <p:nvSpPr>
+          <p:cNvPr id="2" name="Titel 1"/>
+          <p:cNvSpPr>
+            <a:spLocks noGrp="1"/>
+          </p:cNvSpPr>
+          <p:nvPr>
+            <p:ph type="title"/>
+          </p:nvPr>
+        </p:nvSpPr>
+        <p:spPr/>
+        <p:txBody>
+          <a:bodyPr/>
+          <a:lstStyle/>
+          <a:p>
+            <a:r>
+              <a:rPr lang="de-DE" dirty="0" err="1"/>
               <a:t>Questions</a:t>
             </a:r>
             <a:endParaRPr lang="de-DE" dirty="0"/>
@@ -7040,174 +7639,6 @@
   <p:clrMapOvr>
     <a:masterClrMapping/>
   </p:clrMapOvr>
-  <p:timing>
-    <p:tnLst>
-      <p:par>
-        <p:cTn id="1" dur="indefinite" restart="never" nodeType="tmRoot"/>
-      </p:par>
-    </p:tnLst>
-  </p:timing>
-</p:sld>
-</file>
-
-<file path=ppt/slides/slide17.xml><?xml version="1.0" encoding="utf-8"?>
-<p:sld xmlns:a="http://schemas.openxmlformats.org/drawingml/2006/main" xmlns:r="http://schemas.openxmlformats.org/officeDocument/2006/relationships" xmlns:p="http://schemas.openxmlformats.org/presentationml/2006/main">
-  <p:cSld>
-    <p:spTree>
-      <p:nvGrpSpPr>
-        <p:cNvPr id="1" name=""/>
-        <p:cNvGrpSpPr/>
-        <p:nvPr/>
-      </p:nvGrpSpPr>
-      <p:grpSpPr>
-        <a:xfrm>
-          <a:off x="0" y="0"/>
-          <a:ext cx="0" cy="0"/>
-          <a:chOff x="0" y="0"/>
-          <a:chExt cx="0" cy="0"/>
-        </a:xfrm>
-      </p:grpSpPr>
-      <p:sp>
-        <p:nvSpPr>
-          <p:cNvPr id="2" name="Titel 1"/>
-          <p:cNvSpPr>
-            <a:spLocks noGrp="1"/>
-          </p:cNvSpPr>
-          <p:nvPr>
-            <p:ph type="title"/>
-          </p:nvPr>
-        </p:nvSpPr>
-        <p:spPr/>
-        <p:txBody>
-          <a:bodyPr/>
-          <a:lstStyle/>
-          <a:p>
-            <a:r>
-              <a:rPr lang="de-DE" dirty="0" err="1" smtClean="0"/>
-              <a:t>Thank</a:t>
-            </a:r>
-            <a:r>
-              <a:rPr lang="de-DE" dirty="0" smtClean="0"/>
-              <a:t> </a:t>
-            </a:r>
-            <a:r>
-              <a:rPr lang="de-DE" dirty="0" err="1" smtClean="0"/>
-              <a:t>you</a:t>
-            </a:r>
-            <a:endParaRPr lang="de-DE" dirty="0"/>
-          </a:p>
-        </p:txBody>
-      </p:sp>
-      <p:sp>
-        <p:nvSpPr>
-          <p:cNvPr id="3" name="Inhaltsplatzhalter 2"/>
-          <p:cNvSpPr>
-            <a:spLocks noGrp="1"/>
-          </p:cNvSpPr>
-          <p:nvPr>
-            <p:ph idx="1"/>
-          </p:nvPr>
-        </p:nvSpPr>
-        <p:spPr/>
-        <p:txBody>
-          <a:bodyPr/>
-          <a:lstStyle/>
-          <a:p>
-            <a:r>
-              <a:rPr lang="de-DE" dirty="0" smtClean="0"/>
-              <a:t>Twitter: @DerSia_</a:t>
-            </a:r>
-          </a:p>
-          <a:p>
-            <a:r>
-              <a:rPr lang="de-DE" dirty="0" err="1" smtClean="0"/>
-              <a:t>Github</a:t>
-            </a:r>
-            <a:r>
-              <a:rPr lang="de-DE" dirty="0" smtClean="0"/>
-              <a:t>: </a:t>
-            </a:r>
-            <a:r>
-              <a:rPr lang="de-DE" dirty="0" smtClean="0">
-                <a:hlinkClick r:id="rId2"/>
-              </a:rPr>
-              <a:t>https://www.github.com/dersia</a:t>
-            </a:r>
-            <a:endParaRPr lang="de-DE" dirty="0" smtClean="0"/>
-          </a:p>
-          <a:p>
-            <a:r>
-              <a:rPr lang="de-DE" dirty="0" err="1" smtClean="0"/>
-              <a:t>Xamarin</a:t>
-            </a:r>
-            <a:r>
-              <a:rPr lang="de-DE" dirty="0" smtClean="0"/>
-              <a:t>: </a:t>
-            </a:r>
-            <a:r>
-              <a:rPr lang="de-DE" dirty="0" smtClean="0">
-                <a:hlinkClick r:id="rId3"/>
-              </a:rPr>
-              <a:t>https://www.xamarin.com</a:t>
-            </a:r>
-            <a:endParaRPr lang="de-DE" dirty="0" smtClean="0"/>
-          </a:p>
-          <a:p>
-            <a:r>
-              <a:rPr lang="de-DE" dirty="0" err="1" smtClean="0"/>
-              <a:t>MvvmCross</a:t>
-            </a:r>
-            <a:r>
-              <a:rPr lang="de-DE" dirty="0"/>
-              <a:t>: </a:t>
-            </a:r>
-            <a:r>
-              <a:rPr lang="de-DE" dirty="0">
-                <a:hlinkClick r:id="rId4"/>
-              </a:rPr>
-              <a:t>https://</a:t>
-            </a:r>
-            <a:r>
-              <a:rPr lang="de-DE" dirty="0" smtClean="0">
-                <a:hlinkClick r:id="rId4"/>
-              </a:rPr>
-              <a:t>github.com/MvvmCross/MvvmCross</a:t>
-            </a:r>
-            <a:endParaRPr lang="de-DE" dirty="0" smtClean="0"/>
-          </a:p>
-          <a:p>
-            <a:r>
-              <a:rPr lang="de-DE" dirty="0" err="1" smtClean="0"/>
-              <a:t>Slack</a:t>
-            </a:r>
-            <a:r>
-              <a:rPr lang="de-DE" smtClean="0"/>
-              <a:t>: xamarinchat.slack.com</a:t>
-            </a:r>
-            <a:endParaRPr lang="de-DE" dirty="0" smtClean="0"/>
-          </a:p>
-          <a:p>
-            <a:endParaRPr lang="de-DE" dirty="0"/>
-          </a:p>
-        </p:txBody>
-      </p:sp>
-    </p:spTree>
-    <p:extLst>
-      <p:ext uri="{BB962C8B-B14F-4D97-AF65-F5344CB8AC3E}">
-        <p14:creationId xmlns:p14="http://schemas.microsoft.com/office/powerpoint/2010/main" val="978741462"/>
-      </p:ext>
-    </p:extLst>
-  </p:cSld>
-  <p:clrMapOvr>
-    <a:masterClrMapping/>
-  </p:clrMapOvr>
-  <p:timing>
-    <p:tnLst>
-      <p:par>
-        <p:cTn id="1" dur="indefinite" restart="never" nodeType="tmRoot"/>
-      </p:par>
-    </p:tnLst>
-  </p:timing>
 </p:sld>
 </file>
 
@@ -7244,7 +7675,7 @@
           <a:lstStyle/>
           <a:p>
             <a:r>
-              <a:rPr lang="de-DE" dirty="0" err="1" smtClean="0"/>
+              <a:rPr lang="de-DE" dirty="0" err="1"/>
               <a:t>Xamarin</a:t>
             </a:r>
             <a:endParaRPr lang="de-DE" dirty="0"/>
@@ -7267,167 +7698,174 @@
           <a:lstStyle/>
           <a:p>
             <a:r>
-              <a:rPr lang="de-DE" dirty="0" err="1" smtClean="0"/>
+              <a:rPr lang="de-DE" dirty="0" err="1"/>
               <a:t>Based</a:t>
             </a:r>
             <a:r>
-              <a:rPr lang="de-DE" dirty="0" smtClean="0"/>
+              <a:rPr lang="de-DE" dirty="0"/>
               <a:t> on Mono (open </a:t>
             </a:r>
             <a:r>
-              <a:rPr lang="de-DE" dirty="0" err="1" smtClean="0"/>
+              <a:rPr lang="de-DE" dirty="0" err="1"/>
               <a:t>source</a:t>
             </a:r>
             <a:r>
-              <a:rPr lang="de-DE" dirty="0" smtClean="0"/>
+              <a:rPr lang="de-DE" dirty="0"/>
               <a:t> .NET </a:t>
             </a:r>
             <a:r>
-              <a:rPr lang="de-DE" dirty="0" err="1" smtClean="0"/>
+              <a:rPr lang="de-DE" dirty="0" err="1"/>
               <a:t>implementation</a:t>
             </a:r>
             <a:r>
-              <a:rPr lang="de-DE" dirty="0" smtClean="0"/>
+              <a:rPr lang="de-DE" dirty="0"/>
               <a:t>)</a:t>
             </a:r>
           </a:p>
           <a:p>
             <a:r>
-              <a:rPr lang="de-DE" dirty="0" err="1" smtClean="0"/>
+              <a:rPr lang="de-DE" dirty="0" err="1"/>
               <a:t>Xamanrin</a:t>
             </a:r>
             <a:r>
-              <a:rPr lang="de-DE" dirty="0" smtClean="0"/>
+              <a:rPr lang="de-DE" dirty="0"/>
               <a:t> Studio (Mac), Visual Studio (Windows)</a:t>
             </a:r>
           </a:p>
           <a:p>
             <a:r>
-              <a:rPr lang="de-DE" dirty="0" smtClean="0"/>
+              <a:rPr lang="de-DE" dirty="0"/>
               <a:t>Apps </a:t>
             </a:r>
             <a:r>
-              <a:rPr lang="de-DE" dirty="0" err="1" smtClean="0"/>
+              <a:rPr lang="de-DE" dirty="0" err="1"/>
               <a:t>for</a:t>
             </a:r>
             <a:r>
-              <a:rPr lang="de-DE" dirty="0" smtClean="0"/>
+              <a:rPr lang="de-DE" dirty="0"/>
               <a:t> </a:t>
             </a:r>
             <a:r>
-              <a:rPr lang="de-DE" dirty="0" err="1" smtClean="0"/>
+              <a:rPr lang="de-DE" dirty="0" err="1"/>
               <a:t>Adroid</a:t>
             </a:r>
             <a:r>
-              <a:rPr lang="de-DE" dirty="0" smtClean="0"/>
-              <a:t>, iOS, MacOS, UWA 10, UWA 8.1, Windows native</a:t>
-            </a:r>
-          </a:p>
-          <a:p>
-            <a:r>
-              <a:rPr lang="de-DE" dirty="0" smtClean="0"/>
+              <a:rPr lang="de-DE" dirty="0"/>
+              <a:t>, iOS, MacOS, UWA 10, UWA 8.1 (Windows native WPF/</a:t>
+            </a:r>
+            <a:r>
+              <a:rPr lang="de-DE" dirty="0" err="1"/>
+              <a:t>WinFroms</a:t>
+            </a:r>
+            <a:r>
+              <a:rPr lang="de-DE" dirty="0"/>
+              <a:t>)</a:t>
+            </a:r>
+          </a:p>
+          <a:p>
+            <a:r>
+              <a:rPr lang="de-DE" dirty="0"/>
               <a:t>Supports: C# </a:t>
             </a:r>
             <a:r>
-              <a:rPr lang="de-DE" dirty="0" err="1" smtClean="0"/>
+              <a:rPr lang="de-DE" dirty="0" err="1"/>
               <a:t>and</a:t>
             </a:r>
             <a:r>
-              <a:rPr lang="de-DE" dirty="0" smtClean="0"/>
+              <a:rPr lang="de-DE" dirty="0"/>
               <a:t> F#</a:t>
             </a:r>
           </a:p>
           <a:p>
             <a:r>
-              <a:rPr lang="de-DE" dirty="0" err="1" smtClean="0"/>
+              <a:rPr lang="de-DE" dirty="0" err="1"/>
               <a:t>Up</a:t>
             </a:r>
             <a:r>
-              <a:rPr lang="de-DE" dirty="0" smtClean="0"/>
+              <a:rPr lang="de-DE" dirty="0"/>
               <a:t> </a:t>
             </a:r>
             <a:r>
-              <a:rPr lang="de-DE" dirty="0" err="1" smtClean="0"/>
+              <a:rPr lang="de-DE" dirty="0" err="1"/>
               <a:t>to</a:t>
             </a:r>
             <a:r>
-              <a:rPr lang="de-DE" dirty="0" smtClean="0"/>
+              <a:rPr lang="de-DE" dirty="0"/>
               <a:t> 80% </a:t>
             </a:r>
             <a:r>
-              <a:rPr lang="de-DE" dirty="0" err="1" smtClean="0"/>
+              <a:rPr lang="de-DE" dirty="0" err="1"/>
               <a:t>shared</a:t>
             </a:r>
             <a:r>
-              <a:rPr lang="de-DE" dirty="0" smtClean="0"/>
+              <a:rPr lang="de-DE" dirty="0"/>
               <a:t> </a:t>
             </a:r>
             <a:r>
-              <a:rPr lang="de-DE" dirty="0" err="1" smtClean="0"/>
+              <a:rPr lang="de-DE" dirty="0" err="1"/>
               <a:t>code</a:t>
             </a:r>
             <a:r>
-              <a:rPr lang="de-DE" dirty="0" smtClean="0"/>
+              <a:rPr lang="de-DE" dirty="0"/>
               <a:t> (</a:t>
             </a:r>
             <a:r>
-              <a:rPr lang="de-DE" dirty="0" err="1" smtClean="0"/>
+              <a:rPr lang="de-DE" dirty="0" err="1"/>
               <a:t>with</a:t>
             </a:r>
             <a:r>
-              <a:rPr lang="de-DE" dirty="0" smtClean="0"/>
+              <a:rPr lang="de-DE" dirty="0"/>
               <a:t> </a:t>
             </a:r>
             <a:r>
-              <a:rPr lang="de-DE" dirty="0" err="1" smtClean="0"/>
+              <a:rPr lang="de-DE" dirty="0" err="1"/>
               <a:t>Xamarin.Froms</a:t>
             </a:r>
             <a:r>
-              <a:rPr lang="de-DE" dirty="0" smtClean="0"/>
+              <a:rPr lang="de-DE" dirty="0"/>
               <a:t> </a:t>
             </a:r>
             <a:r>
-              <a:rPr lang="de-DE" dirty="0" err="1" smtClean="0"/>
+              <a:rPr lang="de-DE" dirty="0" err="1"/>
               <a:t>up</a:t>
             </a:r>
             <a:r>
-              <a:rPr lang="de-DE" dirty="0" smtClean="0"/>
+              <a:rPr lang="de-DE" dirty="0"/>
               <a:t> </a:t>
             </a:r>
             <a:r>
-              <a:rPr lang="de-DE" dirty="0" err="1" smtClean="0"/>
+              <a:rPr lang="de-DE" dirty="0" err="1"/>
               <a:t>to</a:t>
             </a:r>
             <a:r>
-              <a:rPr lang="de-DE" dirty="0" smtClean="0"/>
-              <a:t> 100% </a:t>
-            </a:r>
-            <a:r>
-              <a:rPr lang="de-DE" dirty="0" err="1" smtClean="0"/>
+              <a:rPr lang="de-DE" dirty="0"/>
+              <a:t> 95% </a:t>
+            </a:r>
+            <a:r>
+              <a:rPr lang="de-DE" dirty="0" err="1"/>
               <a:t>possible</a:t>
             </a:r>
             <a:r>
-              <a:rPr lang="de-DE" dirty="0" smtClean="0"/>
+              <a:rPr lang="de-DE" dirty="0"/>
               <a:t>)</a:t>
             </a:r>
           </a:p>
           <a:p>
             <a:r>
-              <a:rPr lang="de-DE" dirty="0" smtClean="0"/>
+              <a:rPr lang="de-DE" dirty="0"/>
               <a:t>Big </a:t>
             </a:r>
             <a:r>
-              <a:rPr lang="de-DE" dirty="0" err="1" smtClean="0"/>
+              <a:rPr lang="de-DE" dirty="0" err="1"/>
               <a:t>community</a:t>
             </a:r>
-            <a:endParaRPr lang="de-DE" dirty="0" smtClean="0"/>
-          </a:p>
-          <a:p>
-            <a:r>
-              <a:rPr lang="de-DE" dirty="0" smtClean="0"/>
+            <a:endParaRPr lang="de-DE" dirty="0"/>
+          </a:p>
+          <a:p>
+            <a:r>
+              <a:rPr lang="de-DE" dirty="0"/>
               <a:t>Free Webinars</a:t>
             </a:r>
-            <a:endParaRPr lang="de-DE" dirty="0"/>
           </a:p>
         </p:txBody>
       </p:sp>
@@ -7441,13 +7879,170 @@
   <p:clrMapOvr>
     <a:masterClrMapping/>
   </p:clrMapOvr>
-  <p:timing>
-    <p:tnLst>
-      <p:par>
-        <p:cTn id="1" dur="indefinite" restart="never" nodeType="tmRoot"/>
-      </p:par>
-    </p:tnLst>
-  </p:timing>
+</p:sld>
+</file>
+
+<file path=ppt/slides/slide20.xml><?xml version="1.0" encoding="utf-8"?>
+<p:sld xmlns:a="http://schemas.openxmlformats.org/drawingml/2006/main" xmlns:r="http://schemas.openxmlformats.org/officeDocument/2006/relationships" xmlns:p="http://schemas.openxmlformats.org/presentationml/2006/main">
+  <p:cSld>
+    <p:spTree>
+      <p:nvGrpSpPr>
+        <p:cNvPr id="1" name=""/>
+        <p:cNvGrpSpPr/>
+        <p:nvPr/>
+      </p:nvGrpSpPr>
+      <p:grpSpPr>
+        <a:xfrm>
+          <a:off x="0" y="0"/>
+          <a:ext cx="0" cy="0"/>
+          <a:chOff x="0" y="0"/>
+          <a:chExt cx="0" cy="0"/>
+        </a:xfrm>
+      </p:grpSpPr>
+      <p:sp>
+        <p:nvSpPr>
+          <p:cNvPr id="2" name="Titel 1"/>
+          <p:cNvSpPr>
+            <a:spLocks noGrp="1"/>
+          </p:cNvSpPr>
+          <p:nvPr>
+            <p:ph type="title"/>
+          </p:nvPr>
+        </p:nvSpPr>
+        <p:spPr/>
+        <p:txBody>
+          <a:bodyPr/>
+          <a:lstStyle/>
+          <a:p>
+            <a:r>
+              <a:rPr lang="de-DE" dirty="0" err="1"/>
+              <a:t>Thank</a:t>
+            </a:r>
+            <a:r>
+              <a:rPr lang="de-DE" dirty="0"/>
+              <a:t> </a:t>
+            </a:r>
+            <a:r>
+              <a:rPr lang="de-DE" dirty="0" err="1"/>
+              <a:t>you</a:t>
+            </a:r>
+            <a:endParaRPr lang="de-DE" dirty="0"/>
+          </a:p>
+        </p:txBody>
+      </p:sp>
+      <p:sp>
+        <p:nvSpPr>
+          <p:cNvPr id="3" name="Inhaltsplatzhalter 2"/>
+          <p:cNvSpPr>
+            <a:spLocks noGrp="1"/>
+          </p:cNvSpPr>
+          <p:nvPr>
+            <p:ph idx="1"/>
+          </p:nvPr>
+        </p:nvSpPr>
+        <p:spPr/>
+        <p:txBody>
+          <a:bodyPr/>
+          <a:lstStyle/>
+          <a:p>
+            <a:r>
+              <a:rPr lang="de-DE" dirty="0"/>
+              <a:t>Twitter: @DerSia_</a:t>
+            </a:r>
+          </a:p>
+          <a:p>
+            <a:r>
+              <a:rPr lang="de-DE" dirty="0" err="1"/>
+              <a:t>Github</a:t>
+            </a:r>
+            <a:r>
+              <a:rPr lang="de-DE" dirty="0"/>
+              <a:t>: </a:t>
+            </a:r>
+            <a:r>
+              <a:rPr lang="de-DE" dirty="0">
+                <a:hlinkClick r:id="rId2"/>
+              </a:rPr>
+              <a:t>https://www.github.com/dersia</a:t>
+            </a:r>
+            <a:endParaRPr lang="de-DE" dirty="0"/>
+          </a:p>
+          <a:p>
+            <a:r>
+              <a:rPr lang="de-DE" dirty="0" err="1"/>
+              <a:t>Xamarin</a:t>
+            </a:r>
+            <a:r>
+              <a:rPr lang="de-DE" dirty="0"/>
+              <a:t>: </a:t>
+            </a:r>
+            <a:r>
+              <a:rPr lang="de-DE" dirty="0">
+                <a:hlinkClick r:id="rId3"/>
+              </a:rPr>
+              <a:t>https://www.xamarin.com</a:t>
+            </a:r>
+            <a:endParaRPr lang="de-DE" dirty="0"/>
+          </a:p>
+          <a:p>
+            <a:r>
+              <a:rPr lang="de-DE" dirty="0" err="1"/>
+              <a:t>MvvmCross</a:t>
+            </a:r>
+            <a:r>
+              <a:rPr lang="de-DE" dirty="0"/>
+              <a:t>: </a:t>
+            </a:r>
+            <a:r>
+              <a:rPr lang="de-DE" dirty="0">
+                <a:hlinkClick r:id="rId4"/>
+              </a:rPr>
+              <a:t>https://github.com/MvvmCross/MvvmCross</a:t>
+            </a:r>
+            <a:endParaRPr lang="de-DE" dirty="0"/>
+          </a:p>
+          <a:p>
+            <a:r>
+              <a:rPr lang="de-DE" dirty="0" err="1"/>
+              <a:t>PrismLibrary</a:t>
+            </a:r>
+            <a:r>
+              <a:rPr lang="de-DE" dirty="0"/>
+              <a:t>: </a:t>
+            </a:r>
+            <a:r>
+              <a:rPr lang="de-DE" dirty="0">
+                <a:hlinkClick r:id="rId5"/>
+              </a:rPr>
+              <a:t>https://github.com/PrismLibrary/Prism</a:t>
+            </a:r>
+            <a:endParaRPr lang="de-DE" dirty="0"/>
+          </a:p>
+          <a:p>
+            <a:r>
+              <a:rPr lang="de-DE" dirty="0" err="1"/>
+              <a:t>Slack</a:t>
+            </a:r>
+            <a:r>
+              <a:rPr lang="de-DE" dirty="0"/>
+              <a:t>: xamarinchat.slack.com</a:t>
+            </a:r>
+          </a:p>
+          <a:p>
+            <a:endParaRPr lang="de-DE" dirty="0"/>
+          </a:p>
+        </p:txBody>
+      </p:sp>
+    </p:spTree>
+    <p:extLst>
+      <p:ext uri="{BB962C8B-B14F-4D97-AF65-F5344CB8AC3E}">
+        <p14:creationId xmlns:p14="http://schemas.microsoft.com/office/powerpoint/2010/main" val="978741462"/>
+      </p:ext>
+    </p:extLst>
+  </p:cSld>
+  <p:clrMapOvr>
+    <a:masterClrMapping/>
+  </p:clrMapOvr>
 </p:sld>
 </file>
 
@@ -7484,15 +8079,15 @@
           <a:lstStyle/>
           <a:p>
             <a:r>
-              <a:rPr lang="de-DE" dirty="0" err="1" smtClean="0"/>
+              <a:rPr lang="de-DE" dirty="0" err="1"/>
               <a:t>Shared</a:t>
             </a:r>
             <a:r>
-              <a:rPr lang="de-DE" dirty="0" smtClean="0"/>
+              <a:rPr lang="de-DE" dirty="0"/>
               <a:t> </a:t>
             </a:r>
             <a:r>
-              <a:rPr lang="de-DE" dirty="0" err="1" smtClean="0"/>
+              <a:rPr lang="de-DE" dirty="0" err="1"/>
               <a:t>code</a:t>
             </a:r>
             <a:endParaRPr lang="de-DE" dirty="0"/>
@@ -7515,183 +8110,180 @@
           <a:lstStyle/>
           <a:p>
             <a:r>
-              <a:rPr lang="de-DE" dirty="0" smtClean="0"/>
+              <a:rPr lang="de-DE" dirty="0"/>
               <a:t>Project </a:t>
             </a:r>
             <a:r>
-              <a:rPr lang="de-DE" dirty="0" err="1" smtClean="0"/>
+              <a:rPr lang="de-DE" dirty="0" err="1"/>
               <a:t>architecture</a:t>
             </a:r>
             <a:r>
-              <a:rPr lang="de-DE" dirty="0" smtClean="0"/>
+              <a:rPr lang="de-DE" dirty="0"/>
               <a:t> must fit </a:t>
             </a:r>
             <a:r>
-              <a:rPr lang="de-DE" dirty="0" err="1" smtClean="0"/>
+              <a:rPr lang="de-DE" dirty="0" err="1"/>
               <a:t>to</a:t>
             </a:r>
             <a:r>
-              <a:rPr lang="de-DE" dirty="0" smtClean="0"/>
+              <a:rPr lang="de-DE" dirty="0"/>
               <a:t> </a:t>
             </a:r>
             <a:r>
-              <a:rPr lang="de-DE" dirty="0" err="1" smtClean="0"/>
+              <a:rPr lang="de-DE" dirty="0" err="1"/>
               <a:t>reach</a:t>
             </a:r>
             <a:r>
-              <a:rPr lang="de-DE" dirty="0" smtClean="0"/>
+              <a:rPr lang="de-DE" dirty="0"/>
               <a:t> 80% </a:t>
             </a:r>
             <a:r>
-              <a:rPr lang="de-DE" dirty="0" err="1" smtClean="0"/>
+              <a:rPr lang="de-DE" dirty="0" err="1"/>
               <a:t>shared</a:t>
             </a:r>
             <a:r>
-              <a:rPr lang="de-DE" dirty="0" smtClean="0"/>
+              <a:rPr lang="de-DE" dirty="0"/>
               <a:t> </a:t>
             </a:r>
             <a:r>
-              <a:rPr lang="de-DE" dirty="0" err="1" smtClean="0"/>
+              <a:rPr lang="de-DE" dirty="0" err="1"/>
               <a:t>code</a:t>
             </a:r>
-            <a:endParaRPr lang="de-DE" dirty="0" smtClean="0"/>
-          </a:p>
-          <a:p>
-            <a:r>
-              <a:rPr lang="de-DE" dirty="0" smtClean="0"/>
+            <a:endParaRPr lang="de-DE" dirty="0"/>
+          </a:p>
+          <a:p>
+            <a:r>
+              <a:rPr lang="de-DE" dirty="0"/>
               <a:t>MVVM Frameworks </a:t>
             </a:r>
             <a:r>
-              <a:rPr lang="de-DE" dirty="0" err="1" smtClean="0"/>
+              <a:rPr lang="de-DE" dirty="0" err="1"/>
               <a:t>help</a:t>
             </a:r>
             <a:r>
-              <a:rPr lang="de-DE" dirty="0" smtClean="0"/>
+              <a:rPr lang="de-DE" dirty="0"/>
               <a:t> (</a:t>
             </a:r>
             <a:r>
-              <a:rPr lang="de-DE" dirty="0" err="1" smtClean="0"/>
+              <a:rPr lang="de-DE" dirty="0" err="1"/>
               <a:t>MVVMCross</a:t>
             </a:r>
             <a:r>
-              <a:rPr lang="de-DE" dirty="0" smtClean="0"/>
+              <a:rPr lang="de-DE" dirty="0"/>
               <a:t>, </a:t>
             </a:r>
             <a:r>
-              <a:rPr lang="de-DE" dirty="0" err="1" smtClean="0"/>
+              <a:rPr lang="de-DE" dirty="0" err="1"/>
               <a:t>MVVMLight</a:t>
             </a:r>
             <a:r>
-              <a:rPr lang="de-DE" dirty="0" smtClean="0"/>
+              <a:rPr lang="de-DE" dirty="0"/>
               <a:t>, </a:t>
             </a:r>
             <a:r>
-              <a:rPr lang="de-DE" dirty="0" err="1" smtClean="0"/>
+              <a:rPr lang="de-DE" dirty="0" err="1"/>
               <a:t>Prism</a:t>
             </a:r>
             <a:r>
-              <a:rPr lang="de-DE" dirty="0" smtClean="0"/>
+              <a:rPr lang="de-DE" dirty="0"/>
               <a:t>, etc.)</a:t>
             </a:r>
           </a:p>
           <a:p>
             <a:r>
-              <a:rPr lang="de-DE" dirty="0" err="1" smtClean="0"/>
+              <a:rPr lang="de-DE" dirty="0" err="1"/>
               <a:t>Some</a:t>
             </a:r>
             <a:r>
-              <a:rPr lang="de-DE" dirty="0" smtClean="0"/>
+              <a:rPr lang="de-DE" dirty="0"/>
               <a:t> </a:t>
             </a:r>
             <a:r>
-              <a:rPr lang="de-DE" dirty="0" err="1" smtClean="0"/>
+              <a:rPr lang="de-DE" dirty="0" err="1"/>
               <a:t>limitations</a:t>
             </a:r>
             <a:r>
-              <a:rPr lang="de-DE" dirty="0" smtClean="0"/>
+              <a:rPr lang="de-DE" dirty="0"/>
               <a:t> (</a:t>
             </a:r>
             <a:r>
-              <a:rPr lang="de-DE" dirty="0" err="1" smtClean="0"/>
+              <a:rPr lang="de-DE" dirty="0" err="1"/>
               <a:t>some</a:t>
             </a:r>
             <a:r>
-              <a:rPr lang="de-DE" dirty="0" smtClean="0"/>
+              <a:rPr lang="de-DE" dirty="0"/>
               <a:t> </a:t>
             </a:r>
             <a:r>
-              <a:rPr lang="de-DE" dirty="0" err="1" smtClean="0"/>
+              <a:rPr lang="de-DE" dirty="0" err="1"/>
               <a:t>introduced</a:t>
             </a:r>
             <a:r>
-              <a:rPr lang="de-DE" dirty="0" smtClean="0"/>
+              <a:rPr lang="de-DE" dirty="0"/>
               <a:t> </a:t>
             </a:r>
             <a:r>
-              <a:rPr lang="de-DE" dirty="0" err="1" smtClean="0"/>
+              <a:rPr lang="de-DE" dirty="0" err="1"/>
               <a:t>by</a:t>
             </a:r>
             <a:r>
-              <a:rPr lang="de-DE" dirty="0" smtClean="0"/>
+              <a:rPr lang="de-DE" dirty="0"/>
               <a:t> </a:t>
             </a:r>
             <a:r>
-              <a:rPr lang="de-DE" dirty="0" err="1" smtClean="0"/>
+              <a:rPr lang="de-DE" dirty="0" err="1"/>
               <a:t>bugs</a:t>
             </a:r>
             <a:r>
-              <a:rPr lang="de-DE" dirty="0" smtClean="0"/>
+              <a:rPr lang="de-DE" dirty="0"/>
               <a:t>, so </a:t>
             </a:r>
             <a:r>
-              <a:rPr lang="de-DE" dirty="0" err="1" smtClean="0"/>
+              <a:rPr lang="de-DE" dirty="0" err="1"/>
               <a:t>maybe</a:t>
             </a:r>
             <a:r>
-              <a:rPr lang="de-DE" dirty="0" smtClean="0"/>
+              <a:rPr lang="de-DE" dirty="0"/>
               <a:t> </a:t>
             </a:r>
             <a:r>
-              <a:rPr lang="de-DE" dirty="0" err="1" smtClean="0"/>
+              <a:rPr lang="de-DE" dirty="0" err="1"/>
               <a:t>fixed</a:t>
             </a:r>
             <a:r>
-              <a:rPr lang="de-DE" dirty="0" smtClean="0"/>
+              <a:rPr lang="de-DE" dirty="0"/>
               <a:t> in </a:t>
             </a:r>
             <a:r>
-              <a:rPr lang="de-DE" dirty="0" err="1" smtClean="0"/>
+              <a:rPr lang="de-DE" dirty="0" err="1"/>
               <a:t>future</a:t>
             </a:r>
             <a:r>
-              <a:rPr lang="de-DE" dirty="0" smtClean="0"/>
+              <a:rPr lang="de-DE" dirty="0"/>
               <a:t>)</a:t>
             </a:r>
           </a:p>
           <a:p>
             <a:r>
-              <a:rPr lang="de-DE" dirty="0" smtClean="0"/>
-              <a:t>PCL </a:t>
-            </a:r>
-            <a:r>
-              <a:rPr lang="de-DE" dirty="0" err="1" smtClean="0"/>
-              <a:t>or</a:t>
-            </a:r>
-            <a:r>
-              <a:rPr lang="de-DE" dirty="0" smtClean="0"/>
-              <a:t> </a:t>
-            </a:r>
-            <a:r>
-              <a:rPr lang="de-DE" dirty="0" err="1" smtClean="0"/>
+              <a:rPr lang="de-DE" dirty="0"/>
+              <a:t>PCL, </a:t>
+            </a:r>
+            <a:r>
+              <a:rPr lang="de-DE" dirty="0" err="1"/>
               <a:t>Shared</a:t>
             </a:r>
             <a:r>
-              <a:rPr lang="de-DE" dirty="0" smtClean="0"/>
-              <a:t>-Projects</a:t>
-            </a:r>
-          </a:p>
-          <a:p>
-            <a:endParaRPr lang="de-DE" dirty="0" smtClean="0"/>
+              <a:rPr lang="de-DE" dirty="0"/>
+              <a:t>-Projects, .</a:t>
+            </a:r>
+            <a:r>
+              <a:rPr lang="de-DE" dirty="0" err="1"/>
+              <a:t>NetStandardLibrary</a:t>
+            </a:r>
+            <a:endParaRPr lang="de-DE" dirty="0"/>
+          </a:p>
+          <a:p>
+            <a:endParaRPr lang="de-DE" dirty="0"/>
           </a:p>
           <a:p>
             <a:endParaRPr lang="de-DE" dirty="0"/>
@@ -7708,13 +8300,6 @@
   <p:clrMapOvr>
     <a:masterClrMapping/>
   </p:clrMapOvr>
-  <p:timing>
-    <p:tnLst>
-      <p:par>
-        <p:cTn id="1" dur="indefinite" restart="never" nodeType="tmRoot"/>
-      </p:par>
-    </p:tnLst>
-  </p:timing>
 </p:sld>
 </file>
 
@@ -7751,234 +8336,233 @@
           <a:lstStyle/>
           <a:p>
             <a:r>
-              <a:rPr lang="de-DE" dirty="0" smtClean="0"/>
+              <a:rPr lang="de-DE" dirty="0"/>
               <a:t>Android Development</a:t>
             </a:r>
+          </a:p>
+        </p:txBody>
+      </p:sp>
+      <p:sp>
+        <p:nvSpPr>
+          <p:cNvPr id="3" name="Inhaltsplatzhalter 2"/>
+          <p:cNvSpPr>
+            <a:spLocks noGrp="1"/>
+          </p:cNvSpPr>
+          <p:nvPr>
+            <p:ph idx="1"/>
+          </p:nvPr>
+        </p:nvSpPr>
+        <p:spPr/>
+        <p:txBody>
+          <a:bodyPr numCol="2"/>
+          <a:lstStyle/>
+          <a:p>
+            <a:r>
+              <a:rPr lang="de-DE" dirty="0" err="1"/>
+              <a:t>using</a:t>
+            </a:r>
+            <a:r>
+              <a:rPr lang="de-DE" dirty="0"/>
+              <a:t> Windows</a:t>
+            </a:r>
+          </a:p>
+          <a:p>
+            <a:pPr lvl="1"/>
+            <a:r>
+              <a:rPr lang="de-DE" dirty="0" err="1"/>
+              <a:t>Virtualization</a:t>
+            </a:r>
+            <a:r>
+              <a:rPr lang="de-DE" dirty="0"/>
+              <a:t> </a:t>
+            </a:r>
+            <a:r>
+              <a:rPr lang="de-DE" dirty="0" err="1"/>
+              <a:t>support</a:t>
+            </a:r>
+            <a:r>
+              <a:rPr lang="de-DE" dirty="0"/>
+              <a:t> </a:t>
+            </a:r>
+            <a:r>
+              <a:rPr lang="de-DE" dirty="0" err="1"/>
+              <a:t>for</a:t>
+            </a:r>
+            <a:r>
+              <a:rPr lang="de-DE" dirty="0"/>
+              <a:t> Android Emulator</a:t>
+            </a:r>
+          </a:p>
+          <a:p>
+            <a:pPr lvl="1"/>
+            <a:r>
+              <a:rPr lang="de-DE" dirty="0"/>
+              <a:t>Android tool-</a:t>
+            </a:r>
+            <a:r>
+              <a:rPr lang="de-DE" dirty="0" err="1"/>
+              <a:t>chain</a:t>
+            </a:r>
+            <a:r>
+              <a:rPr lang="de-DE" dirty="0"/>
+              <a:t> </a:t>
+            </a:r>
+            <a:r>
+              <a:rPr lang="de-DE" dirty="0" err="1"/>
+              <a:t>running</a:t>
+            </a:r>
+            <a:r>
+              <a:rPr lang="de-DE" dirty="0"/>
+              <a:t> native on Windows</a:t>
+            </a:r>
+          </a:p>
+          <a:p>
+            <a:pPr lvl="1"/>
+            <a:r>
+              <a:rPr lang="de-DE" dirty="0"/>
+              <a:t>Android SDK </a:t>
+            </a:r>
+            <a:r>
+              <a:rPr lang="de-DE" dirty="0" err="1"/>
+              <a:t>tools</a:t>
+            </a:r>
+            <a:r>
+              <a:rPr lang="de-DE" dirty="0"/>
+              <a:t> </a:t>
+            </a:r>
+            <a:r>
+              <a:rPr lang="de-DE" dirty="0" err="1"/>
+              <a:t>avl</a:t>
+            </a:r>
+            <a:r>
+              <a:rPr lang="de-DE" dirty="0"/>
+              <a:t>. </a:t>
+            </a:r>
+            <a:r>
+              <a:rPr lang="de-DE" dirty="0" err="1"/>
+              <a:t>through</a:t>
+            </a:r>
+            <a:r>
+              <a:rPr lang="de-DE" dirty="0"/>
+              <a:t> Visual Studio (</a:t>
+            </a:r>
+            <a:r>
+              <a:rPr lang="de-DE" dirty="0" err="1"/>
+              <a:t>logcat</a:t>
+            </a:r>
+            <a:r>
+              <a:rPr lang="de-DE" dirty="0"/>
+              <a:t>, AVD, SDK Manager, </a:t>
+            </a:r>
+            <a:r>
+              <a:rPr lang="de-DE" dirty="0" err="1"/>
+              <a:t>adb</a:t>
+            </a:r>
+            <a:r>
+              <a:rPr lang="de-DE" dirty="0"/>
+              <a:t>, DDMS)</a:t>
+            </a:r>
+          </a:p>
+          <a:p>
+            <a:pPr lvl="1"/>
+            <a:r>
+              <a:rPr lang="de-DE" dirty="0" err="1"/>
+              <a:t>AndroidManifest</a:t>
+            </a:r>
+            <a:r>
+              <a:rPr lang="de-DE" dirty="0"/>
+              <a:t> GUI </a:t>
+            </a:r>
+            <a:r>
+              <a:rPr lang="de-DE" dirty="0" err="1"/>
+              <a:t>editor</a:t>
+            </a:r>
+            <a:r>
+              <a:rPr lang="de-DE" dirty="0"/>
+              <a:t> in Visual Studio</a:t>
+            </a:r>
+          </a:p>
+          <a:p>
+            <a:r>
+              <a:rPr lang="de-DE" dirty="0" err="1"/>
+              <a:t>using</a:t>
+            </a:r>
+            <a:r>
+              <a:rPr lang="de-DE" dirty="0"/>
+              <a:t> Mac</a:t>
+            </a:r>
+          </a:p>
+          <a:p>
+            <a:pPr lvl="1"/>
+            <a:r>
+              <a:rPr lang="de-DE" dirty="0" err="1"/>
+              <a:t>Virtualization</a:t>
+            </a:r>
+            <a:r>
+              <a:rPr lang="de-DE" dirty="0"/>
+              <a:t> </a:t>
+            </a:r>
+            <a:r>
+              <a:rPr lang="de-DE" dirty="0" err="1"/>
+              <a:t>support</a:t>
+            </a:r>
+            <a:r>
+              <a:rPr lang="de-DE" dirty="0"/>
+              <a:t> Android Emulator </a:t>
+            </a:r>
+            <a:r>
+              <a:rPr lang="de-DE" dirty="0" err="1"/>
+              <a:t>running</a:t>
+            </a:r>
+            <a:r>
+              <a:rPr lang="de-DE" dirty="0"/>
+              <a:t> on Mac</a:t>
+            </a:r>
+          </a:p>
+          <a:p>
+            <a:pPr lvl="1"/>
+            <a:r>
+              <a:rPr lang="de-DE" dirty="0"/>
+              <a:t>Visual Studio on Windows in </a:t>
+            </a:r>
+            <a:r>
+              <a:rPr lang="de-DE" dirty="0" err="1"/>
+              <a:t>Parallels,VmWare</a:t>
+            </a:r>
             <a:endParaRPr lang="de-DE" dirty="0"/>
           </a:p>
-        </p:txBody>
-      </p:sp>
-      <p:sp>
-        <p:nvSpPr>
-          <p:cNvPr id="3" name="Inhaltsplatzhalter 2"/>
-          <p:cNvSpPr>
-            <a:spLocks noGrp="1"/>
-          </p:cNvSpPr>
-          <p:nvPr>
-            <p:ph idx="1"/>
-          </p:nvPr>
-        </p:nvSpPr>
-        <p:spPr/>
-        <p:txBody>
-          <a:bodyPr numCol="2"/>
-          <a:lstStyle/>
-          <a:p>
-            <a:r>
-              <a:rPr lang="de-DE" dirty="0" err="1" smtClean="0"/>
+          <a:p>
+            <a:pPr lvl="1"/>
+            <a:r>
+              <a:rPr lang="de-DE" dirty="0" err="1"/>
               <a:t>using</a:t>
             </a:r>
             <a:r>
-              <a:rPr lang="de-DE" dirty="0" smtClean="0"/>
-              <a:t> Windows</a:t>
-            </a:r>
-          </a:p>
-          <a:p>
-            <a:pPr lvl="1"/>
-            <a:r>
-              <a:rPr lang="de-DE" dirty="0" err="1" smtClean="0"/>
-              <a:t>Virtualization</a:t>
-            </a:r>
-            <a:r>
-              <a:rPr lang="de-DE" dirty="0" smtClean="0"/>
+              <a:rPr lang="de-DE" dirty="0"/>
+              <a:t> SSH </a:t>
+            </a:r>
+            <a:r>
+              <a:rPr lang="de-DE" dirty="0" err="1"/>
+              <a:t>to</a:t>
+            </a:r>
+            <a:r>
+              <a:rPr lang="de-DE" dirty="0"/>
               <a:t> </a:t>
             </a:r>
             <a:r>
-              <a:rPr lang="de-DE" dirty="0" err="1" smtClean="0"/>
-              <a:t>support</a:t>
-            </a:r>
-            <a:r>
-              <a:rPr lang="de-DE" dirty="0" smtClean="0"/>
+              <a:rPr lang="de-DE" dirty="0" err="1"/>
+              <a:t>communicate</a:t>
+            </a:r>
+            <a:r>
+              <a:rPr lang="de-DE" dirty="0"/>
               <a:t> </a:t>
             </a:r>
             <a:r>
-              <a:rPr lang="de-DE" dirty="0" err="1" smtClean="0"/>
-              <a:t>for</a:t>
-            </a:r>
-            <a:r>
-              <a:rPr lang="de-DE" dirty="0" smtClean="0"/>
-              <a:t> Android Emulator</a:t>
-            </a:r>
-          </a:p>
-          <a:p>
-            <a:pPr lvl="1"/>
-            <a:r>
-              <a:rPr lang="de-DE" dirty="0" smtClean="0"/>
-              <a:t>Android tool-</a:t>
-            </a:r>
-            <a:r>
-              <a:rPr lang="de-DE" dirty="0" err="1" smtClean="0"/>
-              <a:t>chain</a:t>
-            </a:r>
-            <a:r>
-              <a:rPr lang="de-DE" dirty="0" smtClean="0"/>
-              <a:t> </a:t>
-            </a:r>
-            <a:r>
-              <a:rPr lang="de-DE" dirty="0" err="1" smtClean="0"/>
-              <a:t>running</a:t>
-            </a:r>
-            <a:r>
-              <a:rPr lang="de-DE" dirty="0" smtClean="0"/>
-              <a:t> native on Windows</a:t>
-            </a:r>
-          </a:p>
-          <a:p>
-            <a:pPr lvl="1"/>
-            <a:r>
-              <a:rPr lang="de-DE" dirty="0" smtClean="0"/>
-              <a:t>Android SDK </a:t>
-            </a:r>
-            <a:r>
-              <a:rPr lang="de-DE" dirty="0" err="1" smtClean="0"/>
-              <a:t>tools</a:t>
-            </a:r>
-            <a:r>
-              <a:rPr lang="de-DE" dirty="0" smtClean="0"/>
-              <a:t> </a:t>
-            </a:r>
-            <a:r>
-              <a:rPr lang="de-DE" dirty="0" err="1" smtClean="0"/>
-              <a:t>avl</a:t>
-            </a:r>
-            <a:r>
-              <a:rPr lang="de-DE" dirty="0" smtClean="0"/>
-              <a:t>. </a:t>
-            </a:r>
-            <a:r>
-              <a:rPr lang="de-DE" dirty="0" err="1" smtClean="0"/>
-              <a:t>through</a:t>
-            </a:r>
-            <a:r>
-              <a:rPr lang="de-DE" dirty="0" smtClean="0"/>
-              <a:t> Visual Studio (</a:t>
-            </a:r>
-            <a:r>
-              <a:rPr lang="de-DE" dirty="0" err="1" smtClean="0"/>
-              <a:t>logcat</a:t>
-            </a:r>
-            <a:r>
-              <a:rPr lang="de-DE" dirty="0" smtClean="0"/>
-              <a:t>, AVD, SDK Manager, </a:t>
-            </a:r>
-            <a:r>
-              <a:rPr lang="de-DE" dirty="0" err="1" smtClean="0"/>
-              <a:t>adb</a:t>
-            </a:r>
-            <a:r>
-              <a:rPr lang="de-DE" dirty="0" smtClean="0"/>
-              <a:t>, DDMS)</a:t>
-            </a:r>
-          </a:p>
-          <a:p>
-            <a:pPr lvl="1"/>
-            <a:r>
-              <a:rPr lang="de-DE" dirty="0" err="1" smtClean="0"/>
-              <a:t>AndroidManifest</a:t>
-            </a:r>
-            <a:r>
-              <a:rPr lang="de-DE" dirty="0" smtClean="0"/>
-              <a:t> GUI </a:t>
-            </a:r>
-            <a:r>
-              <a:rPr lang="de-DE" dirty="0" err="1" smtClean="0"/>
-              <a:t>editor</a:t>
-            </a:r>
-            <a:r>
-              <a:rPr lang="de-DE" dirty="0" smtClean="0"/>
-              <a:t> in Visual Studio</a:t>
-            </a:r>
-          </a:p>
-          <a:p>
-            <a:r>
-              <a:rPr lang="de-DE" dirty="0" err="1" smtClean="0"/>
-              <a:t>using</a:t>
-            </a:r>
-            <a:r>
-              <a:rPr lang="de-DE" dirty="0" smtClean="0"/>
-              <a:t> Mac</a:t>
-            </a:r>
-          </a:p>
-          <a:p>
-            <a:pPr lvl="1"/>
-            <a:r>
-              <a:rPr lang="de-DE" dirty="0" err="1" smtClean="0"/>
-              <a:t>Virtualization</a:t>
-            </a:r>
-            <a:r>
-              <a:rPr lang="de-DE" dirty="0" smtClean="0"/>
-              <a:t> </a:t>
-            </a:r>
-            <a:r>
-              <a:rPr lang="de-DE" dirty="0" err="1" smtClean="0"/>
-              <a:t>support</a:t>
-            </a:r>
-            <a:r>
-              <a:rPr lang="de-DE" dirty="0" smtClean="0"/>
-              <a:t> Android Emulator </a:t>
-            </a:r>
-            <a:r>
-              <a:rPr lang="de-DE" dirty="0" err="1" smtClean="0"/>
-              <a:t>running</a:t>
-            </a:r>
-            <a:r>
-              <a:rPr lang="de-DE" dirty="0" smtClean="0"/>
-              <a:t> on Mac</a:t>
-            </a:r>
-          </a:p>
-          <a:p>
-            <a:pPr lvl="1"/>
-            <a:r>
-              <a:rPr lang="de-DE" dirty="0" smtClean="0"/>
-              <a:t>Visual Studio on Windows in </a:t>
-            </a:r>
-            <a:r>
-              <a:rPr lang="de-DE" dirty="0" err="1" smtClean="0"/>
-              <a:t>Parallels,VmWare</a:t>
-            </a:r>
-            <a:endParaRPr lang="de-DE" dirty="0" smtClean="0"/>
-          </a:p>
-          <a:p>
-            <a:pPr lvl="1"/>
-            <a:r>
-              <a:rPr lang="de-DE" dirty="0" err="1" smtClean="0"/>
-              <a:t>using</a:t>
-            </a:r>
-            <a:r>
-              <a:rPr lang="de-DE" dirty="0" smtClean="0"/>
-              <a:t> SSH </a:t>
-            </a:r>
-            <a:r>
-              <a:rPr lang="de-DE" dirty="0" err="1" smtClean="0"/>
-              <a:t>to</a:t>
-            </a:r>
-            <a:r>
-              <a:rPr lang="de-DE" dirty="0" smtClean="0"/>
-              <a:t> </a:t>
-            </a:r>
-            <a:r>
-              <a:rPr lang="de-DE" dirty="0" err="1" smtClean="0"/>
-              <a:t>communicate</a:t>
-            </a:r>
-            <a:r>
-              <a:rPr lang="de-DE" dirty="0" smtClean="0"/>
-              <a:t> </a:t>
-            </a:r>
-            <a:r>
-              <a:rPr lang="de-DE" dirty="0" err="1" smtClean="0"/>
+              <a:rPr lang="de-DE" dirty="0" err="1"/>
               <a:t>with</a:t>
             </a:r>
             <a:r>
-              <a:rPr lang="de-DE" dirty="0" smtClean="0"/>
+              <a:rPr lang="de-DE" dirty="0"/>
               <a:t> Android Emulator on Mac</a:t>
             </a:r>
           </a:p>
@@ -7997,13 +8581,6 @@
   <p:clrMapOvr>
     <a:masterClrMapping/>
   </p:clrMapOvr>
-  <p:timing>
-    <p:tnLst>
-      <p:par>
-        <p:cTn id="1" dur="indefinite" restart="never" nodeType="tmRoot"/>
-      </p:par>
-    </p:tnLst>
-  </p:timing>
 </p:sld>
 </file>
 
@@ -8040,14 +8617,13 @@
           <a:lstStyle/>
           <a:p>
             <a:r>
-              <a:rPr lang="de-DE" dirty="0" err="1" smtClean="0"/>
+              <a:rPr lang="de-DE" dirty="0" err="1"/>
               <a:t>iOs</a:t>
             </a:r>
             <a:r>
-              <a:rPr lang="de-DE" dirty="0" smtClean="0"/>
+              <a:rPr lang="de-DE" dirty="0"/>
               <a:t> Development</a:t>
             </a:r>
-            <a:endParaRPr lang="de-DE" dirty="0"/>
           </a:p>
         </p:txBody>
       </p:sp>
@@ -8069,133 +8645,185 @@
           <a:lstStyle/>
           <a:p>
             <a:r>
-              <a:rPr lang="de-DE" dirty="0" err="1" smtClean="0"/>
+              <a:rPr lang="de-DE" dirty="0" err="1"/>
               <a:t>using</a:t>
             </a:r>
             <a:r>
-              <a:rPr lang="de-DE" dirty="0" smtClean="0"/>
+              <a:rPr lang="de-DE" dirty="0"/>
               <a:t> Windows</a:t>
             </a:r>
           </a:p>
           <a:p>
             <a:pPr lvl="1"/>
             <a:r>
-              <a:rPr lang="de-DE" dirty="0" smtClean="0"/>
+              <a:rPr lang="de-DE" dirty="0"/>
               <a:t>Mac in </a:t>
             </a:r>
             <a:r>
-              <a:rPr lang="de-DE" dirty="0" err="1" smtClean="0"/>
+              <a:rPr lang="de-DE" dirty="0" err="1"/>
               <a:t>network</a:t>
             </a:r>
             <a:r>
-              <a:rPr lang="de-DE" dirty="0" smtClean="0"/>
+              <a:rPr lang="de-DE" dirty="0"/>
               <a:t> </a:t>
             </a:r>
             <a:r>
-              <a:rPr lang="de-DE" dirty="0" err="1" smtClean="0"/>
+              <a:rPr lang="de-DE" dirty="0" err="1"/>
               <a:t>needed</a:t>
             </a:r>
-            <a:endParaRPr lang="de-DE" dirty="0" smtClean="0"/>
+            <a:r>
+              <a:rPr lang="de-DE" dirty="0"/>
+              <a:t> / </a:t>
+            </a:r>
+            <a:r>
+              <a:rPr lang="de-DE" dirty="0" err="1"/>
+              <a:t>Xcode</a:t>
+            </a:r>
+            <a:r>
+              <a:rPr lang="de-DE" dirty="0"/>
+              <a:t> </a:t>
+            </a:r>
+            <a:r>
+              <a:rPr lang="de-DE" dirty="0" err="1"/>
+              <a:t>neede</a:t>
+            </a:r>
+            <a:endParaRPr lang="de-DE" dirty="0"/>
           </a:p>
           <a:p>
             <a:pPr lvl="1"/>
             <a:r>
-              <a:rPr lang="de-DE" dirty="0" smtClean="0"/>
+              <a:rPr lang="de-DE" dirty="0"/>
               <a:t>iOS Emulator </a:t>
             </a:r>
             <a:r>
-              <a:rPr lang="de-DE" dirty="0" err="1" smtClean="0"/>
+              <a:rPr lang="de-DE" dirty="0" err="1"/>
               <a:t>shown</a:t>
             </a:r>
             <a:r>
-              <a:rPr lang="de-DE" dirty="0" smtClean="0"/>
+              <a:rPr lang="de-DE" dirty="0"/>
               <a:t> on Windows incl. </a:t>
             </a:r>
             <a:r>
-              <a:rPr lang="de-DE" dirty="0" err="1" smtClean="0"/>
+              <a:rPr lang="de-DE" dirty="0" err="1"/>
               <a:t>full-functions</a:t>
             </a:r>
             <a:r>
-              <a:rPr lang="de-DE" dirty="0" smtClean="0"/>
+              <a:rPr lang="de-DE" dirty="0"/>
               <a:t> </a:t>
             </a:r>
             <a:r>
-              <a:rPr lang="de-DE" dirty="0" err="1" smtClean="0"/>
+              <a:rPr lang="de-DE" dirty="0" err="1"/>
               <a:t>and</a:t>
             </a:r>
             <a:r>
-              <a:rPr lang="de-DE" dirty="0" smtClean="0"/>
+              <a:rPr lang="de-DE" dirty="0"/>
               <a:t> </a:t>
             </a:r>
             <a:r>
-              <a:rPr lang="de-DE" dirty="0" err="1" smtClean="0"/>
+              <a:rPr lang="de-DE" dirty="0" err="1"/>
               <a:t>debugger</a:t>
             </a:r>
-            <a:endParaRPr lang="de-DE" dirty="0" smtClean="0"/>
+            <a:endParaRPr lang="de-DE" dirty="0"/>
           </a:p>
           <a:p>
             <a:pPr lvl="1"/>
             <a:r>
-              <a:rPr lang="de-DE" dirty="0" err="1" smtClean="0"/>
+              <a:rPr lang="de-DE" dirty="0" err="1"/>
               <a:t>Build</a:t>
             </a:r>
             <a:r>
-              <a:rPr lang="de-DE" dirty="0" smtClean="0"/>
+              <a:rPr lang="de-DE" dirty="0"/>
               <a:t> </a:t>
             </a:r>
             <a:r>
-              <a:rPr lang="de-DE" dirty="0" err="1" smtClean="0"/>
+              <a:rPr lang="de-DE" dirty="0" err="1"/>
               <a:t>runs</a:t>
             </a:r>
             <a:r>
-              <a:rPr lang="de-DE" dirty="0" smtClean="0"/>
+              <a:rPr lang="de-DE" dirty="0"/>
               <a:t> on Mac</a:t>
             </a:r>
           </a:p>
           <a:p>
             <a:pPr lvl="1"/>
             <a:r>
-              <a:rPr lang="de-DE" dirty="0" smtClean="0"/>
+              <a:rPr lang="de-DE" dirty="0"/>
               <a:t>GUI-tool </a:t>
             </a:r>
             <a:r>
-              <a:rPr lang="de-DE" dirty="0" err="1" smtClean="0"/>
+              <a:rPr lang="de-DE" dirty="0" err="1"/>
               <a:t>for</a:t>
             </a:r>
             <a:r>
-              <a:rPr lang="de-DE" dirty="0" smtClean="0"/>
+              <a:rPr lang="de-DE" dirty="0"/>
               <a:t> iOS </a:t>
             </a:r>
             <a:r>
-              <a:rPr lang="de-DE" dirty="0" err="1" smtClean="0"/>
+              <a:rPr lang="de-DE" dirty="0" err="1"/>
               <a:t>app</a:t>
             </a:r>
             <a:r>
-              <a:rPr lang="de-DE" dirty="0" smtClean="0"/>
+              <a:rPr lang="de-DE" dirty="0"/>
               <a:t> </a:t>
             </a:r>
             <a:r>
-              <a:rPr lang="de-DE" dirty="0" err="1" smtClean="0"/>
+              <a:rPr lang="de-DE" dirty="0" err="1"/>
               <a:t>configuration</a:t>
             </a:r>
             <a:r>
-              <a:rPr lang="de-DE" dirty="0" smtClean="0"/>
+              <a:rPr lang="de-DE" dirty="0"/>
               <a:t> in Visual Studio</a:t>
             </a:r>
           </a:p>
           <a:p>
             <a:pPr lvl="1"/>
             <a:r>
+              <a:rPr lang="de-DE" dirty="0"/>
+              <a:t>iOS Simulator</a:t>
+            </a:r>
+          </a:p>
+          <a:p>
+            <a:endParaRPr lang="de-DE" dirty="0"/>
+          </a:p>
+          <a:p>
+            <a:r>
               <a:rPr lang="de-DE" dirty="0" err="1"/>
               <a:t>using</a:t>
             </a:r>
             <a:r>
               <a:rPr lang="de-DE" dirty="0"/>
-              <a:t> SSH </a:t>
-            </a:r>
-            <a:r>
-              <a:rPr lang="de-DE" dirty="0" err="1"/>
-              <a:t>to</a:t>
+              <a:t> Mac</a:t>
+            </a:r>
+          </a:p>
+          <a:p>
+            <a:pPr lvl="1"/>
+            <a:r>
+              <a:rPr lang="de-DE" dirty="0" err="1"/>
+              <a:t>Xamarin</a:t>
+            </a:r>
+            <a:r>
+              <a:rPr lang="de-DE" dirty="0"/>
+              <a:t> Studio </a:t>
+            </a:r>
+            <a:r>
+              <a:rPr lang="de-DE" dirty="0" err="1"/>
+              <a:t>for</a:t>
+            </a:r>
+            <a:r>
+              <a:rPr lang="de-DE" dirty="0"/>
+              <a:t> iOS </a:t>
+            </a:r>
+            <a:r>
+              <a:rPr lang="de-DE" dirty="0" err="1"/>
+              <a:t>development</a:t>
+            </a:r>
+            <a:endParaRPr lang="de-DE" dirty="0"/>
+          </a:p>
+          <a:p>
+            <a:pPr lvl="1"/>
+            <a:r>
+              <a:rPr lang="de-DE" dirty="0" err="1"/>
+              <a:t>Xcode</a:t>
             </a:r>
             <a:r>
               <a:rPr lang="de-DE" dirty="0"/>
@@ -8203,132 +8831,32 @@
             </a:r>
             <a:r>
               <a:rPr lang="de-DE" dirty="0" err="1"/>
-              <a:t>communicate</a:t>
-            </a:r>
-            <a:r>
-              <a:rPr lang="de-DE" dirty="0"/>
-              <a:t> </a:t>
-            </a:r>
-            <a:r>
-              <a:rPr lang="de-DE" dirty="0" err="1"/>
-              <a:t>with</a:t>
-            </a:r>
-            <a:r>
-              <a:rPr lang="de-DE" dirty="0"/>
-              <a:t> Android Emulator on </a:t>
-            </a:r>
-            <a:r>
-              <a:rPr lang="de-DE" dirty="0" smtClean="0"/>
-              <a:t>Mac</a:t>
-            </a:r>
-          </a:p>
-          <a:p>
-            <a:r>
-              <a:rPr lang="de-DE" dirty="0" err="1" smtClean="0"/>
-              <a:t>using</a:t>
-            </a:r>
-            <a:r>
-              <a:rPr lang="de-DE" dirty="0" smtClean="0"/>
-              <a:t> Mac</a:t>
+              <a:t>needed</a:t>
+            </a:r>
+            <a:r>
+              <a:rPr lang="de-DE" dirty="0"/>
+              <a:t> (just </a:t>
+            </a:r>
+            <a:r>
+              <a:rPr lang="de-DE" dirty="0" err="1"/>
+              <a:t>installation</a:t>
+            </a:r>
+            <a:r>
+              <a:rPr lang="de-DE" dirty="0"/>
+              <a:t>)</a:t>
             </a:r>
           </a:p>
           <a:p>
             <a:pPr lvl="1"/>
             <a:r>
-              <a:rPr lang="de-DE" dirty="0" err="1" smtClean="0"/>
-              <a:t>Xamarin</a:t>
-            </a:r>
-            <a:r>
-              <a:rPr lang="de-DE" dirty="0" smtClean="0"/>
-              <a:t> Studio </a:t>
-            </a:r>
-            <a:r>
-              <a:rPr lang="de-DE" dirty="0" err="1" smtClean="0"/>
-              <a:t>for</a:t>
-            </a:r>
-            <a:r>
-              <a:rPr lang="de-DE" dirty="0" smtClean="0"/>
-              <a:t> iOS </a:t>
-            </a:r>
-            <a:r>
-              <a:rPr lang="de-DE" dirty="0" err="1" smtClean="0"/>
-              <a:t>development</a:t>
-            </a:r>
-            <a:endParaRPr lang="de-DE" dirty="0" smtClean="0"/>
-          </a:p>
-          <a:p>
-            <a:pPr lvl="1"/>
-            <a:r>
-              <a:rPr lang="de-DE" dirty="0" err="1" smtClean="0"/>
-              <a:t>Xcode</a:t>
-            </a:r>
-            <a:r>
-              <a:rPr lang="de-DE" dirty="0" smtClean="0"/>
-              <a:t> </a:t>
-            </a:r>
-            <a:r>
-              <a:rPr lang="de-DE" dirty="0" err="1" smtClean="0"/>
-              <a:t>needed</a:t>
-            </a:r>
-            <a:r>
-              <a:rPr lang="de-DE" dirty="0" smtClean="0"/>
-              <a:t> (just </a:t>
-            </a:r>
-            <a:r>
-              <a:rPr lang="de-DE" dirty="0" err="1" smtClean="0"/>
-              <a:t>installation</a:t>
-            </a:r>
-            <a:r>
-              <a:rPr lang="de-DE" dirty="0" smtClean="0"/>
-              <a:t>)</a:t>
-            </a:r>
-          </a:p>
-          <a:p>
-            <a:pPr lvl="1"/>
-            <a:r>
-              <a:rPr lang="de-DE" dirty="0" smtClean="0"/>
+              <a:rPr lang="de-DE" dirty="0"/>
               <a:t>Visual Studio on Windows in </a:t>
             </a:r>
             <a:r>
-              <a:rPr lang="de-DE" dirty="0" err="1" smtClean="0"/>
+              <a:rPr lang="de-DE" dirty="0" err="1"/>
               <a:t>Parallels,VmWare</a:t>
             </a:r>
-            <a:endParaRPr lang="de-DE" dirty="0" smtClean="0"/>
-          </a:p>
-          <a:p>
-            <a:pPr lvl="1"/>
-            <a:r>
-              <a:rPr lang="de-DE" dirty="0" err="1" smtClean="0"/>
-              <a:t>using</a:t>
-            </a:r>
-            <a:r>
-              <a:rPr lang="de-DE" dirty="0" smtClean="0"/>
-              <a:t> SSH </a:t>
-            </a:r>
-            <a:r>
-              <a:rPr lang="de-DE" dirty="0" err="1" smtClean="0"/>
-              <a:t>to</a:t>
-            </a:r>
-            <a:r>
-              <a:rPr lang="de-DE" dirty="0" smtClean="0"/>
-              <a:t> </a:t>
-            </a:r>
-            <a:r>
-              <a:rPr lang="de-DE" dirty="0" err="1" smtClean="0"/>
-              <a:t>communicate</a:t>
-            </a:r>
-            <a:r>
-              <a:rPr lang="de-DE" dirty="0" smtClean="0"/>
-              <a:t> </a:t>
-            </a:r>
-            <a:r>
-              <a:rPr lang="de-DE" dirty="0" err="1" smtClean="0"/>
-              <a:t>with</a:t>
-            </a:r>
-            <a:r>
-              <a:rPr lang="de-DE" dirty="0" smtClean="0"/>
-              <a:t> iOS Emulator on Mac</a:t>
-            </a:r>
+            <a:endParaRPr lang="de-DE" dirty="0"/>
           </a:p>
           <a:p>
             <a:endParaRPr lang="de-DE" dirty="0"/>
@@ -8345,13 +8873,6 @@
   <p:clrMapOvr>
     <a:masterClrMapping/>
   </p:clrMapOvr>
-  <p:timing>
-    <p:tnLst>
-      <p:par>
-        <p:cTn id="1" dur="indefinite" restart="never" nodeType="tmRoot"/>
-      </p:par>
-    </p:tnLst>
-  </p:timing>
 </p:sld>
 </file>
 
@@ -8388,14 +8909,13 @@
           <a:lstStyle/>
           <a:p>
             <a:r>
-              <a:rPr lang="de-DE" dirty="0" err="1" smtClean="0"/>
+              <a:rPr lang="de-DE" dirty="0" err="1"/>
               <a:t>iOs</a:t>
             </a:r>
             <a:r>
-              <a:rPr lang="de-DE" dirty="0" smtClean="0"/>
+              <a:rPr lang="de-DE" dirty="0"/>
               <a:t> Development</a:t>
             </a:r>
-            <a:endParaRPr lang="de-DE" dirty="0"/>
           </a:p>
         </p:txBody>
       </p:sp>
@@ -8438,13 +8958,6 @@
   <p:clrMapOvr>
     <a:masterClrMapping/>
   </p:clrMapOvr>
-  <p:timing>
-    <p:tnLst>
-      <p:par>
-        <p:cTn id="1" dur="indefinite" restart="never" nodeType="tmRoot"/>
-      </p:par>
-    </p:tnLst>
-  </p:timing>
 </p:sld>
 </file>
 
@@ -8481,10 +8994,9 @@
           <a:lstStyle/>
           <a:p>
             <a:r>
-              <a:rPr lang="de-DE" dirty="0" smtClean="0"/>
+              <a:rPr lang="de-DE" dirty="0"/>
               <a:t>Windows Development</a:t>
             </a:r>
-            <a:endParaRPr lang="de-DE" dirty="0"/>
           </a:p>
         </p:txBody>
       </p:sp>
@@ -8506,189 +9018,189 @@
           <a:lstStyle/>
           <a:p>
             <a:r>
-              <a:rPr lang="de-DE" dirty="0" err="1" smtClean="0"/>
+              <a:rPr lang="de-DE" dirty="0" err="1"/>
               <a:t>using</a:t>
             </a:r>
             <a:r>
-              <a:rPr lang="de-DE" dirty="0" smtClean="0"/>
+              <a:rPr lang="de-DE" dirty="0"/>
               <a:t> Windows</a:t>
             </a:r>
           </a:p>
           <a:p>
             <a:pPr lvl="1"/>
             <a:r>
-              <a:rPr lang="de-DE" dirty="0" smtClean="0"/>
+              <a:rPr lang="de-DE" dirty="0"/>
               <a:t>Native </a:t>
             </a:r>
             <a:r>
-              <a:rPr lang="de-DE" dirty="0" err="1" smtClean="0"/>
+              <a:rPr lang="de-DE" dirty="0" err="1"/>
               <a:t>support</a:t>
             </a:r>
             <a:r>
-              <a:rPr lang="de-DE" dirty="0" smtClean="0"/>
+              <a:rPr lang="de-DE" dirty="0"/>
               <a:t> </a:t>
             </a:r>
             <a:r>
-              <a:rPr lang="de-DE" dirty="0" err="1" smtClean="0"/>
+              <a:rPr lang="de-DE" dirty="0" err="1"/>
               <a:t>of</a:t>
             </a:r>
             <a:r>
-              <a:rPr lang="de-DE" dirty="0" smtClean="0"/>
+              <a:rPr lang="de-DE" dirty="0"/>
               <a:t> Windows Store App </a:t>
             </a:r>
             <a:r>
-              <a:rPr lang="de-DE" dirty="0" err="1" smtClean="0"/>
+              <a:rPr lang="de-DE" dirty="0" err="1"/>
               <a:t>development</a:t>
             </a:r>
-            <a:endParaRPr lang="de-DE" dirty="0" smtClean="0"/>
+            <a:endParaRPr lang="de-DE" dirty="0"/>
           </a:p>
           <a:p>
             <a:pPr lvl="1"/>
             <a:r>
-              <a:rPr lang="de-DE" dirty="0" smtClean="0"/>
+              <a:rPr lang="de-DE" dirty="0"/>
               <a:t>Supports UWP, Win8.1 </a:t>
             </a:r>
             <a:r>
-              <a:rPr lang="de-DE" dirty="0" err="1" smtClean="0"/>
+              <a:rPr lang="de-DE" dirty="0" err="1"/>
               <a:t>and</a:t>
             </a:r>
             <a:r>
-              <a:rPr lang="de-DE" dirty="0" smtClean="0"/>
+              <a:rPr lang="de-DE" dirty="0"/>
               <a:t> </a:t>
             </a:r>
             <a:r>
-              <a:rPr lang="de-DE" dirty="0" err="1" smtClean="0"/>
+              <a:rPr lang="de-DE" dirty="0" err="1"/>
               <a:t>WinPhone</a:t>
             </a:r>
             <a:r>
-              <a:rPr lang="de-DE" dirty="0" smtClean="0"/>
+              <a:rPr lang="de-DE" dirty="0"/>
               <a:t> 8.1 </a:t>
             </a:r>
             <a:r>
-              <a:rPr lang="de-DE" dirty="0" err="1" smtClean="0"/>
+              <a:rPr lang="de-DE" dirty="0" err="1"/>
               <a:t>development</a:t>
             </a:r>
-            <a:endParaRPr lang="de-DE" dirty="0" smtClean="0"/>
+            <a:endParaRPr lang="de-DE" dirty="0"/>
           </a:p>
           <a:p>
             <a:pPr lvl="1"/>
             <a:r>
-              <a:rPr lang="de-DE" dirty="0" smtClean="0"/>
+              <a:rPr lang="de-DE" dirty="0"/>
               <a:t>Mobile Emulator </a:t>
             </a:r>
             <a:r>
-              <a:rPr lang="de-DE" dirty="0" err="1" smtClean="0"/>
+              <a:rPr lang="de-DE" dirty="0" err="1"/>
               <a:t>running</a:t>
             </a:r>
             <a:r>
-              <a:rPr lang="de-DE" dirty="0" smtClean="0"/>
+              <a:rPr lang="de-DE" dirty="0"/>
               <a:t> </a:t>
             </a:r>
             <a:r>
-              <a:rPr lang="de-DE" dirty="0" err="1" smtClean="0"/>
+              <a:rPr lang="de-DE" dirty="0" err="1"/>
               <a:t>inside</a:t>
             </a:r>
             <a:r>
-              <a:rPr lang="de-DE" dirty="0" smtClean="0"/>
+              <a:rPr lang="de-DE" dirty="0"/>
               <a:t> Hyper-V</a:t>
             </a:r>
           </a:p>
           <a:p>
             <a:pPr lvl="1"/>
             <a:r>
-              <a:rPr lang="de-DE" dirty="0" smtClean="0"/>
+              <a:rPr lang="de-DE" dirty="0"/>
               <a:t>Great </a:t>
             </a:r>
             <a:r>
-              <a:rPr lang="de-DE" dirty="0" err="1" smtClean="0"/>
+              <a:rPr lang="de-DE" dirty="0" err="1"/>
               <a:t>tooling</a:t>
             </a:r>
             <a:r>
-              <a:rPr lang="de-DE" dirty="0" smtClean="0"/>
+              <a:rPr lang="de-DE" dirty="0"/>
               <a:t> </a:t>
             </a:r>
             <a:r>
-              <a:rPr lang="de-DE" dirty="0" err="1" smtClean="0"/>
+              <a:rPr lang="de-DE" dirty="0" err="1"/>
               <a:t>using</a:t>
             </a:r>
             <a:r>
-              <a:rPr lang="de-DE" dirty="0" smtClean="0"/>
+              <a:rPr lang="de-DE" dirty="0"/>
               <a:t> Visual Studio</a:t>
             </a:r>
           </a:p>
           <a:p>
             <a:pPr lvl="1"/>
             <a:r>
-              <a:rPr lang="de-DE" dirty="0" smtClean="0"/>
+              <a:rPr lang="de-DE" dirty="0"/>
               <a:t>UWP </a:t>
             </a:r>
             <a:r>
-              <a:rPr lang="de-DE" dirty="0" err="1" smtClean="0"/>
+              <a:rPr lang="de-DE" dirty="0" err="1"/>
               <a:t>apps</a:t>
             </a:r>
             <a:r>
-              <a:rPr lang="de-DE" dirty="0" smtClean="0"/>
+              <a:rPr lang="de-DE" dirty="0"/>
               <a:t> </a:t>
             </a:r>
             <a:r>
-              <a:rPr lang="de-DE" dirty="0" err="1" smtClean="0"/>
+              <a:rPr lang="de-DE" dirty="0" err="1"/>
               <a:t>run</a:t>
             </a:r>
             <a:r>
-              <a:rPr lang="de-DE" dirty="0" smtClean="0"/>
+              <a:rPr lang="de-DE" dirty="0"/>
               <a:t> </a:t>
             </a:r>
             <a:r>
-              <a:rPr lang="de-DE" dirty="0" err="1" smtClean="0"/>
+              <a:rPr lang="de-DE" dirty="0" err="1"/>
               <a:t>without</a:t>
             </a:r>
             <a:r>
-              <a:rPr lang="de-DE" dirty="0" smtClean="0"/>
+              <a:rPr lang="de-DE" dirty="0"/>
               <a:t> Emulator </a:t>
             </a:r>
             <a:r>
-              <a:rPr lang="de-DE" dirty="0" err="1" smtClean="0"/>
+              <a:rPr lang="de-DE" dirty="0" err="1"/>
               <a:t>directly</a:t>
             </a:r>
             <a:r>
-              <a:rPr lang="de-DE" dirty="0" smtClean="0"/>
+              <a:rPr lang="de-DE" dirty="0"/>
               <a:t> on host OS</a:t>
             </a:r>
           </a:p>
           <a:p>
             <a:r>
-              <a:rPr lang="de-DE" dirty="0" err="1" smtClean="0"/>
+              <a:rPr lang="de-DE" dirty="0" err="1"/>
               <a:t>using</a:t>
             </a:r>
             <a:r>
-              <a:rPr lang="de-DE" dirty="0" smtClean="0"/>
+              <a:rPr lang="de-DE" dirty="0"/>
               <a:t> Mac</a:t>
             </a:r>
           </a:p>
           <a:p>
             <a:pPr lvl="1"/>
             <a:r>
-              <a:rPr lang="de-DE" dirty="0" err="1" smtClean="0"/>
+              <a:rPr lang="de-DE" dirty="0" err="1"/>
               <a:t>Installing</a:t>
             </a:r>
             <a:r>
-              <a:rPr lang="de-DE" dirty="0" smtClean="0"/>
+              <a:rPr lang="de-DE" dirty="0"/>
               <a:t> Windows on </a:t>
             </a:r>
             <a:r>
-              <a:rPr lang="de-DE" dirty="0" err="1" smtClean="0"/>
+              <a:rPr lang="de-DE" dirty="0" err="1"/>
               <a:t>Parallels</a:t>
             </a:r>
             <a:r>
-              <a:rPr lang="de-DE" dirty="0" smtClean="0"/>
+              <a:rPr lang="de-DE" dirty="0"/>
               <a:t>, </a:t>
             </a:r>
             <a:r>
-              <a:rPr lang="de-DE" dirty="0" err="1" smtClean="0"/>
+              <a:rPr lang="de-DE" dirty="0" err="1"/>
               <a:t>VmWare</a:t>
             </a:r>
             <a:r>
-              <a:rPr lang="de-DE" dirty="0" smtClean="0"/>
+              <a:rPr lang="de-DE" dirty="0"/>
               <a:t>, etc.</a:t>
             </a:r>
           </a:p>
@@ -8707,13 +9219,6 @@
   <p:clrMapOvr>
     <a:masterClrMapping/>
   </p:clrMapOvr>
-  <p:timing>
-    <p:tnLst>
-      <p:par>
-        <p:cTn id="1" dur="indefinite" restart="never" nodeType="tmRoot"/>
-      </p:par>
-    </p:tnLst>
-  </p:timing>
 </p:sld>
 </file>
 
@@ -8750,14 +9255,13 @@
           <a:lstStyle/>
           <a:p>
             <a:r>
-              <a:rPr lang="de-DE" dirty="0" err="1" smtClean="0"/>
+              <a:rPr lang="de-DE" dirty="0" err="1"/>
               <a:t>Xamarin</a:t>
             </a:r>
             <a:r>
-              <a:rPr lang="de-DE" dirty="0" smtClean="0"/>
+              <a:rPr lang="de-DE" dirty="0"/>
               <a:t> Forms</a:t>
             </a:r>
-            <a:endParaRPr lang="de-DE" dirty="0"/>
           </a:p>
         </p:txBody>
       </p:sp>
@@ -8777,102 +9281,120 @@
           <a:lstStyle/>
           <a:p>
             <a:r>
-              <a:rPr lang="de-DE" dirty="0" smtClean="0"/>
+              <a:rPr lang="de-DE" strike="sngStrike" dirty="0"/>
               <a:t>Great </a:t>
             </a:r>
             <a:r>
-              <a:rPr lang="de-DE" dirty="0" err="1" smtClean="0"/>
+              <a:rPr lang="de-DE" strike="sngStrike" dirty="0" err="1"/>
               <a:t>for</a:t>
             </a:r>
             <a:r>
-              <a:rPr lang="de-DE" dirty="0"/>
+              <a:rPr lang="de-DE" strike="sngStrike" dirty="0"/>
               <a:t> </a:t>
             </a:r>
             <a:r>
-              <a:rPr lang="de-DE" dirty="0" err="1" smtClean="0"/>
+              <a:rPr lang="de-DE" strike="sngStrike" dirty="0" err="1"/>
               <a:t>basic</a:t>
             </a:r>
             <a:r>
-              <a:rPr lang="de-DE" dirty="0" smtClean="0"/>
+              <a:rPr lang="de-DE" strike="sngStrike" dirty="0"/>
               <a:t> Apps</a:t>
             </a:r>
           </a:p>
           <a:p>
             <a:r>
-              <a:rPr lang="de-DE" dirty="0" smtClean="0"/>
+              <a:rPr lang="de-DE" dirty="0" err="1"/>
+              <a:t>Improved</a:t>
+            </a:r>
+            <a:r>
+              <a:rPr lang="de-DE" dirty="0"/>
+              <a:t> in </a:t>
+            </a:r>
+            <a:r>
+              <a:rPr lang="de-DE" dirty="0" err="1"/>
+              <a:t>new</a:t>
+            </a:r>
+            <a:r>
+              <a:rPr lang="de-DE" dirty="0"/>
+              <a:t> Cycle</a:t>
+            </a:r>
+          </a:p>
+          <a:p>
+            <a:r>
+              <a:rPr lang="de-DE" dirty="0"/>
               <a:t>Big </a:t>
             </a:r>
             <a:r>
-              <a:rPr lang="de-DE" dirty="0" err="1" smtClean="0"/>
+              <a:rPr lang="de-DE" dirty="0" err="1"/>
               <a:t>examples</a:t>
             </a:r>
             <a:r>
-              <a:rPr lang="de-DE" dirty="0" smtClean="0"/>
+              <a:rPr lang="de-DE" dirty="0"/>
               <a:t> Gallery</a:t>
             </a:r>
           </a:p>
           <a:p>
             <a:r>
-              <a:rPr lang="de-DE" dirty="0" err="1" smtClean="0"/>
+              <a:rPr lang="de-DE" dirty="0" err="1"/>
               <a:t>Good</a:t>
             </a:r>
             <a:r>
-              <a:rPr lang="de-DE" dirty="0" smtClean="0"/>
+              <a:rPr lang="de-DE" dirty="0"/>
               <a:t> </a:t>
             </a:r>
             <a:r>
-              <a:rPr lang="de-DE" dirty="0" err="1" smtClean="0"/>
+              <a:rPr lang="de-DE" dirty="0" err="1"/>
               <a:t>support</a:t>
             </a:r>
             <a:r>
-              <a:rPr lang="de-DE" dirty="0" smtClean="0"/>
+              <a:rPr lang="de-DE" dirty="0"/>
               <a:t> Forums</a:t>
             </a:r>
           </a:p>
           <a:p>
             <a:r>
-              <a:rPr lang="de-DE" dirty="0" smtClean="0"/>
+              <a:rPr lang="de-DE" dirty="0"/>
               <a:t>XAML not </a:t>
             </a:r>
             <a:r>
-              <a:rPr lang="de-DE" dirty="0" err="1" smtClean="0"/>
+              <a:rPr lang="de-DE" dirty="0" err="1"/>
               <a:t>really</a:t>
             </a:r>
             <a:r>
-              <a:rPr lang="de-DE" dirty="0" smtClean="0"/>
+              <a:rPr lang="de-DE" dirty="0"/>
               <a:t> XAML</a:t>
             </a:r>
           </a:p>
           <a:p>
             <a:r>
-              <a:rPr lang="de-DE" dirty="0" err="1" smtClean="0"/>
+              <a:rPr lang="de-DE" strike="sngStrike" dirty="0" err="1"/>
               <a:t>Greate</a:t>
             </a:r>
             <a:r>
-              <a:rPr lang="de-DE" dirty="0" smtClean="0"/>
+              <a:rPr lang="de-DE" strike="sngStrike" dirty="0"/>
               <a:t> </a:t>
             </a:r>
             <a:r>
-              <a:rPr lang="de-DE" dirty="0" err="1" smtClean="0"/>
+              <a:rPr lang="de-DE" strike="sngStrike" dirty="0" err="1"/>
               <a:t>for</a:t>
             </a:r>
             <a:r>
-              <a:rPr lang="de-DE" dirty="0" smtClean="0"/>
+              <a:rPr lang="de-DE" strike="sngStrike" dirty="0"/>
               <a:t> </a:t>
             </a:r>
             <a:r>
-              <a:rPr lang="de-DE" dirty="0" err="1" smtClean="0"/>
+              <a:rPr lang="de-DE" strike="sngStrike" dirty="0" err="1"/>
               <a:t>PoC</a:t>
             </a:r>
             <a:r>
-              <a:rPr lang="de-DE" dirty="0" smtClean="0"/>
+              <a:rPr lang="de-DE" strike="sngStrike" dirty="0"/>
               <a:t>, </a:t>
             </a:r>
             <a:r>
-              <a:rPr lang="de-DE" dirty="0" err="1" smtClean="0"/>
+              <a:rPr lang="de-DE" strike="sngStrike" dirty="0" err="1"/>
               <a:t>Prototyping</a:t>
             </a:r>
-            <a:endParaRPr lang="de-DE" dirty="0"/>
+            <a:endParaRPr lang="de-DE" strike="sngStrike" dirty="0"/>
           </a:p>
         </p:txBody>
       </p:sp>
@@ -8910,13 +9432,6 @@
   <p:clrMapOvr>
     <a:masterClrMapping/>
   </p:clrMapOvr>
-  <p:timing>
-    <p:tnLst>
-      <p:par>
-        <p:cTn id="1" dur="indefinite" restart="never" nodeType="tmRoot"/>
-      </p:par>
-    </p:tnLst>
-  </p:timing>
 </p:sld>
 </file>
 
@@ -8953,174 +9468,278 @@
           <a:lstStyle/>
           <a:p>
             <a:r>
-              <a:rPr lang="de-DE" dirty="0" err="1" smtClean="0"/>
+              <a:rPr lang="de-DE" dirty="0" err="1"/>
               <a:t>Xamarin</a:t>
             </a:r>
             <a:r>
-              <a:rPr lang="de-DE" dirty="0" smtClean="0"/>
-              <a:t> Components</a:t>
+              <a:rPr lang="de-DE" dirty="0"/>
+              <a:t> Forms</a:t>
+            </a:r>
+          </a:p>
+        </p:txBody>
+      </p:sp>
+      <p:sp>
+        <p:nvSpPr>
+          <p:cNvPr id="3" name="Inhaltsplatzhalter 2"/>
+          <p:cNvSpPr>
+            <a:spLocks noGrp="1"/>
+          </p:cNvSpPr>
+          <p:nvPr>
+            <p:ph idx="1"/>
+          </p:nvPr>
+        </p:nvSpPr>
+        <p:spPr/>
+        <p:txBody>
+          <a:bodyPr/>
+          <a:lstStyle/>
+          <a:p>
+            <a:r>
+              <a:rPr lang="de-DE" dirty="0" err="1"/>
+              <a:t>Xaml</a:t>
+            </a:r>
+            <a:r>
+              <a:rPr lang="de-DE" dirty="0"/>
+              <a:t> </a:t>
+            </a:r>
+            <a:r>
+              <a:rPr lang="de-DE" dirty="0" err="1"/>
+              <a:t>Compilation</a:t>
             </a:r>
             <a:endParaRPr lang="de-DE" dirty="0"/>
           </a:p>
-        </p:txBody>
-      </p:sp>
-      <p:sp>
-        <p:nvSpPr>
-          <p:cNvPr id="3" name="Inhaltsplatzhalter 2"/>
-          <p:cNvSpPr>
-            <a:spLocks noGrp="1"/>
-          </p:cNvSpPr>
-          <p:nvPr>
-            <p:ph idx="1"/>
-          </p:nvPr>
-        </p:nvSpPr>
-        <p:spPr/>
-        <p:txBody>
-          <a:bodyPr/>
-          <a:lstStyle/>
-          <a:p>
-            <a:r>
-              <a:rPr lang="de-DE" dirty="0" err="1" smtClean="0"/>
-              <a:t>Ready</a:t>
-            </a:r>
-            <a:r>
-              <a:rPr lang="de-DE" dirty="0" smtClean="0"/>
+          <a:p>
+            <a:r>
+              <a:rPr lang="de-DE" dirty="0" err="1"/>
+              <a:t>Xaml</a:t>
+            </a:r>
+            <a:r>
+              <a:rPr lang="de-DE" dirty="0"/>
               <a:t> </a:t>
             </a:r>
             <a:r>
-              <a:rPr lang="de-DE" dirty="0" err="1" smtClean="0"/>
+              <a:rPr lang="de-DE" dirty="0" err="1"/>
+              <a:t>Previewer</a:t>
+            </a:r>
+            <a:endParaRPr lang="de-DE" dirty="0"/>
+          </a:p>
+          <a:p>
+            <a:r>
+              <a:rPr lang="de-DE" dirty="0"/>
+              <a:t>Support </a:t>
+            </a:r>
+            <a:r>
+              <a:rPr lang="de-DE" dirty="0" err="1"/>
+              <a:t>for</a:t>
+            </a:r>
+            <a:r>
+              <a:rPr lang="de-DE" dirty="0"/>
+              <a:t> OS </a:t>
+            </a:r>
+            <a:r>
+              <a:rPr lang="de-DE" dirty="0" err="1"/>
+              <a:t>specific</a:t>
+            </a:r>
+            <a:r>
+              <a:rPr lang="de-DE" dirty="0"/>
+              <a:t> </a:t>
+            </a:r>
+            <a:r>
+              <a:rPr lang="de-DE" dirty="0" err="1"/>
+              <a:t>Xaml</a:t>
+            </a:r>
+            <a:endParaRPr lang="de-DE" dirty="0"/>
+          </a:p>
+          <a:p>
+            <a:r>
+              <a:rPr lang="de-DE" dirty="0"/>
+              <a:t>Layout </a:t>
+            </a:r>
+            <a:r>
+              <a:rPr lang="de-DE" dirty="0" err="1"/>
+              <a:t>Dictionaries</a:t>
+            </a:r>
+            <a:endParaRPr lang="de-DE" dirty="0"/>
+          </a:p>
+          <a:p>
+            <a:r>
+              <a:rPr lang="de-DE" dirty="0" err="1"/>
+              <a:t>Only</a:t>
+            </a:r>
+            <a:r>
+              <a:rPr lang="de-DE" dirty="0"/>
+              <a:t> a </a:t>
+            </a:r>
+            <a:r>
+              <a:rPr lang="de-DE" dirty="0" err="1"/>
+              <a:t>few</a:t>
+            </a:r>
+            <a:r>
+              <a:rPr lang="de-DE" dirty="0"/>
+              <a:t> </a:t>
+            </a:r>
+            <a:r>
+              <a:rPr lang="de-DE" dirty="0" err="1"/>
+              <a:t>lines</a:t>
+            </a:r>
+            <a:r>
+              <a:rPr lang="de-DE" dirty="0"/>
+              <a:t> </a:t>
+            </a:r>
+            <a:r>
+              <a:rPr lang="de-DE" dirty="0" err="1"/>
+              <a:t>of</a:t>
+            </a:r>
+            <a:r>
+              <a:rPr lang="de-DE" dirty="0"/>
+              <a:t> </a:t>
+            </a:r>
+            <a:r>
+              <a:rPr lang="de-DE" dirty="0" err="1"/>
+              <a:t>code</a:t>
+            </a:r>
+            <a:r>
+              <a:rPr lang="de-DE" dirty="0"/>
+              <a:t> in OS </a:t>
+            </a:r>
+            <a:r>
+              <a:rPr lang="de-DE" dirty="0" err="1"/>
+              <a:t>specific</a:t>
+            </a:r>
+            <a:r>
+              <a:rPr lang="de-DE" dirty="0"/>
+              <a:t> </a:t>
+            </a:r>
+            <a:r>
+              <a:rPr lang="de-DE" dirty="0" err="1"/>
+              <a:t>projects</a:t>
+            </a:r>
+            <a:endParaRPr lang="de-DE" dirty="0"/>
+          </a:p>
+          <a:p>
+            <a:r>
+              <a:rPr lang="de-DE" dirty="0" err="1"/>
+              <a:t>Use</a:t>
+            </a:r>
+            <a:r>
+              <a:rPr lang="de-DE" dirty="0"/>
+              <a:t> </a:t>
+            </a:r>
+            <a:r>
+              <a:rPr lang="de-DE" dirty="0" err="1"/>
+              <a:t>plattform</a:t>
+            </a:r>
+            <a:r>
+              <a:rPr lang="de-DE" dirty="0"/>
+              <a:t> </a:t>
+            </a:r>
+            <a:r>
+              <a:rPr lang="de-DE" dirty="0" err="1"/>
+              <a:t>specific</a:t>
+            </a:r>
+            <a:r>
+              <a:rPr lang="de-DE" dirty="0"/>
+              <a:t> </a:t>
+            </a:r>
+            <a:r>
+              <a:rPr lang="de-DE" dirty="0" err="1"/>
+              <a:t>custom</a:t>
+            </a:r>
+            <a:r>
+              <a:rPr lang="de-DE" dirty="0"/>
+              <a:t> </a:t>
+            </a:r>
+            <a:r>
+              <a:rPr lang="de-DE" dirty="0" err="1"/>
+              <a:t>controls</a:t>
+            </a:r>
+            <a:r>
+              <a:rPr lang="de-DE" dirty="0"/>
+              <a:t> </a:t>
+            </a:r>
+            <a:r>
+              <a:rPr lang="de-DE" dirty="0" err="1"/>
+              <a:t>and</a:t>
+            </a:r>
+            <a:r>
+              <a:rPr lang="de-DE" dirty="0"/>
+              <a:t> 3rd </a:t>
+            </a:r>
+            <a:r>
+              <a:rPr lang="de-DE" dirty="0" err="1"/>
+              <a:t>party</a:t>
+            </a:r>
+            <a:r>
+              <a:rPr lang="de-DE" dirty="0"/>
+              <a:t> </a:t>
+            </a:r>
+            <a:r>
+              <a:rPr lang="de-DE" dirty="0" err="1"/>
+              <a:t>components</a:t>
+            </a:r>
+            <a:r>
+              <a:rPr lang="de-DE" dirty="0"/>
+              <a:t> </a:t>
+            </a:r>
+            <a:r>
+              <a:rPr lang="de-DE" dirty="0" err="1"/>
+              <a:t>from</a:t>
+            </a:r>
+            <a:r>
+              <a:rPr lang="de-DE" dirty="0"/>
+              <a:t> </a:t>
+            </a:r>
+            <a:r>
+              <a:rPr lang="de-DE" dirty="0" err="1"/>
+              <a:t>within</a:t>
+            </a:r>
+            <a:r>
+              <a:rPr lang="de-DE" dirty="0"/>
+              <a:t> XF</a:t>
+            </a:r>
+          </a:p>
+          <a:p>
+            <a:r>
+              <a:rPr lang="de-DE" dirty="0" err="1"/>
+              <a:t>Deep</a:t>
+            </a:r>
+            <a:r>
+              <a:rPr lang="de-DE" dirty="0"/>
+              <a:t>-Linking-Support </a:t>
+            </a:r>
+            <a:r>
+              <a:rPr lang="de-DE" dirty="0" err="1"/>
+              <a:t>thanks</a:t>
+            </a:r>
+            <a:r>
+              <a:rPr lang="de-DE" dirty="0"/>
+              <a:t> </a:t>
+            </a:r>
+            <a:r>
+              <a:rPr lang="de-DE" dirty="0" err="1"/>
               <a:t>to</a:t>
             </a:r>
             <a:r>
-              <a:rPr lang="de-DE" dirty="0" smtClean="0"/>
+              <a:rPr lang="de-DE" dirty="0"/>
               <a:t> </a:t>
             </a:r>
             <a:r>
-              <a:rPr lang="de-DE" dirty="0" err="1" smtClean="0"/>
-              <a:t>use</a:t>
-            </a:r>
-            <a:r>
-              <a:rPr lang="de-DE" dirty="0" smtClean="0"/>
-              <a:t> </a:t>
-            </a:r>
-            <a:r>
-              <a:rPr lang="de-DE" dirty="0" err="1" smtClean="0"/>
-              <a:t>cross-platform-components</a:t>
-            </a:r>
-            <a:endParaRPr lang="de-DE" dirty="0" smtClean="0"/>
-          </a:p>
-          <a:p>
-            <a:r>
-              <a:rPr lang="de-DE" dirty="0" smtClean="0"/>
-              <a:t>SDKs, </a:t>
-            </a:r>
-            <a:r>
-              <a:rPr lang="de-DE" dirty="0" err="1" smtClean="0"/>
-              <a:t>Themes</a:t>
-            </a:r>
-            <a:r>
-              <a:rPr lang="de-DE" dirty="0" smtClean="0"/>
-              <a:t>, </a:t>
-            </a:r>
-            <a:r>
-              <a:rPr lang="de-DE" dirty="0" err="1" smtClean="0"/>
-              <a:t>Plugins</a:t>
-            </a:r>
-            <a:r>
-              <a:rPr lang="de-DE" dirty="0" smtClean="0"/>
-              <a:t> </a:t>
-            </a:r>
-            <a:r>
-              <a:rPr lang="de-DE" dirty="0" err="1" smtClean="0"/>
-              <a:t>and</a:t>
-            </a:r>
-            <a:r>
-              <a:rPr lang="de-DE" dirty="0" smtClean="0"/>
-              <a:t> UI Components</a:t>
-            </a:r>
-          </a:p>
-          <a:p>
-            <a:r>
-              <a:rPr lang="de-DE" dirty="0" err="1" smtClean="0"/>
-              <a:t>ComponentStore</a:t>
-            </a:r>
-            <a:r>
-              <a:rPr lang="de-DE" dirty="0" smtClean="0"/>
-              <a:t>, </a:t>
-            </a:r>
-            <a:r>
-              <a:rPr lang="de-DE" dirty="0" err="1" smtClean="0"/>
-              <a:t>submit</a:t>
-            </a:r>
-            <a:r>
-              <a:rPr lang="de-DE" dirty="0" smtClean="0"/>
-              <a:t> </a:t>
-            </a:r>
-            <a:r>
-              <a:rPr lang="de-DE" dirty="0" err="1" smtClean="0"/>
-              <a:t>your</a:t>
-            </a:r>
-            <a:r>
-              <a:rPr lang="de-DE" dirty="0" smtClean="0"/>
-              <a:t> </a:t>
-            </a:r>
-            <a:r>
-              <a:rPr lang="de-DE" dirty="0" err="1" smtClean="0"/>
-              <a:t>own</a:t>
-            </a:r>
-            <a:r>
-              <a:rPr lang="de-DE" dirty="0" smtClean="0"/>
-              <a:t> </a:t>
-            </a:r>
-            <a:r>
-              <a:rPr lang="de-DE" dirty="0" err="1" smtClean="0"/>
-              <a:t>Component</a:t>
-            </a:r>
-            <a:endParaRPr lang="de-DE" dirty="0" smtClean="0"/>
-          </a:p>
-        </p:txBody>
-      </p:sp>
-      <p:pic>
-        <p:nvPicPr>
-          <p:cNvPr id="5" name="Grafik 4"/>
-          <p:cNvPicPr>
-            <a:picLocks noChangeAspect="1"/>
-          </p:cNvPicPr>
-          <p:nvPr/>
-        </p:nvPicPr>
-        <p:blipFill>
-          <a:blip r:embed="rId2"/>
-          <a:stretch>
-            <a:fillRect/>
-          </a:stretch>
-        </p:blipFill>
-        <p:spPr>
-          <a:xfrm>
-            <a:off x="6795316" y="1935921"/>
-            <a:ext cx="4787083" cy="3095866"/>
-          </a:xfrm>
-          <a:prstGeom prst="rect">
-            <a:avLst/>
-          </a:prstGeom>
-        </p:spPr>
-      </p:pic>
+              <a:rPr lang="de-DE" dirty="0" err="1"/>
+              <a:t>PrismLibrary</a:t>
+            </a:r>
+            <a:endParaRPr lang="de-DE" dirty="0"/>
+          </a:p>
+        </p:txBody>
+      </p:sp>
     </p:spTree>
     <p:extLst>
       <p:ext uri="{BB962C8B-B14F-4D97-AF65-F5344CB8AC3E}">
-        <p14:creationId xmlns:p14="http://schemas.microsoft.com/office/powerpoint/2010/main" val="470827908"/>
+        <p14:creationId xmlns:p14="http://schemas.microsoft.com/office/powerpoint/2010/main" val="2525111459"/>
       </p:ext>
     </p:extLst>
   </p:cSld>
   <p:clrMapOvr>
     <a:masterClrMapping/>
   </p:clrMapOvr>
-  <p:timing>
-    <p:tnLst>
-      <p:par>
-        <p:cTn id="1" dur="indefinite" restart="never" nodeType="tmRoot"/>
-      </p:par>
-    </p:tnLst>
-  </p:timing>
 </p:sld>
 </file>
 
